--- a/conference/大作业展示.pptx
+++ b/conference/大作业展示.pptx
@@ -1,30 +1,32 @@
 
 <file path=ppt/presentation.xml><?xml version="1.0" encoding="utf-8"?>
-<p:presentation xmlns:a="http://schemas.openxmlformats.org/drawingml/2006/main" xmlns:r="http://schemas.openxmlformats.org/officeDocument/2006/relationships" xmlns:p="http://schemas.openxmlformats.org/presentationml/2006/main" saveSubsetFonts="1">
+<p:presentation xmlns:a="http://schemas.openxmlformats.org/drawingml/2006/main" xmlns:r="http://schemas.openxmlformats.org/officeDocument/2006/relationships" xmlns:p="http://schemas.openxmlformats.org/presentationml/2006/main">
   <p:sldMasterIdLst>
     <p:sldMasterId id="2147483648" r:id="rId1"/>
+    <p:sldMasterId id="2147483660" r:id="rId3"/>
   </p:sldMasterIdLst>
   <p:notesMasterIdLst>
-    <p:notesMasterId r:id="rId19"/>
+    <p:notesMasterId r:id="rId8"/>
   </p:notesMasterIdLst>
   <p:sldIdLst>
-    <p:sldId id="256" r:id="rId2"/>
-    <p:sldId id="257" r:id="rId3"/>
-    <p:sldId id="260" r:id="rId4"/>
-    <p:sldId id="261" r:id="rId5"/>
-    <p:sldId id="259" r:id="rId6"/>
-    <p:sldId id="262" r:id="rId7"/>
-    <p:sldId id="258" r:id="rId8"/>
-    <p:sldId id="263" r:id="rId9"/>
-    <p:sldId id="264" r:id="rId10"/>
-    <p:sldId id="265" r:id="rId11"/>
-    <p:sldId id="266" r:id="rId12"/>
-    <p:sldId id="267" r:id="rId13"/>
-    <p:sldId id="268" r:id="rId14"/>
-    <p:sldId id="269" r:id="rId15"/>
-    <p:sldId id="270" r:id="rId16"/>
-    <p:sldId id="271" r:id="rId17"/>
-    <p:sldId id="272" r:id="rId18"/>
+    <p:sldId id="256" r:id="rId4"/>
+    <p:sldId id="257" r:id="rId5"/>
+    <p:sldId id="260" r:id="rId6"/>
+    <p:sldId id="261" r:id="rId7"/>
+    <p:sldId id="259" r:id="rId9"/>
+    <p:sldId id="262" r:id="rId10"/>
+    <p:sldId id="258" r:id="rId11"/>
+    <p:sldId id="263" r:id="rId12"/>
+    <p:sldId id="264" r:id="rId13"/>
+    <p:sldId id="265" r:id="rId14"/>
+    <p:sldId id="266" r:id="rId15"/>
+    <p:sldId id="267" r:id="rId16"/>
+    <p:sldId id="268" r:id="rId17"/>
+    <p:sldId id="269" r:id="rId18"/>
+    <p:sldId id="270" r:id="rId19"/>
+    <p:sldId id="271" r:id="rId20"/>
+    <p:sldId id="272" r:id="rId21"/>
+    <p:sldId id="275" r:id="rId22"/>
   </p:sldIdLst>
   <p:sldSz cx="12192000" cy="6858000"/>
   <p:notesSz cx="6858000" cy="9144000"/>
@@ -208,7 +210,6 @@
           <a:p>
             <a:fld id="{ACE8B837-89B1-4216-BA48-99AABD2FFA0C}" type="datetimeFigureOut">
               <a:rPr lang="zh-CN" altLang="en-US" smtClean="0"/>
-              <a:t>2019/6/11</a:t>
             </a:fld>
             <a:endParaRPr lang="zh-CN" altLang="en-US"/>
           </a:p>
@@ -275,6 +276,7 @@
               <a:rPr lang="zh-CN" altLang="en-US"/>
               <a:t>单击此处编辑母版文本样式</a:t>
             </a:r>
+            <a:endParaRPr lang="zh-CN" altLang="en-US"/>
           </a:p>
           <a:p>
             <a:pPr lvl="1"/>
@@ -282,6 +284,7 @@
               <a:rPr lang="zh-CN" altLang="en-US"/>
               <a:t>二级</a:t>
             </a:r>
+            <a:endParaRPr lang="zh-CN" altLang="en-US"/>
           </a:p>
           <a:p>
             <a:pPr lvl="2"/>
@@ -289,6 +292,7 @@
               <a:rPr lang="zh-CN" altLang="en-US"/>
               <a:t>三级</a:t>
             </a:r>
+            <a:endParaRPr lang="zh-CN" altLang="en-US"/>
           </a:p>
           <a:p>
             <a:pPr lvl="3"/>
@@ -296,6 +300,7 @@
               <a:rPr lang="zh-CN" altLang="en-US"/>
               <a:t>四级</a:t>
             </a:r>
+            <a:endParaRPr lang="zh-CN" altLang="en-US"/>
           </a:p>
           <a:p>
             <a:pPr lvl="4"/>
@@ -303,6 +308,7 @@
               <a:rPr lang="zh-CN" altLang="en-US"/>
               <a:t>五级</a:t>
             </a:r>
+            <a:endParaRPr lang="zh-CN" altLang="en-US"/>
           </a:p>
         </p:txBody>
       </p:sp>
@@ -366,18 +372,12 @@
           <a:p>
             <a:fld id="{0684D6E9-29B0-4DBD-B275-4968C6735AFA}" type="slidenum">
               <a:rPr lang="zh-CN" altLang="en-US" smtClean="0"/>
-              <a:t>‹#›</a:t>
             </a:fld>
             <a:endParaRPr lang="zh-CN" altLang="en-US"/>
           </a:p>
         </p:txBody>
       </p:sp>
     </p:spTree>
-    <p:extLst>
-      <p:ext uri="{BB962C8B-B14F-4D97-AF65-F5344CB8AC3E}">
-        <p14:creationId xmlns:p14="http://schemas.microsoft.com/office/powerpoint/2010/main" val="2782542732"/>
-      </p:ext>
-    </p:extLst>
   </p:cSld>
   <p:clrMap bg1="lt1" tx1="dk1" bg2="lt2" tx2="dk2" accent1="accent1" accent2="accent2" accent3="accent3" accent4="accent4" accent5="accent5" accent6="accent6" hlink="hlink" folHlink="folHlink"/>
   <p:notesStyle>
@@ -540,18 +540,12 @@
           <a:p>
             <a:fld id="{0684D6E9-29B0-4DBD-B275-4968C6735AFA}" type="slidenum">
               <a:rPr lang="zh-CN" altLang="en-US" smtClean="0"/>
-              <a:t>4</a:t>
             </a:fld>
             <a:endParaRPr lang="zh-CN" altLang="en-US"/>
           </a:p>
         </p:txBody>
       </p:sp>
     </p:spTree>
-    <p:extLst>
-      <p:ext uri="{BB962C8B-B14F-4D97-AF65-F5344CB8AC3E}">
-        <p14:creationId xmlns:p14="http://schemas.microsoft.com/office/powerpoint/2010/main" val="3323743580"/>
-      </p:ext>
-    </p:extLst>
   </p:cSld>
   <p:clrMapOvr>
     <a:masterClrMapping/>
@@ -578,13 +572,7 @@
       </p:grpSpPr>
       <p:sp>
         <p:nvSpPr>
-          <p:cNvPr id="2" name="标题 1">
-            <a:extLst>
-              <a:ext uri="{FF2B5EF4-FFF2-40B4-BE49-F238E27FC236}">
-                <a16:creationId xmlns:a16="http://schemas.microsoft.com/office/drawing/2014/main" id="{FD082F49-B135-46B7-8B75-E6EB52CC7D15}"/>
-              </a:ext>
-            </a:extLst>
-          </p:cNvPr>
+          <p:cNvPr id="2" name="标题 1"/>
           <p:cNvSpPr>
             <a:spLocks noGrp="1"/>
           </p:cNvSpPr>
@@ -610,18 +598,13 @@
               <a:rPr lang="zh-CN" altLang="en-US"/>
               <a:t>单击此处编辑母版标题样式</a:t>
             </a:r>
-          </a:p>
-        </p:txBody>
-      </p:sp>
-      <p:sp>
-        <p:nvSpPr>
-          <p:cNvPr id="3" name="副标题 2">
-            <a:extLst>
-              <a:ext uri="{FF2B5EF4-FFF2-40B4-BE49-F238E27FC236}">
-                <a16:creationId xmlns:a16="http://schemas.microsoft.com/office/drawing/2014/main" id="{CA74940D-816F-4D6F-9C7A-FD245CABEBA0}"/>
-              </a:ext>
-            </a:extLst>
-          </p:cNvPr>
+            <a:endParaRPr lang="zh-CN" altLang="en-US"/>
+          </a:p>
+        </p:txBody>
+      </p:sp>
+      <p:sp>
+        <p:nvSpPr>
+          <p:cNvPr id="3" name="副标题 2"/>
           <p:cNvSpPr>
             <a:spLocks noGrp="1"/>
           </p:cNvSpPr>
@@ -680,18 +663,13 @@
               <a:rPr lang="zh-CN" altLang="en-US"/>
               <a:t>单击此处编辑母版副标题样式</a:t>
             </a:r>
-          </a:p>
-        </p:txBody>
-      </p:sp>
-      <p:sp>
-        <p:nvSpPr>
-          <p:cNvPr id="4" name="日期占位符 3">
-            <a:extLst>
-              <a:ext uri="{FF2B5EF4-FFF2-40B4-BE49-F238E27FC236}">
-                <a16:creationId xmlns:a16="http://schemas.microsoft.com/office/drawing/2014/main" id="{07931E4D-7E22-4EB5-8EB7-E285A4C408F0}"/>
-              </a:ext>
-            </a:extLst>
-          </p:cNvPr>
+            <a:endParaRPr lang="zh-CN" altLang="en-US"/>
+          </a:p>
+        </p:txBody>
+      </p:sp>
+      <p:sp>
+        <p:nvSpPr>
+          <p:cNvPr id="4" name="日期占位符 3"/>
           <p:cNvSpPr>
             <a:spLocks noGrp="1"/>
           </p:cNvSpPr>
@@ -706,7 +684,6 @@
           <a:p>
             <a:fld id="{3E77F3E2-788F-42B3-837B-A6E77B056D99}" type="datetimeFigureOut">
               <a:rPr lang="zh-CN" altLang="en-US" smtClean="0"/>
-              <a:t>2019/6/11</a:t>
             </a:fld>
             <a:endParaRPr lang="zh-CN" altLang="en-US"/>
           </a:p>
@@ -714,13 +691,7 @@
       </p:sp>
       <p:sp>
         <p:nvSpPr>
-          <p:cNvPr id="5" name="页脚占位符 4">
-            <a:extLst>
-              <a:ext uri="{FF2B5EF4-FFF2-40B4-BE49-F238E27FC236}">
-                <a16:creationId xmlns:a16="http://schemas.microsoft.com/office/drawing/2014/main" id="{60AC8BAC-768F-404B-83C1-61D047887F36}"/>
-              </a:ext>
-            </a:extLst>
-          </p:cNvPr>
+          <p:cNvPr id="5" name="页脚占位符 4"/>
           <p:cNvSpPr>
             <a:spLocks noGrp="1"/>
           </p:cNvSpPr>
@@ -739,13 +710,7 @@
       </p:sp>
       <p:sp>
         <p:nvSpPr>
-          <p:cNvPr id="6" name="灯片编号占位符 5">
-            <a:extLst>
-              <a:ext uri="{FF2B5EF4-FFF2-40B4-BE49-F238E27FC236}">
-                <a16:creationId xmlns:a16="http://schemas.microsoft.com/office/drawing/2014/main" id="{CDAEC730-727F-4733-B0A7-40C954657ECF}"/>
-              </a:ext>
-            </a:extLst>
-          </p:cNvPr>
+          <p:cNvPr id="6" name="灯片编号占位符 5"/>
           <p:cNvSpPr>
             <a:spLocks noGrp="1"/>
           </p:cNvSpPr>
@@ -760,18 +725,12 @@
           <a:p>
             <a:fld id="{3839FD42-9642-4BE7-B5A8-BB93D8CD450C}" type="slidenum">
               <a:rPr lang="zh-CN" altLang="en-US" smtClean="0"/>
-              <a:t>‹#›</a:t>
             </a:fld>
             <a:endParaRPr lang="zh-CN" altLang="en-US"/>
           </a:p>
         </p:txBody>
       </p:sp>
     </p:spTree>
-    <p:extLst>
-      <p:ext uri="{BB962C8B-B14F-4D97-AF65-F5344CB8AC3E}">
-        <p14:creationId xmlns:p14="http://schemas.microsoft.com/office/powerpoint/2010/main" val="4262026534"/>
-      </p:ext>
-    </p:extLst>
   </p:cSld>
   <p:clrMapOvr>
     <a:masterClrMapping/>
@@ -798,13 +757,7 @@
       </p:grpSpPr>
       <p:sp>
         <p:nvSpPr>
-          <p:cNvPr id="2" name="标题 1">
-            <a:extLst>
-              <a:ext uri="{FF2B5EF4-FFF2-40B4-BE49-F238E27FC236}">
-                <a16:creationId xmlns:a16="http://schemas.microsoft.com/office/drawing/2014/main" id="{595F4638-CDBE-4389-BFB7-8A6FF5DDBD26}"/>
-              </a:ext>
-            </a:extLst>
-          </p:cNvPr>
+          <p:cNvPr id="2" name="标题 1"/>
           <p:cNvSpPr>
             <a:spLocks noGrp="1"/>
           </p:cNvSpPr>
@@ -821,18 +774,13 @@
               <a:rPr lang="zh-CN" altLang="en-US"/>
               <a:t>单击此处编辑母版标题样式</a:t>
             </a:r>
-          </a:p>
-        </p:txBody>
-      </p:sp>
-      <p:sp>
-        <p:nvSpPr>
-          <p:cNvPr id="3" name="竖排文字占位符 2">
-            <a:extLst>
-              <a:ext uri="{FF2B5EF4-FFF2-40B4-BE49-F238E27FC236}">
-                <a16:creationId xmlns:a16="http://schemas.microsoft.com/office/drawing/2014/main" id="{CB1AC689-6CC6-41F5-8DBA-F752B682D599}"/>
-              </a:ext>
-            </a:extLst>
-          </p:cNvPr>
+            <a:endParaRPr lang="zh-CN" altLang="en-US"/>
+          </a:p>
+        </p:txBody>
+      </p:sp>
+      <p:sp>
+        <p:nvSpPr>
+          <p:cNvPr id="3" name="竖排文字占位符 2"/>
           <p:cNvSpPr>
             <a:spLocks noGrp="1"/>
           </p:cNvSpPr>
@@ -850,6 +798,7 @@
               <a:rPr lang="zh-CN" altLang="en-US"/>
               <a:t>单击此处编辑母版文本样式</a:t>
             </a:r>
+            <a:endParaRPr lang="zh-CN" altLang="en-US"/>
           </a:p>
           <a:p>
             <a:pPr lvl="1"/>
@@ -857,6 +806,7 @@
               <a:rPr lang="zh-CN" altLang="en-US"/>
               <a:t>二级</a:t>
             </a:r>
+            <a:endParaRPr lang="zh-CN" altLang="en-US"/>
           </a:p>
           <a:p>
             <a:pPr lvl="2"/>
@@ -864,6 +814,7 @@
               <a:rPr lang="zh-CN" altLang="en-US"/>
               <a:t>三级</a:t>
             </a:r>
+            <a:endParaRPr lang="zh-CN" altLang="en-US"/>
           </a:p>
           <a:p>
             <a:pPr lvl="3"/>
@@ -871,6 +822,7 @@
               <a:rPr lang="zh-CN" altLang="en-US"/>
               <a:t>四级</a:t>
             </a:r>
+            <a:endParaRPr lang="zh-CN" altLang="en-US"/>
           </a:p>
           <a:p>
             <a:pPr lvl="4"/>
@@ -878,18 +830,13 @@
               <a:rPr lang="zh-CN" altLang="en-US"/>
               <a:t>五级</a:t>
             </a:r>
-          </a:p>
-        </p:txBody>
-      </p:sp>
-      <p:sp>
-        <p:nvSpPr>
-          <p:cNvPr id="4" name="日期占位符 3">
-            <a:extLst>
-              <a:ext uri="{FF2B5EF4-FFF2-40B4-BE49-F238E27FC236}">
-                <a16:creationId xmlns:a16="http://schemas.microsoft.com/office/drawing/2014/main" id="{538DB794-7795-4ED3-941C-BE62E4F43CA9}"/>
-              </a:ext>
-            </a:extLst>
-          </p:cNvPr>
+            <a:endParaRPr lang="zh-CN" altLang="en-US"/>
+          </a:p>
+        </p:txBody>
+      </p:sp>
+      <p:sp>
+        <p:nvSpPr>
+          <p:cNvPr id="4" name="日期占位符 3"/>
           <p:cNvSpPr>
             <a:spLocks noGrp="1"/>
           </p:cNvSpPr>
@@ -904,7 +851,6 @@
           <a:p>
             <a:fld id="{3E77F3E2-788F-42B3-837B-A6E77B056D99}" type="datetimeFigureOut">
               <a:rPr lang="zh-CN" altLang="en-US" smtClean="0"/>
-              <a:t>2019/6/11</a:t>
             </a:fld>
             <a:endParaRPr lang="zh-CN" altLang="en-US"/>
           </a:p>
@@ -912,13 +858,7 @@
       </p:sp>
       <p:sp>
         <p:nvSpPr>
-          <p:cNvPr id="5" name="页脚占位符 4">
-            <a:extLst>
-              <a:ext uri="{FF2B5EF4-FFF2-40B4-BE49-F238E27FC236}">
-                <a16:creationId xmlns:a16="http://schemas.microsoft.com/office/drawing/2014/main" id="{32E2E847-F706-42A0-92D0-9B06BE100C79}"/>
-              </a:ext>
-            </a:extLst>
-          </p:cNvPr>
+          <p:cNvPr id="5" name="页脚占位符 4"/>
           <p:cNvSpPr>
             <a:spLocks noGrp="1"/>
           </p:cNvSpPr>
@@ -937,13 +877,7 @@
       </p:sp>
       <p:sp>
         <p:nvSpPr>
-          <p:cNvPr id="6" name="灯片编号占位符 5">
-            <a:extLst>
-              <a:ext uri="{FF2B5EF4-FFF2-40B4-BE49-F238E27FC236}">
-                <a16:creationId xmlns:a16="http://schemas.microsoft.com/office/drawing/2014/main" id="{695D445C-3BB7-4CCC-9155-555C553A3C77}"/>
-              </a:ext>
-            </a:extLst>
-          </p:cNvPr>
+          <p:cNvPr id="6" name="灯片编号占位符 5"/>
           <p:cNvSpPr>
             <a:spLocks noGrp="1"/>
           </p:cNvSpPr>
@@ -958,18 +892,12 @@
           <a:p>
             <a:fld id="{3839FD42-9642-4BE7-B5A8-BB93D8CD450C}" type="slidenum">
               <a:rPr lang="zh-CN" altLang="en-US" smtClean="0"/>
-              <a:t>‹#›</a:t>
             </a:fld>
             <a:endParaRPr lang="zh-CN" altLang="en-US"/>
           </a:p>
         </p:txBody>
       </p:sp>
     </p:spTree>
-    <p:extLst>
-      <p:ext uri="{BB962C8B-B14F-4D97-AF65-F5344CB8AC3E}">
-        <p14:creationId xmlns:p14="http://schemas.microsoft.com/office/powerpoint/2010/main" val="2380231726"/>
-      </p:ext>
-    </p:extLst>
   </p:cSld>
   <p:clrMapOvr>
     <a:masterClrMapping/>
@@ -996,13 +924,7 @@
       </p:grpSpPr>
       <p:sp>
         <p:nvSpPr>
-          <p:cNvPr id="2" name="竖排标题 1">
-            <a:extLst>
-              <a:ext uri="{FF2B5EF4-FFF2-40B4-BE49-F238E27FC236}">
-                <a16:creationId xmlns:a16="http://schemas.microsoft.com/office/drawing/2014/main" id="{034B8F1D-5CA3-458C-8A60-995173C7F762}"/>
-              </a:ext>
-            </a:extLst>
-          </p:cNvPr>
+          <p:cNvPr id="2" name="竖排标题 1"/>
           <p:cNvSpPr>
             <a:spLocks noGrp="1"/>
           </p:cNvSpPr>
@@ -1024,18 +946,13 @@
               <a:rPr lang="zh-CN" altLang="en-US"/>
               <a:t>单击此处编辑母版标题样式</a:t>
             </a:r>
-          </a:p>
-        </p:txBody>
-      </p:sp>
-      <p:sp>
-        <p:nvSpPr>
-          <p:cNvPr id="3" name="竖排文字占位符 2">
-            <a:extLst>
-              <a:ext uri="{FF2B5EF4-FFF2-40B4-BE49-F238E27FC236}">
-                <a16:creationId xmlns:a16="http://schemas.microsoft.com/office/drawing/2014/main" id="{08D4CB01-0402-44AD-934D-A1373F693712}"/>
-              </a:ext>
-            </a:extLst>
-          </p:cNvPr>
+            <a:endParaRPr lang="zh-CN" altLang="en-US"/>
+          </a:p>
+        </p:txBody>
+      </p:sp>
+      <p:sp>
+        <p:nvSpPr>
+          <p:cNvPr id="3" name="竖排文字占位符 2"/>
           <p:cNvSpPr>
             <a:spLocks noGrp="1"/>
           </p:cNvSpPr>
@@ -1058,6 +975,7 @@
               <a:rPr lang="zh-CN" altLang="en-US"/>
               <a:t>单击此处编辑母版文本样式</a:t>
             </a:r>
+            <a:endParaRPr lang="zh-CN" altLang="en-US"/>
           </a:p>
           <a:p>
             <a:pPr lvl="1"/>
@@ -1065,6 +983,7 @@
               <a:rPr lang="zh-CN" altLang="en-US"/>
               <a:t>二级</a:t>
             </a:r>
+            <a:endParaRPr lang="zh-CN" altLang="en-US"/>
           </a:p>
           <a:p>
             <a:pPr lvl="2"/>
@@ -1072,6 +991,7 @@
               <a:rPr lang="zh-CN" altLang="en-US"/>
               <a:t>三级</a:t>
             </a:r>
+            <a:endParaRPr lang="zh-CN" altLang="en-US"/>
           </a:p>
           <a:p>
             <a:pPr lvl="3"/>
@@ -1079,6 +999,7 @@
               <a:rPr lang="zh-CN" altLang="en-US"/>
               <a:t>四级</a:t>
             </a:r>
+            <a:endParaRPr lang="zh-CN" altLang="en-US"/>
           </a:p>
           <a:p>
             <a:pPr lvl="4"/>
@@ -1086,18 +1007,13 @@
               <a:rPr lang="zh-CN" altLang="en-US"/>
               <a:t>五级</a:t>
             </a:r>
-          </a:p>
-        </p:txBody>
-      </p:sp>
-      <p:sp>
-        <p:nvSpPr>
-          <p:cNvPr id="4" name="日期占位符 3">
-            <a:extLst>
-              <a:ext uri="{FF2B5EF4-FFF2-40B4-BE49-F238E27FC236}">
-                <a16:creationId xmlns:a16="http://schemas.microsoft.com/office/drawing/2014/main" id="{D714AC0D-16D7-471D-BDE0-46EB64EF54DC}"/>
-              </a:ext>
-            </a:extLst>
-          </p:cNvPr>
+            <a:endParaRPr lang="zh-CN" altLang="en-US"/>
+          </a:p>
+        </p:txBody>
+      </p:sp>
+      <p:sp>
+        <p:nvSpPr>
+          <p:cNvPr id="4" name="日期占位符 3"/>
           <p:cNvSpPr>
             <a:spLocks noGrp="1"/>
           </p:cNvSpPr>
@@ -1112,7 +1028,6 @@
           <a:p>
             <a:fld id="{3E77F3E2-788F-42B3-837B-A6E77B056D99}" type="datetimeFigureOut">
               <a:rPr lang="zh-CN" altLang="en-US" smtClean="0"/>
-              <a:t>2019/6/11</a:t>
             </a:fld>
             <a:endParaRPr lang="zh-CN" altLang="en-US"/>
           </a:p>
@@ -1120,13 +1035,7 @@
       </p:sp>
       <p:sp>
         <p:nvSpPr>
-          <p:cNvPr id="5" name="页脚占位符 4">
-            <a:extLst>
-              <a:ext uri="{FF2B5EF4-FFF2-40B4-BE49-F238E27FC236}">
-                <a16:creationId xmlns:a16="http://schemas.microsoft.com/office/drawing/2014/main" id="{D1110C99-F93F-40A7-8DB9-83512F0CD5D3}"/>
-              </a:ext>
-            </a:extLst>
-          </p:cNvPr>
+          <p:cNvPr id="5" name="页脚占位符 4"/>
           <p:cNvSpPr>
             <a:spLocks noGrp="1"/>
           </p:cNvSpPr>
@@ -1145,13 +1054,7 @@
       </p:sp>
       <p:sp>
         <p:nvSpPr>
-          <p:cNvPr id="6" name="灯片编号占位符 5">
-            <a:extLst>
-              <a:ext uri="{FF2B5EF4-FFF2-40B4-BE49-F238E27FC236}">
-                <a16:creationId xmlns:a16="http://schemas.microsoft.com/office/drawing/2014/main" id="{F81D4091-2194-4D84-AC6B-9C6B631E21A2}"/>
-              </a:ext>
-            </a:extLst>
-          </p:cNvPr>
+          <p:cNvPr id="6" name="灯片编号占位符 5"/>
           <p:cNvSpPr>
             <a:spLocks noGrp="1"/>
           </p:cNvSpPr>
@@ -1166,18 +1069,12 @@
           <a:p>
             <a:fld id="{3839FD42-9642-4BE7-B5A8-BB93D8CD450C}" type="slidenum">
               <a:rPr lang="zh-CN" altLang="en-US" smtClean="0"/>
-              <a:t>‹#›</a:t>
             </a:fld>
             <a:endParaRPr lang="zh-CN" altLang="en-US"/>
           </a:p>
         </p:txBody>
       </p:sp>
     </p:spTree>
-    <p:extLst>
-      <p:ext uri="{BB962C8B-B14F-4D97-AF65-F5344CB8AC3E}">
-        <p14:creationId xmlns:p14="http://schemas.microsoft.com/office/powerpoint/2010/main" val="1557361695"/>
-      </p:ext>
-    </p:extLst>
   </p:cSld>
   <p:clrMapOvr>
     <a:masterClrMapping/>
@@ -1185,7 +1082,192 @@
 </p:sldLayout>
 </file>
 
-<file path=ppt/slideLayouts/slideLayout2.xml><?xml version="1.0" encoding="utf-8"?>
+<file path=ppt/slideLayouts/slideLayout12.xml><?xml version="1.0" encoding="utf-8"?>
+<p:sldLayout xmlns:a="http://schemas.openxmlformats.org/drawingml/2006/main" xmlns:r="http://schemas.openxmlformats.org/officeDocument/2006/relationships" xmlns:p="http://schemas.openxmlformats.org/presentationml/2006/main" type="title" preserve="1">
+  <p:cSld name="标题幻灯片">
+    <p:spTree>
+      <p:nvGrpSpPr>
+        <p:cNvPr id="1" name=""/>
+        <p:cNvGrpSpPr/>
+        <p:nvPr/>
+      </p:nvGrpSpPr>
+      <p:grpSpPr>
+        <a:xfrm>
+          <a:off x="0" y="0"/>
+          <a:ext cx="0" cy="0"/>
+          <a:chOff x="0" y="0"/>
+          <a:chExt cx="0" cy="0"/>
+        </a:xfrm>
+      </p:grpSpPr>
+      <p:sp>
+        <p:nvSpPr>
+          <p:cNvPr id="2" name="标题 1"/>
+          <p:cNvSpPr>
+            <a:spLocks noGrp="1"/>
+          </p:cNvSpPr>
+          <p:nvPr>
+            <p:ph type="ctrTitle"/>
+          </p:nvPr>
+        </p:nvSpPr>
+        <p:spPr>
+          <a:xfrm>
+            <a:off x="1524000" y="1122363"/>
+            <a:ext cx="9144000" cy="2387600"/>
+          </a:xfrm>
+        </p:spPr>
+        <p:txBody>
+          <a:bodyPr anchor="b"/>
+          <a:lstStyle>
+            <a:lvl1pPr algn="ctr">
+              <a:defRPr sz="6000"/>
+            </a:lvl1pPr>
+          </a:lstStyle>
+          <a:p>
+            <a:r>
+              <a:rPr lang="zh-CN" altLang="en-US"/>
+              <a:t>单击此处编辑母版标题样式</a:t>
+            </a:r>
+            <a:endParaRPr lang="zh-CN" altLang="en-US"/>
+          </a:p>
+        </p:txBody>
+      </p:sp>
+      <p:sp>
+        <p:nvSpPr>
+          <p:cNvPr id="3" name="副标题 2"/>
+          <p:cNvSpPr>
+            <a:spLocks noGrp="1"/>
+          </p:cNvSpPr>
+          <p:nvPr>
+            <p:ph type="subTitle" idx="1"/>
+          </p:nvPr>
+        </p:nvSpPr>
+        <p:spPr>
+          <a:xfrm>
+            <a:off x="1524000" y="3602038"/>
+            <a:ext cx="9144000" cy="1655762"/>
+          </a:xfrm>
+        </p:spPr>
+        <p:txBody>
+          <a:bodyPr/>
+          <a:lstStyle>
+            <a:lvl1pPr marL="0" indent="0" algn="ctr">
+              <a:buNone/>
+              <a:defRPr sz="2400"/>
+            </a:lvl1pPr>
+            <a:lvl2pPr marL="457200" indent="0" algn="ctr">
+              <a:buNone/>
+              <a:defRPr sz="2000"/>
+            </a:lvl2pPr>
+            <a:lvl3pPr marL="914400" indent="0" algn="ctr">
+              <a:buNone/>
+              <a:defRPr sz="1800"/>
+            </a:lvl3pPr>
+            <a:lvl4pPr marL="1371600" indent="0" algn="ctr">
+              <a:buNone/>
+              <a:defRPr sz="1600"/>
+            </a:lvl4pPr>
+            <a:lvl5pPr marL="1828800" indent="0" algn="ctr">
+              <a:buNone/>
+              <a:defRPr sz="1600"/>
+            </a:lvl5pPr>
+            <a:lvl6pPr marL="2286000" indent="0" algn="ctr">
+              <a:buNone/>
+              <a:defRPr sz="1600"/>
+            </a:lvl6pPr>
+            <a:lvl7pPr marL="2743200" indent="0" algn="ctr">
+              <a:buNone/>
+              <a:defRPr sz="1600"/>
+            </a:lvl7pPr>
+            <a:lvl8pPr marL="3200400" indent="0" algn="ctr">
+              <a:buNone/>
+              <a:defRPr sz="1600"/>
+            </a:lvl8pPr>
+            <a:lvl9pPr marL="3657600" indent="0" algn="ctr">
+              <a:buNone/>
+              <a:defRPr sz="1600"/>
+            </a:lvl9pPr>
+          </a:lstStyle>
+          <a:p>
+            <a:r>
+              <a:rPr lang="zh-CN" altLang="en-US"/>
+              <a:t>单击此处编辑母版副标题样式</a:t>
+            </a:r>
+            <a:endParaRPr lang="zh-CN" altLang="en-US"/>
+          </a:p>
+        </p:txBody>
+      </p:sp>
+      <p:sp>
+        <p:nvSpPr>
+          <p:cNvPr id="4" name="日期占位符 3"/>
+          <p:cNvSpPr>
+            <a:spLocks noGrp="1"/>
+          </p:cNvSpPr>
+          <p:nvPr>
+            <p:ph type="dt" sz="half" idx="10"/>
+          </p:nvPr>
+        </p:nvSpPr>
+        <p:spPr/>
+        <p:txBody>
+          <a:bodyPr/>
+          <a:lstStyle/>
+          <a:p>
+            <a:fld id="{3E77F3E2-788F-42B3-837B-A6E77B056D99}" type="datetimeFigureOut">
+              <a:rPr lang="zh-CN" altLang="en-US" smtClean="0"/>
+            </a:fld>
+            <a:endParaRPr lang="zh-CN" altLang="en-US"/>
+          </a:p>
+        </p:txBody>
+      </p:sp>
+      <p:sp>
+        <p:nvSpPr>
+          <p:cNvPr id="5" name="页脚占位符 4"/>
+          <p:cNvSpPr>
+            <a:spLocks noGrp="1"/>
+          </p:cNvSpPr>
+          <p:nvPr>
+            <p:ph type="ftr" sz="quarter" idx="11"/>
+          </p:nvPr>
+        </p:nvSpPr>
+        <p:spPr/>
+        <p:txBody>
+          <a:bodyPr/>
+          <a:lstStyle/>
+          <a:p>
+            <a:endParaRPr lang="zh-CN" altLang="en-US"/>
+          </a:p>
+        </p:txBody>
+      </p:sp>
+      <p:sp>
+        <p:nvSpPr>
+          <p:cNvPr id="6" name="灯片编号占位符 5"/>
+          <p:cNvSpPr>
+            <a:spLocks noGrp="1"/>
+          </p:cNvSpPr>
+          <p:nvPr>
+            <p:ph type="sldNum" sz="quarter" idx="12"/>
+          </p:nvPr>
+        </p:nvSpPr>
+        <p:spPr/>
+        <p:txBody>
+          <a:bodyPr/>
+          <a:lstStyle/>
+          <a:p>
+            <a:fld id="{3839FD42-9642-4BE7-B5A8-BB93D8CD450C}" type="slidenum">
+              <a:rPr lang="zh-CN" altLang="en-US" smtClean="0"/>
+            </a:fld>
+            <a:endParaRPr lang="zh-CN" altLang="en-US"/>
+          </a:p>
+        </p:txBody>
+      </p:sp>
+    </p:spTree>
+  </p:cSld>
+  <p:clrMapOvr>
+    <a:masterClrMapping/>
+  </p:clrMapOvr>
+</p:sldLayout>
+</file>
+
+<file path=ppt/slideLayouts/slideLayout13.xml><?xml version="1.0" encoding="utf-8"?>
 <p:sldLayout xmlns:a="http://schemas.openxmlformats.org/drawingml/2006/main" xmlns:r="http://schemas.openxmlformats.org/officeDocument/2006/relationships" xmlns:p="http://schemas.openxmlformats.org/presentationml/2006/main" type="obj" preserve="1">
   <p:cSld name="标题和内容">
     <p:spTree>
@@ -1204,13 +1286,7 @@
       </p:grpSpPr>
       <p:sp>
         <p:nvSpPr>
-          <p:cNvPr id="2" name="标题 1">
-            <a:extLst>
-              <a:ext uri="{FF2B5EF4-FFF2-40B4-BE49-F238E27FC236}">
-                <a16:creationId xmlns:a16="http://schemas.microsoft.com/office/drawing/2014/main" id="{0A8D5408-0887-45C0-B318-C0CD798C5087}"/>
-              </a:ext>
-            </a:extLst>
-          </p:cNvPr>
+          <p:cNvPr id="2" name="标题 1"/>
           <p:cNvSpPr>
             <a:spLocks noGrp="1"/>
           </p:cNvSpPr>
@@ -1227,18 +1303,13 @@
               <a:rPr lang="zh-CN" altLang="en-US"/>
               <a:t>单击此处编辑母版标题样式</a:t>
             </a:r>
-          </a:p>
-        </p:txBody>
-      </p:sp>
-      <p:sp>
-        <p:nvSpPr>
-          <p:cNvPr id="3" name="内容占位符 2">
-            <a:extLst>
-              <a:ext uri="{FF2B5EF4-FFF2-40B4-BE49-F238E27FC236}">
-                <a16:creationId xmlns:a16="http://schemas.microsoft.com/office/drawing/2014/main" id="{C3575F5D-A64F-485E-8473-8A64A091DA7B}"/>
-              </a:ext>
-            </a:extLst>
-          </p:cNvPr>
+            <a:endParaRPr lang="zh-CN" altLang="en-US"/>
+          </a:p>
+        </p:txBody>
+      </p:sp>
+      <p:sp>
+        <p:nvSpPr>
+          <p:cNvPr id="3" name="内容占位符 2"/>
           <p:cNvSpPr>
             <a:spLocks noGrp="1"/>
           </p:cNvSpPr>
@@ -1256,6 +1327,7 @@
               <a:rPr lang="zh-CN" altLang="en-US"/>
               <a:t>单击此处编辑母版文本样式</a:t>
             </a:r>
+            <a:endParaRPr lang="zh-CN" altLang="en-US"/>
           </a:p>
           <a:p>
             <a:pPr lvl="1"/>
@@ -1263,6 +1335,7 @@
               <a:rPr lang="zh-CN" altLang="en-US"/>
               <a:t>二级</a:t>
             </a:r>
+            <a:endParaRPr lang="zh-CN" altLang="en-US"/>
           </a:p>
           <a:p>
             <a:pPr lvl="2"/>
@@ -1270,6 +1343,7 @@
               <a:rPr lang="zh-CN" altLang="en-US"/>
               <a:t>三级</a:t>
             </a:r>
+            <a:endParaRPr lang="zh-CN" altLang="en-US"/>
           </a:p>
           <a:p>
             <a:pPr lvl="3"/>
@@ -1277,6 +1351,7 @@
               <a:rPr lang="zh-CN" altLang="en-US"/>
               <a:t>四级</a:t>
             </a:r>
+            <a:endParaRPr lang="zh-CN" altLang="en-US"/>
           </a:p>
           <a:p>
             <a:pPr lvl="4"/>
@@ -1284,18 +1359,13 @@
               <a:rPr lang="zh-CN" altLang="en-US"/>
               <a:t>五级</a:t>
             </a:r>
-          </a:p>
-        </p:txBody>
-      </p:sp>
-      <p:sp>
-        <p:nvSpPr>
-          <p:cNvPr id="4" name="日期占位符 3">
-            <a:extLst>
-              <a:ext uri="{FF2B5EF4-FFF2-40B4-BE49-F238E27FC236}">
-                <a16:creationId xmlns:a16="http://schemas.microsoft.com/office/drawing/2014/main" id="{0A73AD38-6D38-4F66-B610-B00DA0D8E19B}"/>
-              </a:ext>
-            </a:extLst>
-          </p:cNvPr>
+            <a:endParaRPr lang="zh-CN" altLang="en-US"/>
+          </a:p>
+        </p:txBody>
+      </p:sp>
+      <p:sp>
+        <p:nvSpPr>
+          <p:cNvPr id="4" name="日期占位符 3"/>
           <p:cNvSpPr>
             <a:spLocks noGrp="1"/>
           </p:cNvSpPr>
@@ -1310,7 +1380,6 @@
           <a:p>
             <a:fld id="{3E77F3E2-788F-42B3-837B-A6E77B056D99}" type="datetimeFigureOut">
               <a:rPr lang="zh-CN" altLang="en-US" smtClean="0"/>
-              <a:t>2019/6/11</a:t>
             </a:fld>
             <a:endParaRPr lang="zh-CN" altLang="en-US"/>
           </a:p>
@@ -1318,13 +1387,7 @@
       </p:sp>
       <p:sp>
         <p:nvSpPr>
-          <p:cNvPr id="5" name="页脚占位符 4">
-            <a:extLst>
-              <a:ext uri="{FF2B5EF4-FFF2-40B4-BE49-F238E27FC236}">
-                <a16:creationId xmlns:a16="http://schemas.microsoft.com/office/drawing/2014/main" id="{E52B27A2-02E6-4F26-9D32-6E4D2609C0F1}"/>
-              </a:ext>
-            </a:extLst>
-          </p:cNvPr>
+          <p:cNvPr id="5" name="页脚占位符 4"/>
           <p:cNvSpPr>
             <a:spLocks noGrp="1"/>
           </p:cNvSpPr>
@@ -1343,13 +1406,7 @@
       </p:sp>
       <p:sp>
         <p:nvSpPr>
-          <p:cNvPr id="6" name="灯片编号占位符 5">
-            <a:extLst>
-              <a:ext uri="{FF2B5EF4-FFF2-40B4-BE49-F238E27FC236}">
-                <a16:creationId xmlns:a16="http://schemas.microsoft.com/office/drawing/2014/main" id="{539625B7-2334-4E91-977B-5C5AEBE1D883}"/>
-              </a:ext>
-            </a:extLst>
-          </p:cNvPr>
+          <p:cNvPr id="6" name="灯片编号占位符 5"/>
           <p:cNvSpPr>
             <a:spLocks noGrp="1"/>
           </p:cNvSpPr>
@@ -1364,18 +1421,12 @@
           <a:p>
             <a:fld id="{3839FD42-9642-4BE7-B5A8-BB93D8CD450C}" type="slidenum">
               <a:rPr lang="zh-CN" altLang="en-US" smtClean="0"/>
-              <a:t>‹#›</a:t>
             </a:fld>
             <a:endParaRPr lang="zh-CN" altLang="en-US"/>
           </a:p>
         </p:txBody>
       </p:sp>
     </p:spTree>
-    <p:extLst>
-      <p:ext uri="{BB962C8B-B14F-4D97-AF65-F5344CB8AC3E}">
-        <p14:creationId xmlns:p14="http://schemas.microsoft.com/office/powerpoint/2010/main" val="1683266122"/>
-      </p:ext>
-    </p:extLst>
   </p:cSld>
   <p:clrMapOvr>
     <a:masterClrMapping/>
@@ -1383,7 +1434,7 @@
 </p:sldLayout>
 </file>
 
-<file path=ppt/slideLayouts/slideLayout3.xml><?xml version="1.0" encoding="utf-8"?>
+<file path=ppt/slideLayouts/slideLayout14.xml><?xml version="1.0" encoding="utf-8"?>
 <p:sldLayout xmlns:a="http://schemas.openxmlformats.org/drawingml/2006/main" xmlns:r="http://schemas.openxmlformats.org/officeDocument/2006/relationships" xmlns:p="http://schemas.openxmlformats.org/presentationml/2006/main" type="secHead" preserve="1">
   <p:cSld name="节标题">
     <p:spTree>
@@ -1402,13 +1453,7 @@
       </p:grpSpPr>
       <p:sp>
         <p:nvSpPr>
-          <p:cNvPr id="2" name="标题 1">
-            <a:extLst>
-              <a:ext uri="{FF2B5EF4-FFF2-40B4-BE49-F238E27FC236}">
-                <a16:creationId xmlns:a16="http://schemas.microsoft.com/office/drawing/2014/main" id="{B71AC9BE-6125-4560-9D54-ACC7E1B0B162}"/>
-              </a:ext>
-            </a:extLst>
-          </p:cNvPr>
+          <p:cNvPr id="2" name="标题 1"/>
           <p:cNvSpPr>
             <a:spLocks noGrp="1"/>
           </p:cNvSpPr>
@@ -1434,18 +1479,13 @@
               <a:rPr lang="zh-CN" altLang="en-US"/>
               <a:t>单击此处编辑母版标题样式</a:t>
             </a:r>
-          </a:p>
-        </p:txBody>
-      </p:sp>
-      <p:sp>
-        <p:nvSpPr>
-          <p:cNvPr id="3" name="文本占位符 2">
-            <a:extLst>
-              <a:ext uri="{FF2B5EF4-FFF2-40B4-BE49-F238E27FC236}">
-                <a16:creationId xmlns:a16="http://schemas.microsoft.com/office/drawing/2014/main" id="{7977FEE5-F8CC-4332-BB5A-DA59E5E43E5D}"/>
-              </a:ext>
-            </a:extLst>
-          </p:cNvPr>
+            <a:endParaRPr lang="zh-CN" altLang="en-US"/>
+          </a:p>
+        </p:txBody>
+      </p:sp>
+      <p:sp>
+        <p:nvSpPr>
+          <p:cNvPr id="3" name="文本占位符 2"/>
           <p:cNvSpPr>
             <a:spLocks noGrp="1"/>
           </p:cNvSpPr>
@@ -1559,18 +1599,13 @@
               <a:rPr lang="zh-CN" altLang="en-US"/>
               <a:t>单击此处编辑母版文本样式</a:t>
             </a:r>
-          </a:p>
-        </p:txBody>
-      </p:sp>
-      <p:sp>
-        <p:nvSpPr>
-          <p:cNvPr id="4" name="日期占位符 3">
-            <a:extLst>
-              <a:ext uri="{FF2B5EF4-FFF2-40B4-BE49-F238E27FC236}">
-                <a16:creationId xmlns:a16="http://schemas.microsoft.com/office/drawing/2014/main" id="{3AEE0BF5-B13E-40C5-A9C9-31DC92D7DE0C}"/>
-              </a:ext>
-            </a:extLst>
-          </p:cNvPr>
+            <a:endParaRPr lang="zh-CN" altLang="en-US"/>
+          </a:p>
+        </p:txBody>
+      </p:sp>
+      <p:sp>
+        <p:nvSpPr>
+          <p:cNvPr id="4" name="日期占位符 3"/>
           <p:cNvSpPr>
             <a:spLocks noGrp="1"/>
           </p:cNvSpPr>
@@ -1585,7 +1620,6 @@
           <a:p>
             <a:fld id="{3E77F3E2-788F-42B3-837B-A6E77B056D99}" type="datetimeFigureOut">
               <a:rPr lang="zh-CN" altLang="en-US" smtClean="0"/>
-              <a:t>2019/6/11</a:t>
             </a:fld>
             <a:endParaRPr lang="zh-CN" altLang="en-US"/>
           </a:p>
@@ -1593,13 +1627,7 @@
       </p:sp>
       <p:sp>
         <p:nvSpPr>
-          <p:cNvPr id="5" name="页脚占位符 4">
-            <a:extLst>
-              <a:ext uri="{FF2B5EF4-FFF2-40B4-BE49-F238E27FC236}">
-                <a16:creationId xmlns:a16="http://schemas.microsoft.com/office/drawing/2014/main" id="{B07DFFB0-5229-4D93-8BA1-01BD3EC6EBF0}"/>
-              </a:ext>
-            </a:extLst>
-          </p:cNvPr>
+          <p:cNvPr id="5" name="页脚占位符 4"/>
           <p:cNvSpPr>
             <a:spLocks noGrp="1"/>
           </p:cNvSpPr>
@@ -1618,13 +1646,7 @@
       </p:sp>
       <p:sp>
         <p:nvSpPr>
-          <p:cNvPr id="6" name="灯片编号占位符 5">
-            <a:extLst>
-              <a:ext uri="{FF2B5EF4-FFF2-40B4-BE49-F238E27FC236}">
-                <a16:creationId xmlns:a16="http://schemas.microsoft.com/office/drawing/2014/main" id="{F8221F23-C626-44BC-B3F8-0168FBDDFF45}"/>
-              </a:ext>
-            </a:extLst>
-          </p:cNvPr>
+          <p:cNvPr id="6" name="灯片编号占位符 5"/>
           <p:cNvSpPr>
             <a:spLocks noGrp="1"/>
           </p:cNvSpPr>
@@ -1639,18 +1661,12 @@
           <a:p>
             <a:fld id="{3839FD42-9642-4BE7-B5A8-BB93D8CD450C}" type="slidenum">
               <a:rPr lang="zh-CN" altLang="en-US" smtClean="0"/>
-              <a:t>‹#›</a:t>
             </a:fld>
             <a:endParaRPr lang="zh-CN" altLang="en-US"/>
           </a:p>
         </p:txBody>
       </p:sp>
     </p:spTree>
-    <p:extLst>
-      <p:ext uri="{BB962C8B-B14F-4D97-AF65-F5344CB8AC3E}">
-        <p14:creationId xmlns:p14="http://schemas.microsoft.com/office/powerpoint/2010/main" val="4286276452"/>
-      </p:ext>
-    </p:extLst>
   </p:cSld>
   <p:clrMapOvr>
     <a:masterClrMapping/>
@@ -1658,7 +1674,7 @@
 </p:sldLayout>
 </file>
 
-<file path=ppt/slideLayouts/slideLayout4.xml><?xml version="1.0" encoding="utf-8"?>
+<file path=ppt/slideLayouts/slideLayout15.xml><?xml version="1.0" encoding="utf-8"?>
 <p:sldLayout xmlns:a="http://schemas.openxmlformats.org/drawingml/2006/main" xmlns:r="http://schemas.openxmlformats.org/officeDocument/2006/relationships" xmlns:p="http://schemas.openxmlformats.org/presentationml/2006/main" type="twoObj" preserve="1">
   <p:cSld name="两栏内容">
     <p:spTree>
@@ -1677,13 +1693,7 @@
       </p:grpSpPr>
       <p:sp>
         <p:nvSpPr>
-          <p:cNvPr id="2" name="标题 1">
-            <a:extLst>
-              <a:ext uri="{FF2B5EF4-FFF2-40B4-BE49-F238E27FC236}">
-                <a16:creationId xmlns:a16="http://schemas.microsoft.com/office/drawing/2014/main" id="{CD7050FC-8E01-49E0-AA10-3682CC7BB619}"/>
-              </a:ext>
-            </a:extLst>
-          </p:cNvPr>
+          <p:cNvPr id="2" name="标题 1"/>
           <p:cNvSpPr>
             <a:spLocks noGrp="1"/>
           </p:cNvSpPr>
@@ -1700,18 +1710,13 @@
               <a:rPr lang="zh-CN" altLang="en-US"/>
               <a:t>单击此处编辑母版标题样式</a:t>
             </a:r>
-          </a:p>
-        </p:txBody>
-      </p:sp>
-      <p:sp>
-        <p:nvSpPr>
-          <p:cNvPr id="3" name="内容占位符 2">
-            <a:extLst>
-              <a:ext uri="{FF2B5EF4-FFF2-40B4-BE49-F238E27FC236}">
-                <a16:creationId xmlns:a16="http://schemas.microsoft.com/office/drawing/2014/main" id="{D83D3B20-100D-4C72-AF41-689622493BE9}"/>
-              </a:ext>
-            </a:extLst>
-          </p:cNvPr>
+            <a:endParaRPr lang="zh-CN" altLang="en-US"/>
+          </a:p>
+        </p:txBody>
+      </p:sp>
+      <p:sp>
+        <p:nvSpPr>
+          <p:cNvPr id="3" name="内容占位符 2"/>
           <p:cNvSpPr>
             <a:spLocks noGrp="1"/>
           </p:cNvSpPr>
@@ -1734,6 +1739,7 @@
               <a:rPr lang="zh-CN" altLang="en-US"/>
               <a:t>单击此处编辑母版文本样式</a:t>
             </a:r>
+            <a:endParaRPr lang="zh-CN" altLang="en-US"/>
           </a:p>
           <a:p>
             <a:pPr lvl="1"/>
@@ -1741,6 +1747,7 @@
               <a:rPr lang="zh-CN" altLang="en-US"/>
               <a:t>二级</a:t>
             </a:r>
+            <a:endParaRPr lang="zh-CN" altLang="en-US"/>
           </a:p>
           <a:p>
             <a:pPr lvl="2"/>
@@ -1748,6 +1755,7 @@
               <a:rPr lang="zh-CN" altLang="en-US"/>
               <a:t>三级</a:t>
             </a:r>
+            <a:endParaRPr lang="zh-CN" altLang="en-US"/>
           </a:p>
           <a:p>
             <a:pPr lvl="3"/>
@@ -1755,6 +1763,7 @@
               <a:rPr lang="zh-CN" altLang="en-US"/>
               <a:t>四级</a:t>
             </a:r>
+            <a:endParaRPr lang="zh-CN" altLang="en-US"/>
           </a:p>
           <a:p>
             <a:pPr lvl="4"/>
@@ -1762,18 +1771,13 @@
               <a:rPr lang="zh-CN" altLang="en-US"/>
               <a:t>五级</a:t>
             </a:r>
-          </a:p>
-        </p:txBody>
-      </p:sp>
-      <p:sp>
-        <p:nvSpPr>
-          <p:cNvPr id="4" name="内容占位符 3">
-            <a:extLst>
-              <a:ext uri="{FF2B5EF4-FFF2-40B4-BE49-F238E27FC236}">
-                <a16:creationId xmlns:a16="http://schemas.microsoft.com/office/drawing/2014/main" id="{DB71F13A-81FB-4D19-839B-7D42B8A69D96}"/>
-              </a:ext>
-            </a:extLst>
-          </p:cNvPr>
+            <a:endParaRPr lang="zh-CN" altLang="en-US"/>
+          </a:p>
+        </p:txBody>
+      </p:sp>
+      <p:sp>
+        <p:nvSpPr>
+          <p:cNvPr id="4" name="内容占位符 3"/>
           <p:cNvSpPr>
             <a:spLocks noGrp="1"/>
           </p:cNvSpPr>
@@ -1796,6 +1800,7 @@
               <a:rPr lang="zh-CN" altLang="en-US"/>
               <a:t>单击此处编辑母版文本样式</a:t>
             </a:r>
+            <a:endParaRPr lang="zh-CN" altLang="en-US"/>
           </a:p>
           <a:p>
             <a:pPr lvl="1"/>
@@ -1803,6 +1808,7 @@
               <a:rPr lang="zh-CN" altLang="en-US"/>
               <a:t>二级</a:t>
             </a:r>
+            <a:endParaRPr lang="zh-CN" altLang="en-US"/>
           </a:p>
           <a:p>
             <a:pPr lvl="2"/>
@@ -1810,6 +1816,7 @@
               <a:rPr lang="zh-CN" altLang="en-US"/>
               <a:t>三级</a:t>
             </a:r>
+            <a:endParaRPr lang="zh-CN" altLang="en-US"/>
           </a:p>
           <a:p>
             <a:pPr lvl="3"/>
@@ -1817,6 +1824,7 @@
               <a:rPr lang="zh-CN" altLang="en-US"/>
               <a:t>四级</a:t>
             </a:r>
+            <a:endParaRPr lang="zh-CN" altLang="en-US"/>
           </a:p>
           <a:p>
             <a:pPr lvl="4"/>
@@ -1824,18 +1832,13 @@
               <a:rPr lang="zh-CN" altLang="en-US"/>
               <a:t>五级</a:t>
             </a:r>
-          </a:p>
-        </p:txBody>
-      </p:sp>
-      <p:sp>
-        <p:nvSpPr>
-          <p:cNvPr id="5" name="日期占位符 4">
-            <a:extLst>
-              <a:ext uri="{FF2B5EF4-FFF2-40B4-BE49-F238E27FC236}">
-                <a16:creationId xmlns:a16="http://schemas.microsoft.com/office/drawing/2014/main" id="{ABBBC1AC-7E38-40C8-B6D4-37A310B0C956}"/>
-              </a:ext>
-            </a:extLst>
-          </p:cNvPr>
+            <a:endParaRPr lang="zh-CN" altLang="en-US"/>
+          </a:p>
+        </p:txBody>
+      </p:sp>
+      <p:sp>
+        <p:nvSpPr>
+          <p:cNvPr id="5" name="日期占位符 4"/>
           <p:cNvSpPr>
             <a:spLocks noGrp="1"/>
           </p:cNvSpPr>
@@ -1850,7 +1853,6 @@
           <a:p>
             <a:fld id="{3E77F3E2-788F-42B3-837B-A6E77B056D99}" type="datetimeFigureOut">
               <a:rPr lang="zh-CN" altLang="en-US" smtClean="0"/>
-              <a:t>2019/6/11</a:t>
             </a:fld>
             <a:endParaRPr lang="zh-CN" altLang="en-US"/>
           </a:p>
@@ -1858,13 +1860,7 @@
       </p:sp>
       <p:sp>
         <p:nvSpPr>
-          <p:cNvPr id="6" name="页脚占位符 5">
-            <a:extLst>
-              <a:ext uri="{FF2B5EF4-FFF2-40B4-BE49-F238E27FC236}">
-                <a16:creationId xmlns:a16="http://schemas.microsoft.com/office/drawing/2014/main" id="{EB1A4340-4D6A-4A14-8929-679EB1799619}"/>
-              </a:ext>
-            </a:extLst>
-          </p:cNvPr>
+          <p:cNvPr id="6" name="页脚占位符 5"/>
           <p:cNvSpPr>
             <a:spLocks noGrp="1"/>
           </p:cNvSpPr>
@@ -1883,13 +1879,7 @@
       </p:sp>
       <p:sp>
         <p:nvSpPr>
-          <p:cNvPr id="7" name="灯片编号占位符 6">
-            <a:extLst>
-              <a:ext uri="{FF2B5EF4-FFF2-40B4-BE49-F238E27FC236}">
-                <a16:creationId xmlns:a16="http://schemas.microsoft.com/office/drawing/2014/main" id="{56D498FB-F0C3-49BC-A046-40164EFA0719}"/>
-              </a:ext>
-            </a:extLst>
-          </p:cNvPr>
+          <p:cNvPr id="7" name="灯片编号占位符 6"/>
           <p:cNvSpPr>
             <a:spLocks noGrp="1"/>
           </p:cNvSpPr>
@@ -1904,18 +1894,12 @@
           <a:p>
             <a:fld id="{3839FD42-9642-4BE7-B5A8-BB93D8CD450C}" type="slidenum">
               <a:rPr lang="zh-CN" altLang="en-US" smtClean="0"/>
-              <a:t>‹#›</a:t>
             </a:fld>
             <a:endParaRPr lang="zh-CN" altLang="en-US"/>
           </a:p>
         </p:txBody>
       </p:sp>
     </p:spTree>
-    <p:extLst>
-      <p:ext uri="{BB962C8B-B14F-4D97-AF65-F5344CB8AC3E}">
-        <p14:creationId xmlns:p14="http://schemas.microsoft.com/office/powerpoint/2010/main" val="667292736"/>
-      </p:ext>
-    </p:extLst>
   </p:cSld>
   <p:clrMapOvr>
     <a:masterClrMapping/>
@@ -1923,7 +1907,7 @@
 </p:sldLayout>
 </file>
 
-<file path=ppt/slideLayouts/slideLayout5.xml><?xml version="1.0" encoding="utf-8"?>
+<file path=ppt/slideLayouts/slideLayout16.xml><?xml version="1.0" encoding="utf-8"?>
 <p:sldLayout xmlns:a="http://schemas.openxmlformats.org/drawingml/2006/main" xmlns:r="http://schemas.openxmlformats.org/officeDocument/2006/relationships" xmlns:p="http://schemas.openxmlformats.org/presentationml/2006/main" type="twoTxTwoObj" preserve="1">
   <p:cSld name="比较">
     <p:spTree>
@@ -1942,13 +1926,7 @@
       </p:grpSpPr>
       <p:sp>
         <p:nvSpPr>
-          <p:cNvPr id="2" name="标题 1">
-            <a:extLst>
-              <a:ext uri="{FF2B5EF4-FFF2-40B4-BE49-F238E27FC236}">
-                <a16:creationId xmlns:a16="http://schemas.microsoft.com/office/drawing/2014/main" id="{69A82E0F-2FBA-47A5-B23B-807754D418DF}"/>
-              </a:ext>
-            </a:extLst>
-          </p:cNvPr>
+          <p:cNvPr id="2" name="标题 1"/>
           <p:cNvSpPr>
             <a:spLocks noGrp="1"/>
           </p:cNvSpPr>
@@ -1970,18 +1948,13 @@
               <a:rPr lang="zh-CN" altLang="en-US"/>
               <a:t>单击此处编辑母版标题样式</a:t>
             </a:r>
-          </a:p>
-        </p:txBody>
-      </p:sp>
-      <p:sp>
-        <p:nvSpPr>
-          <p:cNvPr id="3" name="文本占位符 2">
-            <a:extLst>
-              <a:ext uri="{FF2B5EF4-FFF2-40B4-BE49-F238E27FC236}">
-                <a16:creationId xmlns:a16="http://schemas.microsoft.com/office/drawing/2014/main" id="{868297A1-9A69-4FA4-A09F-EDCD855E7C08}"/>
-              </a:ext>
-            </a:extLst>
-          </p:cNvPr>
+            <a:endParaRPr lang="zh-CN" altLang="en-US"/>
+          </a:p>
+        </p:txBody>
+      </p:sp>
+      <p:sp>
+        <p:nvSpPr>
+          <p:cNvPr id="3" name="文本占位符 2"/>
           <p:cNvSpPr>
             <a:spLocks noGrp="1"/>
           </p:cNvSpPr>
@@ -2041,18 +2014,13 @@
               <a:rPr lang="zh-CN" altLang="en-US"/>
               <a:t>单击此处编辑母版文本样式</a:t>
             </a:r>
-          </a:p>
-        </p:txBody>
-      </p:sp>
-      <p:sp>
-        <p:nvSpPr>
-          <p:cNvPr id="4" name="内容占位符 3">
-            <a:extLst>
-              <a:ext uri="{FF2B5EF4-FFF2-40B4-BE49-F238E27FC236}">
-                <a16:creationId xmlns:a16="http://schemas.microsoft.com/office/drawing/2014/main" id="{516D5F10-3D23-40A1-9677-A4E889F516E9}"/>
-              </a:ext>
-            </a:extLst>
-          </p:cNvPr>
+            <a:endParaRPr lang="zh-CN" altLang="en-US"/>
+          </a:p>
+        </p:txBody>
+      </p:sp>
+      <p:sp>
+        <p:nvSpPr>
+          <p:cNvPr id="4" name="内容占位符 3"/>
           <p:cNvSpPr>
             <a:spLocks noGrp="1"/>
           </p:cNvSpPr>
@@ -2075,6 +2043,7 @@
               <a:rPr lang="zh-CN" altLang="en-US"/>
               <a:t>单击此处编辑母版文本样式</a:t>
             </a:r>
+            <a:endParaRPr lang="zh-CN" altLang="en-US"/>
           </a:p>
           <a:p>
             <a:pPr lvl="1"/>
@@ -2082,6 +2051,7 @@
               <a:rPr lang="zh-CN" altLang="en-US"/>
               <a:t>二级</a:t>
             </a:r>
+            <a:endParaRPr lang="zh-CN" altLang="en-US"/>
           </a:p>
           <a:p>
             <a:pPr lvl="2"/>
@@ -2089,6 +2059,7 @@
               <a:rPr lang="zh-CN" altLang="en-US"/>
               <a:t>三级</a:t>
             </a:r>
+            <a:endParaRPr lang="zh-CN" altLang="en-US"/>
           </a:p>
           <a:p>
             <a:pPr lvl="3"/>
@@ -2096,6 +2067,7 @@
               <a:rPr lang="zh-CN" altLang="en-US"/>
               <a:t>四级</a:t>
             </a:r>
+            <a:endParaRPr lang="zh-CN" altLang="en-US"/>
           </a:p>
           <a:p>
             <a:pPr lvl="4"/>
@@ -2103,18 +2075,13 @@
               <a:rPr lang="zh-CN" altLang="en-US"/>
               <a:t>五级</a:t>
             </a:r>
-          </a:p>
-        </p:txBody>
-      </p:sp>
-      <p:sp>
-        <p:nvSpPr>
-          <p:cNvPr id="5" name="文本占位符 4">
-            <a:extLst>
-              <a:ext uri="{FF2B5EF4-FFF2-40B4-BE49-F238E27FC236}">
-                <a16:creationId xmlns:a16="http://schemas.microsoft.com/office/drawing/2014/main" id="{A0634C89-E3D0-468A-ABD0-ADF0DBE3123C}"/>
-              </a:ext>
-            </a:extLst>
-          </p:cNvPr>
+            <a:endParaRPr lang="zh-CN" altLang="en-US"/>
+          </a:p>
+        </p:txBody>
+      </p:sp>
+      <p:sp>
+        <p:nvSpPr>
+          <p:cNvPr id="5" name="文本占位符 4"/>
           <p:cNvSpPr>
             <a:spLocks noGrp="1"/>
           </p:cNvSpPr>
@@ -2174,18 +2141,13 @@
               <a:rPr lang="zh-CN" altLang="en-US"/>
               <a:t>单击此处编辑母版文本样式</a:t>
             </a:r>
-          </a:p>
-        </p:txBody>
-      </p:sp>
-      <p:sp>
-        <p:nvSpPr>
-          <p:cNvPr id="6" name="内容占位符 5">
-            <a:extLst>
-              <a:ext uri="{FF2B5EF4-FFF2-40B4-BE49-F238E27FC236}">
-                <a16:creationId xmlns:a16="http://schemas.microsoft.com/office/drawing/2014/main" id="{BE744DA2-8D58-4F98-8423-F3AA245A2056}"/>
-              </a:ext>
-            </a:extLst>
-          </p:cNvPr>
+            <a:endParaRPr lang="zh-CN" altLang="en-US"/>
+          </a:p>
+        </p:txBody>
+      </p:sp>
+      <p:sp>
+        <p:nvSpPr>
+          <p:cNvPr id="6" name="内容占位符 5"/>
           <p:cNvSpPr>
             <a:spLocks noGrp="1"/>
           </p:cNvSpPr>
@@ -2208,6 +2170,7 @@
               <a:rPr lang="zh-CN" altLang="en-US"/>
               <a:t>单击此处编辑母版文本样式</a:t>
             </a:r>
+            <a:endParaRPr lang="zh-CN" altLang="en-US"/>
           </a:p>
           <a:p>
             <a:pPr lvl="1"/>
@@ -2215,6 +2178,7 @@
               <a:rPr lang="zh-CN" altLang="en-US"/>
               <a:t>二级</a:t>
             </a:r>
+            <a:endParaRPr lang="zh-CN" altLang="en-US"/>
           </a:p>
           <a:p>
             <a:pPr lvl="2"/>
@@ -2222,6 +2186,7 @@
               <a:rPr lang="zh-CN" altLang="en-US"/>
               <a:t>三级</a:t>
             </a:r>
+            <a:endParaRPr lang="zh-CN" altLang="en-US"/>
           </a:p>
           <a:p>
             <a:pPr lvl="3"/>
@@ -2229,6 +2194,7 @@
               <a:rPr lang="zh-CN" altLang="en-US"/>
               <a:t>四级</a:t>
             </a:r>
+            <a:endParaRPr lang="zh-CN" altLang="en-US"/>
           </a:p>
           <a:p>
             <a:pPr lvl="4"/>
@@ -2236,18 +2202,13 @@
               <a:rPr lang="zh-CN" altLang="en-US"/>
               <a:t>五级</a:t>
             </a:r>
-          </a:p>
-        </p:txBody>
-      </p:sp>
-      <p:sp>
-        <p:nvSpPr>
-          <p:cNvPr id="7" name="日期占位符 6">
-            <a:extLst>
-              <a:ext uri="{FF2B5EF4-FFF2-40B4-BE49-F238E27FC236}">
-                <a16:creationId xmlns:a16="http://schemas.microsoft.com/office/drawing/2014/main" id="{C7F241A0-A4F0-4D60-9A0A-50628BBBBAE0}"/>
-              </a:ext>
-            </a:extLst>
-          </p:cNvPr>
+            <a:endParaRPr lang="zh-CN" altLang="en-US"/>
+          </a:p>
+        </p:txBody>
+      </p:sp>
+      <p:sp>
+        <p:nvSpPr>
+          <p:cNvPr id="7" name="日期占位符 6"/>
           <p:cNvSpPr>
             <a:spLocks noGrp="1"/>
           </p:cNvSpPr>
@@ -2262,7 +2223,6 @@
           <a:p>
             <a:fld id="{3E77F3E2-788F-42B3-837B-A6E77B056D99}" type="datetimeFigureOut">
               <a:rPr lang="zh-CN" altLang="en-US" smtClean="0"/>
-              <a:t>2019/6/11</a:t>
             </a:fld>
             <a:endParaRPr lang="zh-CN" altLang="en-US"/>
           </a:p>
@@ -2270,13 +2230,7 @@
       </p:sp>
       <p:sp>
         <p:nvSpPr>
-          <p:cNvPr id="8" name="页脚占位符 7">
-            <a:extLst>
-              <a:ext uri="{FF2B5EF4-FFF2-40B4-BE49-F238E27FC236}">
-                <a16:creationId xmlns:a16="http://schemas.microsoft.com/office/drawing/2014/main" id="{8205840C-90A5-4D0C-8AD8-FD5580772160}"/>
-              </a:ext>
-            </a:extLst>
-          </p:cNvPr>
+          <p:cNvPr id="8" name="页脚占位符 7"/>
           <p:cNvSpPr>
             <a:spLocks noGrp="1"/>
           </p:cNvSpPr>
@@ -2295,13 +2249,7 @@
       </p:sp>
       <p:sp>
         <p:nvSpPr>
-          <p:cNvPr id="9" name="灯片编号占位符 8">
-            <a:extLst>
-              <a:ext uri="{FF2B5EF4-FFF2-40B4-BE49-F238E27FC236}">
-                <a16:creationId xmlns:a16="http://schemas.microsoft.com/office/drawing/2014/main" id="{49EC4C40-887F-431A-85B3-D48EF5869BB0}"/>
-              </a:ext>
-            </a:extLst>
-          </p:cNvPr>
+          <p:cNvPr id="9" name="灯片编号占位符 8"/>
           <p:cNvSpPr>
             <a:spLocks noGrp="1"/>
           </p:cNvSpPr>
@@ -2316,18 +2264,12 @@
           <a:p>
             <a:fld id="{3839FD42-9642-4BE7-B5A8-BB93D8CD450C}" type="slidenum">
               <a:rPr lang="zh-CN" altLang="en-US" smtClean="0"/>
-              <a:t>‹#›</a:t>
             </a:fld>
             <a:endParaRPr lang="zh-CN" altLang="en-US"/>
           </a:p>
         </p:txBody>
       </p:sp>
     </p:spTree>
-    <p:extLst>
-      <p:ext uri="{BB962C8B-B14F-4D97-AF65-F5344CB8AC3E}">
-        <p14:creationId xmlns:p14="http://schemas.microsoft.com/office/powerpoint/2010/main" val="1464717119"/>
-      </p:ext>
-    </p:extLst>
   </p:cSld>
   <p:clrMapOvr>
     <a:masterClrMapping/>
@@ -2335,7 +2277,7 @@
 </p:sldLayout>
 </file>
 
-<file path=ppt/slideLayouts/slideLayout6.xml><?xml version="1.0" encoding="utf-8"?>
+<file path=ppt/slideLayouts/slideLayout17.xml><?xml version="1.0" encoding="utf-8"?>
 <p:sldLayout xmlns:a="http://schemas.openxmlformats.org/drawingml/2006/main" xmlns:r="http://schemas.openxmlformats.org/officeDocument/2006/relationships" xmlns:p="http://schemas.openxmlformats.org/presentationml/2006/main" type="titleOnly" preserve="1">
   <p:cSld name="仅标题">
     <p:spTree>
@@ -2354,13 +2296,7 @@
       </p:grpSpPr>
       <p:sp>
         <p:nvSpPr>
-          <p:cNvPr id="2" name="标题 1">
-            <a:extLst>
-              <a:ext uri="{FF2B5EF4-FFF2-40B4-BE49-F238E27FC236}">
-                <a16:creationId xmlns:a16="http://schemas.microsoft.com/office/drawing/2014/main" id="{F962CC93-C84D-4B98-820A-7DCBD93F4BBA}"/>
-              </a:ext>
-            </a:extLst>
-          </p:cNvPr>
+          <p:cNvPr id="2" name="标题 1"/>
           <p:cNvSpPr>
             <a:spLocks noGrp="1"/>
           </p:cNvSpPr>
@@ -2377,18 +2313,13 @@
               <a:rPr lang="zh-CN" altLang="en-US"/>
               <a:t>单击此处编辑母版标题样式</a:t>
             </a:r>
-          </a:p>
-        </p:txBody>
-      </p:sp>
-      <p:sp>
-        <p:nvSpPr>
-          <p:cNvPr id="3" name="日期占位符 2">
-            <a:extLst>
-              <a:ext uri="{FF2B5EF4-FFF2-40B4-BE49-F238E27FC236}">
-                <a16:creationId xmlns:a16="http://schemas.microsoft.com/office/drawing/2014/main" id="{76A0A4C5-6F01-4E9F-9EF4-01C91877D554}"/>
-              </a:ext>
-            </a:extLst>
-          </p:cNvPr>
+            <a:endParaRPr lang="zh-CN" altLang="en-US"/>
+          </a:p>
+        </p:txBody>
+      </p:sp>
+      <p:sp>
+        <p:nvSpPr>
+          <p:cNvPr id="3" name="日期占位符 2"/>
           <p:cNvSpPr>
             <a:spLocks noGrp="1"/>
           </p:cNvSpPr>
@@ -2403,7 +2334,6 @@
           <a:p>
             <a:fld id="{3E77F3E2-788F-42B3-837B-A6E77B056D99}" type="datetimeFigureOut">
               <a:rPr lang="zh-CN" altLang="en-US" smtClean="0"/>
-              <a:t>2019/6/11</a:t>
             </a:fld>
             <a:endParaRPr lang="zh-CN" altLang="en-US"/>
           </a:p>
@@ -2411,13 +2341,7 @@
       </p:sp>
       <p:sp>
         <p:nvSpPr>
-          <p:cNvPr id="4" name="页脚占位符 3">
-            <a:extLst>
-              <a:ext uri="{FF2B5EF4-FFF2-40B4-BE49-F238E27FC236}">
-                <a16:creationId xmlns:a16="http://schemas.microsoft.com/office/drawing/2014/main" id="{4857A058-B07B-4F1D-AC7C-7D13B989C803}"/>
-              </a:ext>
-            </a:extLst>
-          </p:cNvPr>
+          <p:cNvPr id="4" name="页脚占位符 3"/>
           <p:cNvSpPr>
             <a:spLocks noGrp="1"/>
           </p:cNvSpPr>
@@ -2436,13 +2360,7 @@
       </p:sp>
       <p:sp>
         <p:nvSpPr>
-          <p:cNvPr id="5" name="灯片编号占位符 4">
-            <a:extLst>
-              <a:ext uri="{FF2B5EF4-FFF2-40B4-BE49-F238E27FC236}">
-                <a16:creationId xmlns:a16="http://schemas.microsoft.com/office/drawing/2014/main" id="{9F01F04B-7D1A-457C-8039-0E95383E89E1}"/>
-              </a:ext>
-            </a:extLst>
-          </p:cNvPr>
+          <p:cNvPr id="5" name="灯片编号占位符 4"/>
           <p:cNvSpPr>
             <a:spLocks noGrp="1"/>
           </p:cNvSpPr>
@@ -2457,18 +2375,12 @@
           <a:p>
             <a:fld id="{3839FD42-9642-4BE7-B5A8-BB93D8CD450C}" type="slidenum">
               <a:rPr lang="zh-CN" altLang="en-US" smtClean="0"/>
-              <a:t>‹#›</a:t>
             </a:fld>
             <a:endParaRPr lang="zh-CN" altLang="en-US"/>
           </a:p>
         </p:txBody>
       </p:sp>
     </p:spTree>
-    <p:extLst>
-      <p:ext uri="{BB962C8B-B14F-4D97-AF65-F5344CB8AC3E}">
-        <p14:creationId xmlns:p14="http://schemas.microsoft.com/office/powerpoint/2010/main" val="1038889569"/>
-      </p:ext>
-    </p:extLst>
   </p:cSld>
   <p:clrMapOvr>
     <a:masterClrMapping/>
@@ -2476,7 +2388,7 @@
 </p:sldLayout>
 </file>
 
-<file path=ppt/slideLayouts/slideLayout7.xml><?xml version="1.0" encoding="utf-8"?>
+<file path=ppt/slideLayouts/slideLayout18.xml><?xml version="1.0" encoding="utf-8"?>
 <p:sldLayout xmlns:a="http://schemas.openxmlformats.org/drawingml/2006/main" xmlns:r="http://schemas.openxmlformats.org/officeDocument/2006/relationships" xmlns:p="http://schemas.openxmlformats.org/presentationml/2006/main" type="blank" preserve="1">
   <p:cSld name="空白">
     <p:spTree>
@@ -2495,13 +2407,7 @@
       </p:grpSpPr>
       <p:sp>
         <p:nvSpPr>
-          <p:cNvPr id="2" name="日期占位符 1">
-            <a:extLst>
-              <a:ext uri="{FF2B5EF4-FFF2-40B4-BE49-F238E27FC236}">
-                <a16:creationId xmlns:a16="http://schemas.microsoft.com/office/drawing/2014/main" id="{0DF08F84-B9CF-40D2-81C9-3C03BB104796}"/>
-              </a:ext>
-            </a:extLst>
-          </p:cNvPr>
+          <p:cNvPr id="2" name="日期占位符 1"/>
           <p:cNvSpPr>
             <a:spLocks noGrp="1"/>
           </p:cNvSpPr>
@@ -2516,7 +2422,6 @@
           <a:p>
             <a:fld id="{3E77F3E2-788F-42B3-837B-A6E77B056D99}" type="datetimeFigureOut">
               <a:rPr lang="zh-CN" altLang="en-US" smtClean="0"/>
-              <a:t>2019/6/11</a:t>
             </a:fld>
             <a:endParaRPr lang="zh-CN" altLang="en-US"/>
           </a:p>
@@ -2524,13 +2429,7 @@
       </p:sp>
       <p:sp>
         <p:nvSpPr>
-          <p:cNvPr id="3" name="页脚占位符 2">
-            <a:extLst>
-              <a:ext uri="{FF2B5EF4-FFF2-40B4-BE49-F238E27FC236}">
-                <a16:creationId xmlns:a16="http://schemas.microsoft.com/office/drawing/2014/main" id="{E00B342F-37BB-4364-ACDB-87BE6BD0C418}"/>
-              </a:ext>
-            </a:extLst>
-          </p:cNvPr>
+          <p:cNvPr id="3" name="页脚占位符 2"/>
           <p:cNvSpPr>
             <a:spLocks noGrp="1"/>
           </p:cNvSpPr>
@@ -2549,13 +2448,7 @@
       </p:sp>
       <p:sp>
         <p:nvSpPr>
-          <p:cNvPr id="4" name="灯片编号占位符 3">
-            <a:extLst>
-              <a:ext uri="{FF2B5EF4-FFF2-40B4-BE49-F238E27FC236}">
-                <a16:creationId xmlns:a16="http://schemas.microsoft.com/office/drawing/2014/main" id="{E7FE97AD-4E4E-4534-AA6A-B1E607D7DD42}"/>
-              </a:ext>
-            </a:extLst>
-          </p:cNvPr>
+          <p:cNvPr id="4" name="灯片编号占位符 3"/>
           <p:cNvSpPr>
             <a:spLocks noGrp="1"/>
           </p:cNvSpPr>
@@ -2570,18 +2463,12 @@
           <a:p>
             <a:fld id="{3839FD42-9642-4BE7-B5A8-BB93D8CD450C}" type="slidenum">
               <a:rPr lang="zh-CN" altLang="en-US" smtClean="0"/>
-              <a:t>‹#›</a:t>
             </a:fld>
             <a:endParaRPr lang="zh-CN" altLang="en-US"/>
           </a:p>
         </p:txBody>
       </p:sp>
     </p:spTree>
-    <p:extLst>
-      <p:ext uri="{BB962C8B-B14F-4D97-AF65-F5344CB8AC3E}">
-        <p14:creationId xmlns:p14="http://schemas.microsoft.com/office/powerpoint/2010/main" val="2755359393"/>
-      </p:ext>
-    </p:extLst>
   </p:cSld>
   <p:clrMapOvr>
     <a:masterClrMapping/>
@@ -2589,7 +2476,7 @@
 </p:sldLayout>
 </file>
 
-<file path=ppt/slideLayouts/slideLayout8.xml><?xml version="1.0" encoding="utf-8"?>
+<file path=ppt/slideLayouts/slideLayout19.xml><?xml version="1.0" encoding="utf-8"?>
 <p:sldLayout xmlns:a="http://schemas.openxmlformats.org/drawingml/2006/main" xmlns:r="http://schemas.openxmlformats.org/officeDocument/2006/relationships" xmlns:p="http://schemas.openxmlformats.org/presentationml/2006/main" type="objTx" preserve="1">
   <p:cSld name="内容与标题">
     <p:spTree>
@@ -2608,13 +2495,7 @@
       </p:grpSpPr>
       <p:sp>
         <p:nvSpPr>
-          <p:cNvPr id="2" name="标题 1">
-            <a:extLst>
-              <a:ext uri="{FF2B5EF4-FFF2-40B4-BE49-F238E27FC236}">
-                <a16:creationId xmlns:a16="http://schemas.microsoft.com/office/drawing/2014/main" id="{7EEFE9C1-C3B0-48AC-936E-F404C5E4B386}"/>
-              </a:ext>
-            </a:extLst>
-          </p:cNvPr>
+          <p:cNvPr id="2" name="标题 1"/>
           <p:cNvSpPr>
             <a:spLocks noGrp="1"/>
           </p:cNvSpPr>
@@ -2640,18 +2521,13 @@
               <a:rPr lang="zh-CN" altLang="en-US"/>
               <a:t>单击此处编辑母版标题样式</a:t>
             </a:r>
-          </a:p>
-        </p:txBody>
-      </p:sp>
-      <p:sp>
-        <p:nvSpPr>
-          <p:cNvPr id="3" name="内容占位符 2">
-            <a:extLst>
-              <a:ext uri="{FF2B5EF4-FFF2-40B4-BE49-F238E27FC236}">
-                <a16:creationId xmlns:a16="http://schemas.microsoft.com/office/drawing/2014/main" id="{DF3640D4-8DA2-4E93-9793-8D34C0584EE7}"/>
-              </a:ext>
-            </a:extLst>
-          </p:cNvPr>
+            <a:endParaRPr lang="zh-CN" altLang="en-US"/>
+          </a:p>
+        </p:txBody>
+      </p:sp>
+      <p:sp>
+        <p:nvSpPr>
+          <p:cNvPr id="3" name="内容占位符 2"/>
           <p:cNvSpPr>
             <a:spLocks noGrp="1"/>
           </p:cNvSpPr>
@@ -2702,6 +2578,7 @@
               <a:rPr lang="zh-CN" altLang="en-US"/>
               <a:t>单击此处编辑母版文本样式</a:t>
             </a:r>
+            <a:endParaRPr lang="zh-CN" altLang="en-US"/>
           </a:p>
           <a:p>
             <a:pPr lvl="1"/>
@@ -2709,6 +2586,7 @@
               <a:rPr lang="zh-CN" altLang="en-US"/>
               <a:t>二级</a:t>
             </a:r>
+            <a:endParaRPr lang="zh-CN" altLang="en-US"/>
           </a:p>
           <a:p>
             <a:pPr lvl="2"/>
@@ -2716,6 +2594,7 @@
               <a:rPr lang="zh-CN" altLang="en-US"/>
               <a:t>三级</a:t>
             </a:r>
+            <a:endParaRPr lang="zh-CN" altLang="en-US"/>
           </a:p>
           <a:p>
             <a:pPr lvl="3"/>
@@ -2723,6 +2602,7 @@
               <a:rPr lang="zh-CN" altLang="en-US"/>
               <a:t>四级</a:t>
             </a:r>
+            <a:endParaRPr lang="zh-CN" altLang="en-US"/>
           </a:p>
           <a:p>
             <a:pPr lvl="4"/>
@@ -2730,18 +2610,13 @@
               <a:rPr lang="zh-CN" altLang="en-US"/>
               <a:t>五级</a:t>
             </a:r>
-          </a:p>
-        </p:txBody>
-      </p:sp>
-      <p:sp>
-        <p:nvSpPr>
-          <p:cNvPr id="4" name="文本占位符 3">
-            <a:extLst>
-              <a:ext uri="{FF2B5EF4-FFF2-40B4-BE49-F238E27FC236}">
-                <a16:creationId xmlns:a16="http://schemas.microsoft.com/office/drawing/2014/main" id="{25C89A1C-3598-489A-A6DC-5BD8E5EC386E}"/>
-              </a:ext>
-            </a:extLst>
-          </p:cNvPr>
+            <a:endParaRPr lang="zh-CN" altLang="en-US"/>
+          </a:p>
+        </p:txBody>
+      </p:sp>
+      <p:sp>
+        <p:nvSpPr>
+          <p:cNvPr id="4" name="文本占位符 3"/>
           <p:cNvSpPr>
             <a:spLocks noGrp="1"/>
           </p:cNvSpPr>
@@ -2801,18 +2676,13 @@
               <a:rPr lang="zh-CN" altLang="en-US"/>
               <a:t>单击此处编辑母版文本样式</a:t>
             </a:r>
-          </a:p>
-        </p:txBody>
-      </p:sp>
-      <p:sp>
-        <p:nvSpPr>
-          <p:cNvPr id="5" name="日期占位符 4">
-            <a:extLst>
-              <a:ext uri="{FF2B5EF4-FFF2-40B4-BE49-F238E27FC236}">
-                <a16:creationId xmlns:a16="http://schemas.microsoft.com/office/drawing/2014/main" id="{A11984C8-EA4B-4C27-A733-C42DA164456B}"/>
-              </a:ext>
-            </a:extLst>
-          </p:cNvPr>
+            <a:endParaRPr lang="zh-CN" altLang="en-US"/>
+          </a:p>
+        </p:txBody>
+      </p:sp>
+      <p:sp>
+        <p:nvSpPr>
+          <p:cNvPr id="5" name="日期占位符 4"/>
           <p:cNvSpPr>
             <a:spLocks noGrp="1"/>
           </p:cNvSpPr>
@@ -2827,7 +2697,6 @@
           <a:p>
             <a:fld id="{3E77F3E2-788F-42B3-837B-A6E77B056D99}" type="datetimeFigureOut">
               <a:rPr lang="zh-CN" altLang="en-US" smtClean="0"/>
-              <a:t>2019/6/11</a:t>
             </a:fld>
             <a:endParaRPr lang="zh-CN" altLang="en-US"/>
           </a:p>
@@ -2835,13 +2704,7 @@
       </p:sp>
       <p:sp>
         <p:nvSpPr>
-          <p:cNvPr id="6" name="页脚占位符 5">
-            <a:extLst>
-              <a:ext uri="{FF2B5EF4-FFF2-40B4-BE49-F238E27FC236}">
-                <a16:creationId xmlns:a16="http://schemas.microsoft.com/office/drawing/2014/main" id="{F7856BC5-70F1-4188-B490-FEAD70C4915B}"/>
-              </a:ext>
-            </a:extLst>
-          </p:cNvPr>
+          <p:cNvPr id="6" name="页脚占位符 5"/>
           <p:cNvSpPr>
             <a:spLocks noGrp="1"/>
           </p:cNvSpPr>
@@ -2860,13 +2723,7 @@
       </p:sp>
       <p:sp>
         <p:nvSpPr>
-          <p:cNvPr id="7" name="灯片编号占位符 6">
-            <a:extLst>
-              <a:ext uri="{FF2B5EF4-FFF2-40B4-BE49-F238E27FC236}">
-                <a16:creationId xmlns:a16="http://schemas.microsoft.com/office/drawing/2014/main" id="{33D8E696-B650-4F6B-AB25-77892E44590B}"/>
-              </a:ext>
-            </a:extLst>
-          </p:cNvPr>
+          <p:cNvPr id="7" name="灯片编号占位符 6"/>
           <p:cNvSpPr>
             <a:spLocks noGrp="1"/>
           </p:cNvSpPr>
@@ -2881,18 +2738,2087 @@
           <a:p>
             <a:fld id="{3839FD42-9642-4BE7-B5A8-BB93D8CD450C}" type="slidenum">
               <a:rPr lang="zh-CN" altLang="en-US" smtClean="0"/>
-              <a:t>‹#›</a:t>
             </a:fld>
             <a:endParaRPr lang="zh-CN" altLang="en-US"/>
           </a:p>
         </p:txBody>
       </p:sp>
     </p:spTree>
-    <p:extLst>
-      <p:ext uri="{BB962C8B-B14F-4D97-AF65-F5344CB8AC3E}">
-        <p14:creationId xmlns:p14="http://schemas.microsoft.com/office/powerpoint/2010/main" val="1136506213"/>
-      </p:ext>
-    </p:extLst>
+  </p:cSld>
+  <p:clrMapOvr>
+    <a:masterClrMapping/>
+  </p:clrMapOvr>
+</p:sldLayout>
+</file>
+
+<file path=ppt/slideLayouts/slideLayout2.xml><?xml version="1.0" encoding="utf-8"?>
+<p:sldLayout xmlns:a="http://schemas.openxmlformats.org/drawingml/2006/main" xmlns:r="http://schemas.openxmlformats.org/officeDocument/2006/relationships" xmlns:p="http://schemas.openxmlformats.org/presentationml/2006/main" type="obj" preserve="1">
+  <p:cSld name="标题和内容">
+    <p:spTree>
+      <p:nvGrpSpPr>
+        <p:cNvPr id="1" name=""/>
+        <p:cNvGrpSpPr/>
+        <p:nvPr/>
+      </p:nvGrpSpPr>
+      <p:grpSpPr>
+        <a:xfrm>
+          <a:off x="0" y="0"/>
+          <a:ext cx="0" cy="0"/>
+          <a:chOff x="0" y="0"/>
+          <a:chExt cx="0" cy="0"/>
+        </a:xfrm>
+      </p:grpSpPr>
+      <p:sp>
+        <p:nvSpPr>
+          <p:cNvPr id="2" name="标题 1"/>
+          <p:cNvSpPr>
+            <a:spLocks noGrp="1"/>
+          </p:cNvSpPr>
+          <p:nvPr>
+            <p:ph type="title"/>
+          </p:nvPr>
+        </p:nvSpPr>
+        <p:spPr/>
+        <p:txBody>
+          <a:bodyPr/>
+          <a:lstStyle/>
+          <a:p>
+            <a:r>
+              <a:rPr lang="zh-CN" altLang="en-US"/>
+              <a:t>单击此处编辑母版标题样式</a:t>
+            </a:r>
+            <a:endParaRPr lang="zh-CN" altLang="en-US"/>
+          </a:p>
+        </p:txBody>
+      </p:sp>
+      <p:sp>
+        <p:nvSpPr>
+          <p:cNvPr id="3" name="内容占位符 2"/>
+          <p:cNvSpPr>
+            <a:spLocks noGrp="1"/>
+          </p:cNvSpPr>
+          <p:nvPr>
+            <p:ph idx="1"/>
+          </p:nvPr>
+        </p:nvSpPr>
+        <p:spPr/>
+        <p:txBody>
+          <a:bodyPr/>
+          <a:lstStyle/>
+          <a:p>
+            <a:pPr lvl="0"/>
+            <a:r>
+              <a:rPr lang="zh-CN" altLang="en-US"/>
+              <a:t>单击此处编辑母版文本样式</a:t>
+            </a:r>
+            <a:endParaRPr lang="zh-CN" altLang="en-US"/>
+          </a:p>
+          <a:p>
+            <a:pPr lvl="1"/>
+            <a:r>
+              <a:rPr lang="zh-CN" altLang="en-US"/>
+              <a:t>二级</a:t>
+            </a:r>
+            <a:endParaRPr lang="zh-CN" altLang="en-US"/>
+          </a:p>
+          <a:p>
+            <a:pPr lvl="2"/>
+            <a:r>
+              <a:rPr lang="zh-CN" altLang="en-US"/>
+              <a:t>三级</a:t>
+            </a:r>
+            <a:endParaRPr lang="zh-CN" altLang="en-US"/>
+          </a:p>
+          <a:p>
+            <a:pPr lvl="3"/>
+            <a:r>
+              <a:rPr lang="zh-CN" altLang="en-US"/>
+              <a:t>四级</a:t>
+            </a:r>
+            <a:endParaRPr lang="zh-CN" altLang="en-US"/>
+          </a:p>
+          <a:p>
+            <a:pPr lvl="4"/>
+            <a:r>
+              <a:rPr lang="zh-CN" altLang="en-US"/>
+              <a:t>五级</a:t>
+            </a:r>
+            <a:endParaRPr lang="zh-CN" altLang="en-US"/>
+          </a:p>
+        </p:txBody>
+      </p:sp>
+      <p:sp>
+        <p:nvSpPr>
+          <p:cNvPr id="4" name="日期占位符 3"/>
+          <p:cNvSpPr>
+            <a:spLocks noGrp="1"/>
+          </p:cNvSpPr>
+          <p:nvPr>
+            <p:ph type="dt" sz="half" idx="10"/>
+          </p:nvPr>
+        </p:nvSpPr>
+        <p:spPr/>
+        <p:txBody>
+          <a:bodyPr/>
+          <a:lstStyle/>
+          <a:p>
+            <a:fld id="{3E77F3E2-788F-42B3-837B-A6E77B056D99}" type="datetimeFigureOut">
+              <a:rPr lang="zh-CN" altLang="en-US" smtClean="0"/>
+            </a:fld>
+            <a:endParaRPr lang="zh-CN" altLang="en-US"/>
+          </a:p>
+        </p:txBody>
+      </p:sp>
+      <p:sp>
+        <p:nvSpPr>
+          <p:cNvPr id="5" name="页脚占位符 4"/>
+          <p:cNvSpPr>
+            <a:spLocks noGrp="1"/>
+          </p:cNvSpPr>
+          <p:nvPr>
+            <p:ph type="ftr" sz="quarter" idx="11"/>
+          </p:nvPr>
+        </p:nvSpPr>
+        <p:spPr/>
+        <p:txBody>
+          <a:bodyPr/>
+          <a:lstStyle/>
+          <a:p>
+            <a:endParaRPr lang="zh-CN" altLang="en-US"/>
+          </a:p>
+        </p:txBody>
+      </p:sp>
+      <p:sp>
+        <p:nvSpPr>
+          <p:cNvPr id="6" name="灯片编号占位符 5"/>
+          <p:cNvSpPr>
+            <a:spLocks noGrp="1"/>
+          </p:cNvSpPr>
+          <p:nvPr>
+            <p:ph type="sldNum" sz="quarter" idx="12"/>
+          </p:nvPr>
+        </p:nvSpPr>
+        <p:spPr/>
+        <p:txBody>
+          <a:bodyPr/>
+          <a:lstStyle/>
+          <a:p>
+            <a:fld id="{3839FD42-9642-4BE7-B5A8-BB93D8CD450C}" type="slidenum">
+              <a:rPr lang="zh-CN" altLang="en-US" smtClean="0"/>
+            </a:fld>
+            <a:endParaRPr lang="zh-CN" altLang="en-US"/>
+          </a:p>
+        </p:txBody>
+      </p:sp>
+    </p:spTree>
+  </p:cSld>
+  <p:clrMapOvr>
+    <a:masterClrMapping/>
+  </p:clrMapOvr>
+</p:sldLayout>
+</file>
+
+<file path=ppt/slideLayouts/slideLayout20.xml><?xml version="1.0" encoding="utf-8"?>
+<p:sldLayout xmlns:a="http://schemas.openxmlformats.org/drawingml/2006/main" xmlns:r="http://schemas.openxmlformats.org/officeDocument/2006/relationships" xmlns:p="http://schemas.openxmlformats.org/presentationml/2006/main" type="picTx" preserve="1">
+  <p:cSld name="图片与标题">
+    <p:spTree>
+      <p:nvGrpSpPr>
+        <p:cNvPr id="1" name=""/>
+        <p:cNvGrpSpPr/>
+        <p:nvPr/>
+      </p:nvGrpSpPr>
+      <p:grpSpPr>
+        <a:xfrm>
+          <a:off x="0" y="0"/>
+          <a:ext cx="0" cy="0"/>
+          <a:chOff x="0" y="0"/>
+          <a:chExt cx="0" cy="0"/>
+        </a:xfrm>
+      </p:grpSpPr>
+      <p:sp>
+        <p:nvSpPr>
+          <p:cNvPr id="2" name="标题 1"/>
+          <p:cNvSpPr>
+            <a:spLocks noGrp="1"/>
+          </p:cNvSpPr>
+          <p:nvPr>
+            <p:ph type="title"/>
+          </p:nvPr>
+        </p:nvSpPr>
+        <p:spPr>
+          <a:xfrm>
+            <a:off x="839788" y="457200"/>
+            <a:ext cx="3932237" cy="1600200"/>
+          </a:xfrm>
+        </p:spPr>
+        <p:txBody>
+          <a:bodyPr anchor="b"/>
+          <a:lstStyle>
+            <a:lvl1pPr>
+              <a:defRPr sz="3200"/>
+            </a:lvl1pPr>
+          </a:lstStyle>
+          <a:p>
+            <a:r>
+              <a:rPr lang="zh-CN" altLang="en-US"/>
+              <a:t>单击此处编辑母版标题样式</a:t>
+            </a:r>
+            <a:endParaRPr lang="zh-CN" altLang="en-US"/>
+          </a:p>
+        </p:txBody>
+      </p:sp>
+      <p:sp>
+        <p:nvSpPr>
+          <p:cNvPr id="3" name="图片占位符 2"/>
+          <p:cNvSpPr>
+            <a:spLocks noGrp="1"/>
+          </p:cNvSpPr>
+          <p:nvPr>
+            <p:ph type="pic" idx="1"/>
+          </p:nvPr>
+        </p:nvSpPr>
+        <p:spPr>
+          <a:xfrm>
+            <a:off x="5183188" y="987425"/>
+            <a:ext cx="6172200" cy="4873625"/>
+          </a:xfrm>
+        </p:spPr>
+        <p:txBody>
+          <a:bodyPr/>
+          <a:lstStyle>
+            <a:lvl1pPr marL="0" indent="0">
+              <a:buNone/>
+              <a:defRPr sz="3200"/>
+            </a:lvl1pPr>
+            <a:lvl2pPr marL="457200" indent="0">
+              <a:buNone/>
+              <a:defRPr sz="2800"/>
+            </a:lvl2pPr>
+            <a:lvl3pPr marL="914400" indent="0">
+              <a:buNone/>
+              <a:defRPr sz="2400"/>
+            </a:lvl3pPr>
+            <a:lvl4pPr marL="1371600" indent="0">
+              <a:buNone/>
+              <a:defRPr sz="2000"/>
+            </a:lvl4pPr>
+            <a:lvl5pPr marL="1828800" indent="0">
+              <a:buNone/>
+              <a:defRPr sz="2000"/>
+            </a:lvl5pPr>
+            <a:lvl6pPr marL="2286000" indent="0">
+              <a:buNone/>
+              <a:defRPr sz="2000"/>
+            </a:lvl6pPr>
+            <a:lvl7pPr marL="2743200" indent="0">
+              <a:buNone/>
+              <a:defRPr sz="2000"/>
+            </a:lvl7pPr>
+            <a:lvl8pPr marL="3200400" indent="0">
+              <a:buNone/>
+              <a:defRPr sz="2000"/>
+            </a:lvl8pPr>
+            <a:lvl9pPr marL="3657600" indent="0">
+              <a:buNone/>
+              <a:defRPr sz="2000"/>
+            </a:lvl9pPr>
+          </a:lstStyle>
+          <a:p>
+            <a:endParaRPr lang="zh-CN" altLang="en-US"/>
+          </a:p>
+        </p:txBody>
+      </p:sp>
+      <p:sp>
+        <p:nvSpPr>
+          <p:cNvPr id="4" name="文本占位符 3"/>
+          <p:cNvSpPr>
+            <a:spLocks noGrp="1"/>
+          </p:cNvSpPr>
+          <p:nvPr>
+            <p:ph type="body" sz="half" idx="2"/>
+          </p:nvPr>
+        </p:nvSpPr>
+        <p:spPr>
+          <a:xfrm>
+            <a:off x="839788" y="2057400"/>
+            <a:ext cx="3932237" cy="3811588"/>
+          </a:xfrm>
+        </p:spPr>
+        <p:txBody>
+          <a:bodyPr/>
+          <a:lstStyle>
+            <a:lvl1pPr marL="0" indent="0">
+              <a:buNone/>
+              <a:defRPr sz="1600"/>
+            </a:lvl1pPr>
+            <a:lvl2pPr marL="457200" indent="0">
+              <a:buNone/>
+              <a:defRPr sz="1400"/>
+            </a:lvl2pPr>
+            <a:lvl3pPr marL="914400" indent="0">
+              <a:buNone/>
+              <a:defRPr sz="1200"/>
+            </a:lvl3pPr>
+            <a:lvl4pPr marL="1371600" indent="0">
+              <a:buNone/>
+              <a:defRPr sz="1000"/>
+            </a:lvl4pPr>
+            <a:lvl5pPr marL="1828800" indent="0">
+              <a:buNone/>
+              <a:defRPr sz="1000"/>
+            </a:lvl5pPr>
+            <a:lvl6pPr marL="2286000" indent="0">
+              <a:buNone/>
+              <a:defRPr sz="1000"/>
+            </a:lvl6pPr>
+            <a:lvl7pPr marL="2743200" indent="0">
+              <a:buNone/>
+              <a:defRPr sz="1000"/>
+            </a:lvl7pPr>
+            <a:lvl8pPr marL="3200400" indent="0">
+              <a:buNone/>
+              <a:defRPr sz="1000"/>
+            </a:lvl8pPr>
+            <a:lvl9pPr marL="3657600" indent="0">
+              <a:buNone/>
+              <a:defRPr sz="1000"/>
+            </a:lvl9pPr>
+          </a:lstStyle>
+          <a:p>
+            <a:pPr lvl="0"/>
+            <a:r>
+              <a:rPr lang="zh-CN" altLang="en-US"/>
+              <a:t>单击此处编辑母版文本样式</a:t>
+            </a:r>
+            <a:endParaRPr lang="zh-CN" altLang="en-US"/>
+          </a:p>
+        </p:txBody>
+      </p:sp>
+      <p:sp>
+        <p:nvSpPr>
+          <p:cNvPr id="5" name="日期占位符 4"/>
+          <p:cNvSpPr>
+            <a:spLocks noGrp="1"/>
+          </p:cNvSpPr>
+          <p:nvPr>
+            <p:ph type="dt" sz="half" idx="10"/>
+          </p:nvPr>
+        </p:nvSpPr>
+        <p:spPr/>
+        <p:txBody>
+          <a:bodyPr/>
+          <a:lstStyle/>
+          <a:p>
+            <a:fld id="{3E77F3E2-788F-42B3-837B-A6E77B056D99}" type="datetimeFigureOut">
+              <a:rPr lang="zh-CN" altLang="en-US" smtClean="0"/>
+            </a:fld>
+            <a:endParaRPr lang="zh-CN" altLang="en-US"/>
+          </a:p>
+        </p:txBody>
+      </p:sp>
+      <p:sp>
+        <p:nvSpPr>
+          <p:cNvPr id="6" name="页脚占位符 5"/>
+          <p:cNvSpPr>
+            <a:spLocks noGrp="1"/>
+          </p:cNvSpPr>
+          <p:nvPr>
+            <p:ph type="ftr" sz="quarter" idx="11"/>
+          </p:nvPr>
+        </p:nvSpPr>
+        <p:spPr/>
+        <p:txBody>
+          <a:bodyPr/>
+          <a:lstStyle/>
+          <a:p>
+            <a:endParaRPr lang="zh-CN" altLang="en-US"/>
+          </a:p>
+        </p:txBody>
+      </p:sp>
+      <p:sp>
+        <p:nvSpPr>
+          <p:cNvPr id="7" name="灯片编号占位符 6"/>
+          <p:cNvSpPr>
+            <a:spLocks noGrp="1"/>
+          </p:cNvSpPr>
+          <p:nvPr>
+            <p:ph type="sldNum" sz="quarter" idx="12"/>
+          </p:nvPr>
+        </p:nvSpPr>
+        <p:spPr/>
+        <p:txBody>
+          <a:bodyPr/>
+          <a:lstStyle/>
+          <a:p>
+            <a:fld id="{3839FD42-9642-4BE7-B5A8-BB93D8CD450C}" type="slidenum">
+              <a:rPr lang="zh-CN" altLang="en-US" smtClean="0"/>
+            </a:fld>
+            <a:endParaRPr lang="zh-CN" altLang="en-US"/>
+          </a:p>
+        </p:txBody>
+      </p:sp>
+    </p:spTree>
+  </p:cSld>
+  <p:clrMapOvr>
+    <a:masterClrMapping/>
+  </p:clrMapOvr>
+</p:sldLayout>
+</file>
+
+<file path=ppt/slideLayouts/slideLayout21.xml><?xml version="1.0" encoding="utf-8"?>
+<p:sldLayout xmlns:a="http://schemas.openxmlformats.org/drawingml/2006/main" xmlns:r="http://schemas.openxmlformats.org/officeDocument/2006/relationships" xmlns:p="http://schemas.openxmlformats.org/presentationml/2006/main" type="vertTx" preserve="1">
+  <p:cSld name="标题和竖排文字">
+    <p:spTree>
+      <p:nvGrpSpPr>
+        <p:cNvPr id="1" name=""/>
+        <p:cNvGrpSpPr/>
+        <p:nvPr/>
+      </p:nvGrpSpPr>
+      <p:grpSpPr>
+        <a:xfrm>
+          <a:off x="0" y="0"/>
+          <a:ext cx="0" cy="0"/>
+          <a:chOff x="0" y="0"/>
+          <a:chExt cx="0" cy="0"/>
+        </a:xfrm>
+      </p:grpSpPr>
+      <p:sp>
+        <p:nvSpPr>
+          <p:cNvPr id="2" name="标题 1"/>
+          <p:cNvSpPr>
+            <a:spLocks noGrp="1"/>
+          </p:cNvSpPr>
+          <p:nvPr>
+            <p:ph type="title"/>
+          </p:nvPr>
+        </p:nvSpPr>
+        <p:spPr/>
+        <p:txBody>
+          <a:bodyPr/>
+          <a:lstStyle/>
+          <a:p>
+            <a:r>
+              <a:rPr lang="zh-CN" altLang="en-US"/>
+              <a:t>单击此处编辑母版标题样式</a:t>
+            </a:r>
+            <a:endParaRPr lang="zh-CN" altLang="en-US"/>
+          </a:p>
+        </p:txBody>
+      </p:sp>
+      <p:sp>
+        <p:nvSpPr>
+          <p:cNvPr id="3" name="竖排文字占位符 2"/>
+          <p:cNvSpPr>
+            <a:spLocks noGrp="1"/>
+          </p:cNvSpPr>
+          <p:nvPr>
+            <p:ph type="body" orient="vert" idx="1"/>
+          </p:nvPr>
+        </p:nvSpPr>
+        <p:spPr/>
+        <p:txBody>
+          <a:bodyPr vert="eaVert"/>
+          <a:lstStyle/>
+          <a:p>
+            <a:pPr lvl="0"/>
+            <a:r>
+              <a:rPr lang="zh-CN" altLang="en-US"/>
+              <a:t>单击此处编辑母版文本样式</a:t>
+            </a:r>
+            <a:endParaRPr lang="zh-CN" altLang="en-US"/>
+          </a:p>
+          <a:p>
+            <a:pPr lvl="1"/>
+            <a:r>
+              <a:rPr lang="zh-CN" altLang="en-US"/>
+              <a:t>二级</a:t>
+            </a:r>
+            <a:endParaRPr lang="zh-CN" altLang="en-US"/>
+          </a:p>
+          <a:p>
+            <a:pPr lvl="2"/>
+            <a:r>
+              <a:rPr lang="zh-CN" altLang="en-US"/>
+              <a:t>三级</a:t>
+            </a:r>
+            <a:endParaRPr lang="zh-CN" altLang="en-US"/>
+          </a:p>
+          <a:p>
+            <a:pPr lvl="3"/>
+            <a:r>
+              <a:rPr lang="zh-CN" altLang="en-US"/>
+              <a:t>四级</a:t>
+            </a:r>
+            <a:endParaRPr lang="zh-CN" altLang="en-US"/>
+          </a:p>
+          <a:p>
+            <a:pPr lvl="4"/>
+            <a:r>
+              <a:rPr lang="zh-CN" altLang="en-US"/>
+              <a:t>五级</a:t>
+            </a:r>
+            <a:endParaRPr lang="zh-CN" altLang="en-US"/>
+          </a:p>
+        </p:txBody>
+      </p:sp>
+      <p:sp>
+        <p:nvSpPr>
+          <p:cNvPr id="4" name="日期占位符 3"/>
+          <p:cNvSpPr>
+            <a:spLocks noGrp="1"/>
+          </p:cNvSpPr>
+          <p:nvPr>
+            <p:ph type="dt" sz="half" idx="10"/>
+          </p:nvPr>
+        </p:nvSpPr>
+        <p:spPr/>
+        <p:txBody>
+          <a:bodyPr/>
+          <a:lstStyle/>
+          <a:p>
+            <a:fld id="{3E77F3E2-788F-42B3-837B-A6E77B056D99}" type="datetimeFigureOut">
+              <a:rPr lang="zh-CN" altLang="en-US" smtClean="0"/>
+            </a:fld>
+            <a:endParaRPr lang="zh-CN" altLang="en-US"/>
+          </a:p>
+        </p:txBody>
+      </p:sp>
+      <p:sp>
+        <p:nvSpPr>
+          <p:cNvPr id="5" name="页脚占位符 4"/>
+          <p:cNvSpPr>
+            <a:spLocks noGrp="1"/>
+          </p:cNvSpPr>
+          <p:nvPr>
+            <p:ph type="ftr" sz="quarter" idx="11"/>
+          </p:nvPr>
+        </p:nvSpPr>
+        <p:spPr/>
+        <p:txBody>
+          <a:bodyPr/>
+          <a:lstStyle/>
+          <a:p>
+            <a:endParaRPr lang="zh-CN" altLang="en-US"/>
+          </a:p>
+        </p:txBody>
+      </p:sp>
+      <p:sp>
+        <p:nvSpPr>
+          <p:cNvPr id="6" name="灯片编号占位符 5"/>
+          <p:cNvSpPr>
+            <a:spLocks noGrp="1"/>
+          </p:cNvSpPr>
+          <p:nvPr>
+            <p:ph type="sldNum" sz="quarter" idx="12"/>
+          </p:nvPr>
+        </p:nvSpPr>
+        <p:spPr/>
+        <p:txBody>
+          <a:bodyPr/>
+          <a:lstStyle/>
+          <a:p>
+            <a:fld id="{3839FD42-9642-4BE7-B5A8-BB93D8CD450C}" type="slidenum">
+              <a:rPr lang="zh-CN" altLang="en-US" smtClean="0"/>
+            </a:fld>
+            <a:endParaRPr lang="zh-CN" altLang="en-US"/>
+          </a:p>
+        </p:txBody>
+      </p:sp>
+    </p:spTree>
+  </p:cSld>
+  <p:clrMapOvr>
+    <a:masterClrMapping/>
+  </p:clrMapOvr>
+</p:sldLayout>
+</file>
+
+<file path=ppt/slideLayouts/slideLayout22.xml><?xml version="1.0" encoding="utf-8"?>
+<p:sldLayout xmlns:a="http://schemas.openxmlformats.org/drawingml/2006/main" xmlns:r="http://schemas.openxmlformats.org/officeDocument/2006/relationships" xmlns:p="http://schemas.openxmlformats.org/presentationml/2006/main" type="vertTitleAndTx" preserve="1">
+  <p:cSld name="竖排标题与文本">
+    <p:spTree>
+      <p:nvGrpSpPr>
+        <p:cNvPr id="1" name=""/>
+        <p:cNvGrpSpPr/>
+        <p:nvPr/>
+      </p:nvGrpSpPr>
+      <p:grpSpPr>
+        <a:xfrm>
+          <a:off x="0" y="0"/>
+          <a:ext cx="0" cy="0"/>
+          <a:chOff x="0" y="0"/>
+          <a:chExt cx="0" cy="0"/>
+        </a:xfrm>
+      </p:grpSpPr>
+      <p:sp>
+        <p:nvSpPr>
+          <p:cNvPr id="2" name="竖排标题 1"/>
+          <p:cNvSpPr>
+            <a:spLocks noGrp="1"/>
+          </p:cNvSpPr>
+          <p:nvPr>
+            <p:ph type="title" orient="vert"/>
+          </p:nvPr>
+        </p:nvSpPr>
+        <p:spPr>
+          <a:xfrm>
+            <a:off x="8724900" y="365125"/>
+            <a:ext cx="2628900" cy="5811838"/>
+          </a:xfrm>
+        </p:spPr>
+        <p:txBody>
+          <a:bodyPr vert="eaVert"/>
+          <a:lstStyle/>
+          <a:p>
+            <a:r>
+              <a:rPr lang="zh-CN" altLang="en-US"/>
+              <a:t>单击此处编辑母版标题样式</a:t>
+            </a:r>
+            <a:endParaRPr lang="zh-CN" altLang="en-US"/>
+          </a:p>
+        </p:txBody>
+      </p:sp>
+      <p:sp>
+        <p:nvSpPr>
+          <p:cNvPr id="3" name="竖排文字占位符 2"/>
+          <p:cNvSpPr>
+            <a:spLocks noGrp="1"/>
+          </p:cNvSpPr>
+          <p:nvPr>
+            <p:ph type="body" orient="vert" idx="1"/>
+          </p:nvPr>
+        </p:nvSpPr>
+        <p:spPr>
+          <a:xfrm>
+            <a:off x="838200" y="365125"/>
+            <a:ext cx="7734300" cy="5811838"/>
+          </a:xfrm>
+        </p:spPr>
+        <p:txBody>
+          <a:bodyPr vert="eaVert"/>
+          <a:lstStyle/>
+          <a:p>
+            <a:pPr lvl="0"/>
+            <a:r>
+              <a:rPr lang="zh-CN" altLang="en-US"/>
+              <a:t>单击此处编辑母版文本样式</a:t>
+            </a:r>
+            <a:endParaRPr lang="zh-CN" altLang="en-US"/>
+          </a:p>
+          <a:p>
+            <a:pPr lvl="1"/>
+            <a:r>
+              <a:rPr lang="zh-CN" altLang="en-US"/>
+              <a:t>二级</a:t>
+            </a:r>
+            <a:endParaRPr lang="zh-CN" altLang="en-US"/>
+          </a:p>
+          <a:p>
+            <a:pPr lvl="2"/>
+            <a:r>
+              <a:rPr lang="zh-CN" altLang="en-US"/>
+              <a:t>三级</a:t>
+            </a:r>
+            <a:endParaRPr lang="zh-CN" altLang="en-US"/>
+          </a:p>
+          <a:p>
+            <a:pPr lvl="3"/>
+            <a:r>
+              <a:rPr lang="zh-CN" altLang="en-US"/>
+              <a:t>四级</a:t>
+            </a:r>
+            <a:endParaRPr lang="zh-CN" altLang="en-US"/>
+          </a:p>
+          <a:p>
+            <a:pPr lvl="4"/>
+            <a:r>
+              <a:rPr lang="zh-CN" altLang="en-US"/>
+              <a:t>五级</a:t>
+            </a:r>
+            <a:endParaRPr lang="zh-CN" altLang="en-US"/>
+          </a:p>
+        </p:txBody>
+      </p:sp>
+      <p:sp>
+        <p:nvSpPr>
+          <p:cNvPr id="4" name="日期占位符 3"/>
+          <p:cNvSpPr>
+            <a:spLocks noGrp="1"/>
+          </p:cNvSpPr>
+          <p:nvPr>
+            <p:ph type="dt" sz="half" idx="10"/>
+          </p:nvPr>
+        </p:nvSpPr>
+        <p:spPr/>
+        <p:txBody>
+          <a:bodyPr/>
+          <a:lstStyle/>
+          <a:p>
+            <a:fld id="{3E77F3E2-788F-42B3-837B-A6E77B056D99}" type="datetimeFigureOut">
+              <a:rPr lang="zh-CN" altLang="en-US" smtClean="0"/>
+            </a:fld>
+            <a:endParaRPr lang="zh-CN" altLang="en-US"/>
+          </a:p>
+        </p:txBody>
+      </p:sp>
+      <p:sp>
+        <p:nvSpPr>
+          <p:cNvPr id="5" name="页脚占位符 4"/>
+          <p:cNvSpPr>
+            <a:spLocks noGrp="1"/>
+          </p:cNvSpPr>
+          <p:nvPr>
+            <p:ph type="ftr" sz="quarter" idx="11"/>
+          </p:nvPr>
+        </p:nvSpPr>
+        <p:spPr/>
+        <p:txBody>
+          <a:bodyPr/>
+          <a:lstStyle/>
+          <a:p>
+            <a:endParaRPr lang="zh-CN" altLang="en-US"/>
+          </a:p>
+        </p:txBody>
+      </p:sp>
+      <p:sp>
+        <p:nvSpPr>
+          <p:cNvPr id="6" name="灯片编号占位符 5"/>
+          <p:cNvSpPr>
+            <a:spLocks noGrp="1"/>
+          </p:cNvSpPr>
+          <p:nvPr>
+            <p:ph type="sldNum" sz="quarter" idx="12"/>
+          </p:nvPr>
+        </p:nvSpPr>
+        <p:spPr/>
+        <p:txBody>
+          <a:bodyPr/>
+          <a:lstStyle/>
+          <a:p>
+            <a:fld id="{3839FD42-9642-4BE7-B5A8-BB93D8CD450C}" type="slidenum">
+              <a:rPr lang="zh-CN" altLang="en-US" smtClean="0"/>
+            </a:fld>
+            <a:endParaRPr lang="zh-CN" altLang="en-US"/>
+          </a:p>
+        </p:txBody>
+      </p:sp>
+    </p:spTree>
+  </p:cSld>
+  <p:clrMapOvr>
+    <a:masterClrMapping/>
+  </p:clrMapOvr>
+</p:sldLayout>
+</file>
+
+<file path=ppt/slideLayouts/slideLayout3.xml><?xml version="1.0" encoding="utf-8"?>
+<p:sldLayout xmlns:a="http://schemas.openxmlformats.org/drawingml/2006/main" xmlns:r="http://schemas.openxmlformats.org/officeDocument/2006/relationships" xmlns:p="http://schemas.openxmlformats.org/presentationml/2006/main" type="secHead" preserve="1">
+  <p:cSld name="节标题">
+    <p:spTree>
+      <p:nvGrpSpPr>
+        <p:cNvPr id="1" name=""/>
+        <p:cNvGrpSpPr/>
+        <p:nvPr/>
+      </p:nvGrpSpPr>
+      <p:grpSpPr>
+        <a:xfrm>
+          <a:off x="0" y="0"/>
+          <a:ext cx="0" cy="0"/>
+          <a:chOff x="0" y="0"/>
+          <a:chExt cx="0" cy="0"/>
+        </a:xfrm>
+      </p:grpSpPr>
+      <p:sp>
+        <p:nvSpPr>
+          <p:cNvPr id="2" name="标题 1"/>
+          <p:cNvSpPr>
+            <a:spLocks noGrp="1"/>
+          </p:cNvSpPr>
+          <p:nvPr>
+            <p:ph type="title"/>
+          </p:nvPr>
+        </p:nvSpPr>
+        <p:spPr>
+          <a:xfrm>
+            <a:off x="831850" y="1709738"/>
+            <a:ext cx="10515600" cy="2852737"/>
+          </a:xfrm>
+        </p:spPr>
+        <p:txBody>
+          <a:bodyPr anchor="b"/>
+          <a:lstStyle>
+            <a:lvl1pPr>
+              <a:defRPr sz="6000"/>
+            </a:lvl1pPr>
+          </a:lstStyle>
+          <a:p>
+            <a:r>
+              <a:rPr lang="zh-CN" altLang="en-US"/>
+              <a:t>单击此处编辑母版标题样式</a:t>
+            </a:r>
+            <a:endParaRPr lang="zh-CN" altLang="en-US"/>
+          </a:p>
+        </p:txBody>
+      </p:sp>
+      <p:sp>
+        <p:nvSpPr>
+          <p:cNvPr id="3" name="文本占位符 2"/>
+          <p:cNvSpPr>
+            <a:spLocks noGrp="1"/>
+          </p:cNvSpPr>
+          <p:nvPr>
+            <p:ph type="body" idx="1"/>
+          </p:nvPr>
+        </p:nvSpPr>
+        <p:spPr>
+          <a:xfrm>
+            <a:off x="831850" y="4589463"/>
+            <a:ext cx="10515600" cy="1500187"/>
+          </a:xfrm>
+        </p:spPr>
+        <p:txBody>
+          <a:bodyPr/>
+          <a:lstStyle>
+            <a:lvl1pPr marL="0" indent="0">
+              <a:buNone/>
+              <a:defRPr sz="2400">
+                <a:solidFill>
+                  <a:schemeClr val="tx1">
+                    <a:tint val="75000"/>
+                  </a:schemeClr>
+                </a:solidFill>
+              </a:defRPr>
+            </a:lvl1pPr>
+            <a:lvl2pPr marL="457200" indent="0">
+              <a:buNone/>
+              <a:defRPr sz="2000">
+                <a:solidFill>
+                  <a:schemeClr val="tx1">
+                    <a:tint val="75000"/>
+                  </a:schemeClr>
+                </a:solidFill>
+              </a:defRPr>
+            </a:lvl2pPr>
+            <a:lvl3pPr marL="914400" indent="0">
+              <a:buNone/>
+              <a:defRPr sz="1800">
+                <a:solidFill>
+                  <a:schemeClr val="tx1">
+                    <a:tint val="75000"/>
+                  </a:schemeClr>
+                </a:solidFill>
+              </a:defRPr>
+            </a:lvl3pPr>
+            <a:lvl4pPr marL="1371600" indent="0">
+              <a:buNone/>
+              <a:defRPr sz="1600">
+                <a:solidFill>
+                  <a:schemeClr val="tx1">
+                    <a:tint val="75000"/>
+                  </a:schemeClr>
+                </a:solidFill>
+              </a:defRPr>
+            </a:lvl4pPr>
+            <a:lvl5pPr marL="1828800" indent="0">
+              <a:buNone/>
+              <a:defRPr sz="1600">
+                <a:solidFill>
+                  <a:schemeClr val="tx1">
+                    <a:tint val="75000"/>
+                  </a:schemeClr>
+                </a:solidFill>
+              </a:defRPr>
+            </a:lvl5pPr>
+            <a:lvl6pPr marL="2286000" indent="0">
+              <a:buNone/>
+              <a:defRPr sz="1600">
+                <a:solidFill>
+                  <a:schemeClr val="tx1">
+                    <a:tint val="75000"/>
+                  </a:schemeClr>
+                </a:solidFill>
+              </a:defRPr>
+            </a:lvl6pPr>
+            <a:lvl7pPr marL="2743200" indent="0">
+              <a:buNone/>
+              <a:defRPr sz="1600">
+                <a:solidFill>
+                  <a:schemeClr val="tx1">
+                    <a:tint val="75000"/>
+                  </a:schemeClr>
+                </a:solidFill>
+              </a:defRPr>
+            </a:lvl7pPr>
+            <a:lvl8pPr marL="3200400" indent="0">
+              <a:buNone/>
+              <a:defRPr sz="1600">
+                <a:solidFill>
+                  <a:schemeClr val="tx1">
+                    <a:tint val="75000"/>
+                  </a:schemeClr>
+                </a:solidFill>
+              </a:defRPr>
+            </a:lvl8pPr>
+            <a:lvl9pPr marL="3657600" indent="0">
+              <a:buNone/>
+              <a:defRPr sz="1600">
+                <a:solidFill>
+                  <a:schemeClr val="tx1">
+                    <a:tint val="75000"/>
+                  </a:schemeClr>
+                </a:solidFill>
+              </a:defRPr>
+            </a:lvl9pPr>
+          </a:lstStyle>
+          <a:p>
+            <a:pPr lvl="0"/>
+            <a:r>
+              <a:rPr lang="zh-CN" altLang="en-US"/>
+              <a:t>单击此处编辑母版文本样式</a:t>
+            </a:r>
+            <a:endParaRPr lang="zh-CN" altLang="en-US"/>
+          </a:p>
+        </p:txBody>
+      </p:sp>
+      <p:sp>
+        <p:nvSpPr>
+          <p:cNvPr id="4" name="日期占位符 3"/>
+          <p:cNvSpPr>
+            <a:spLocks noGrp="1"/>
+          </p:cNvSpPr>
+          <p:nvPr>
+            <p:ph type="dt" sz="half" idx="10"/>
+          </p:nvPr>
+        </p:nvSpPr>
+        <p:spPr/>
+        <p:txBody>
+          <a:bodyPr/>
+          <a:lstStyle/>
+          <a:p>
+            <a:fld id="{3E77F3E2-788F-42B3-837B-A6E77B056D99}" type="datetimeFigureOut">
+              <a:rPr lang="zh-CN" altLang="en-US" smtClean="0"/>
+            </a:fld>
+            <a:endParaRPr lang="zh-CN" altLang="en-US"/>
+          </a:p>
+        </p:txBody>
+      </p:sp>
+      <p:sp>
+        <p:nvSpPr>
+          <p:cNvPr id="5" name="页脚占位符 4"/>
+          <p:cNvSpPr>
+            <a:spLocks noGrp="1"/>
+          </p:cNvSpPr>
+          <p:nvPr>
+            <p:ph type="ftr" sz="quarter" idx="11"/>
+          </p:nvPr>
+        </p:nvSpPr>
+        <p:spPr/>
+        <p:txBody>
+          <a:bodyPr/>
+          <a:lstStyle/>
+          <a:p>
+            <a:endParaRPr lang="zh-CN" altLang="en-US"/>
+          </a:p>
+        </p:txBody>
+      </p:sp>
+      <p:sp>
+        <p:nvSpPr>
+          <p:cNvPr id="6" name="灯片编号占位符 5"/>
+          <p:cNvSpPr>
+            <a:spLocks noGrp="1"/>
+          </p:cNvSpPr>
+          <p:nvPr>
+            <p:ph type="sldNum" sz="quarter" idx="12"/>
+          </p:nvPr>
+        </p:nvSpPr>
+        <p:spPr/>
+        <p:txBody>
+          <a:bodyPr/>
+          <a:lstStyle/>
+          <a:p>
+            <a:fld id="{3839FD42-9642-4BE7-B5A8-BB93D8CD450C}" type="slidenum">
+              <a:rPr lang="zh-CN" altLang="en-US" smtClean="0"/>
+            </a:fld>
+            <a:endParaRPr lang="zh-CN" altLang="en-US"/>
+          </a:p>
+        </p:txBody>
+      </p:sp>
+    </p:spTree>
+  </p:cSld>
+  <p:clrMapOvr>
+    <a:masterClrMapping/>
+  </p:clrMapOvr>
+</p:sldLayout>
+</file>
+
+<file path=ppt/slideLayouts/slideLayout4.xml><?xml version="1.0" encoding="utf-8"?>
+<p:sldLayout xmlns:a="http://schemas.openxmlformats.org/drawingml/2006/main" xmlns:r="http://schemas.openxmlformats.org/officeDocument/2006/relationships" xmlns:p="http://schemas.openxmlformats.org/presentationml/2006/main" type="twoObj" preserve="1">
+  <p:cSld name="两栏内容">
+    <p:spTree>
+      <p:nvGrpSpPr>
+        <p:cNvPr id="1" name=""/>
+        <p:cNvGrpSpPr/>
+        <p:nvPr/>
+      </p:nvGrpSpPr>
+      <p:grpSpPr>
+        <a:xfrm>
+          <a:off x="0" y="0"/>
+          <a:ext cx="0" cy="0"/>
+          <a:chOff x="0" y="0"/>
+          <a:chExt cx="0" cy="0"/>
+        </a:xfrm>
+      </p:grpSpPr>
+      <p:sp>
+        <p:nvSpPr>
+          <p:cNvPr id="2" name="标题 1"/>
+          <p:cNvSpPr>
+            <a:spLocks noGrp="1"/>
+          </p:cNvSpPr>
+          <p:nvPr>
+            <p:ph type="title"/>
+          </p:nvPr>
+        </p:nvSpPr>
+        <p:spPr/>
+        <p:txBody>
+          <a:bodyPr/>
+          <a:lstStyle/>
+          <a:p>
+            <a:r>
+              <a:rPr lang="zh-CN" altLang="en-US"/>
+              <a:t>单击此处编辑母版标题样式</a:t>
+            </a:r>
+            <a:endParaRPr lang="zh-CN" altLang="en-US"/>
+          </a:p>
+        </p:txBody>
+      </p:sp>
+      <p:sp>
+        <p:nvSpPr>
+          <p:cNvPr id="3" name="内容占位符 2"/>
+          <p:cNvSpPr>
+            <a:spLocks noGrp="1"/>
+          </p:cNvSpPr>
+          <p:nvPr>
+            <p:ph sz="half" idx="1"/>
+          </p:nvPr>
+        </p:nvSpPr>
+        <p:spPr>
+          <a:xfrm>
+            <a:off x="838200" y="1825625"/>
+            <a:ext cx="5181600" cy="4351338"/>
+          </a:xfrm>
+        </p:spPr>
+        <p:txBody>
+          <a:bodyPr/>
+          <a:lstStyle/>
+          <a:p>
+            <a:pPr lvl="0"/>
+            <a:r>
+              <a:rPr lang="zh-CN" altLang="en-US"/>
+              <a:t>单击此处编辑母版文本样式</a:t>
+            </a:r>
+            <a:endParaRPr lang="zh-CN" altLang="en-US"/>
+          </a:p>
+          <a:p>
+            <a:pPr lvl="1"/>
+            <a:r>
+              <a:rPr lang="zh-CN" altLang="en-US"/>
+              <a:t>二级</a:t>
+            </a:r>
+            <a:endParaRPr lang="zh-CN" altLang="en-US"/>
+          </a:p>
+          <a:p>
+            <a:pPr lvl="2"/>
+            <a:r>
+              <a:rPr lang="zh-CN" altLang="en-US"/>
+              <a:t>三级</a:t>
+            </a:r>
+            <a:endParaRPr lang="zh-CN" altLang="en-US"/>
+          </a:p>
+          <a:p>
+            <a:pPr lvl="3"/>
+            <a:r>
+              <a:rPr lang="zh-CN" altLang="en-US"/>
+              <a:t>四级</a:t>
+            </a:r>
+            <a:endParaRPr lang="zh-CN" altLang="en-US"/>
+          </a:p>
+          <a:p>
+            <a:pPr lvl="4"/>
+            <a:r>
+              <a:rPr lang="zh-CN" altLang="en-US"/>
+              <a:t>五级</a:t>
+            </a:r>
+            <a:endParaRPr lang="zh-CN" altLang="en-US"/>
+          </a:p>
+        </p:txBody>
+      </p:sp>
+      <p:sp>
+        <p:nvSpPr>
+          <p:cNvPr id="4" name="内容占位符 3"/>
+          <p:cNvSpPr>
+            <a:spLocks noGrp="1"/>
+          </p:cNvSpPr>
+          <p:nvPr>
+            <p:ph sz="half" idx="2"/>
+          </p:nvPr>
+        </p:nvSpPr>
+        <p:spPr>
+          <a:xfrm>
+            <a:off x="6172200" y="1825625"/>
+            <a:ext cx="5181600" cy="4351338"/>
+          </a:xfrm>
+        </p:spPr>
+        <p:txBody>
+          <a:bodyPr/>
+          <a:lstStyle/>
+          <a:p>
+            <a:pPr lvl="0"/>
+            <a:r>
+              <a:rPr lang="zh-CN" altLang="en-US"/>
+              <a:t>单击此处编辑母版文本样式</a:t>
+            </a:r>
+            <a:endParaRPr lang="zh-CN" altLang="en-US"/>
+          </a:p>
+          <a:p>
+            <a:pPr lvl="1"/>
+            <a:r>
+              <a:rPr lang="zh-CN" altLang="en-US"/>
+              <a:t>二级</a:t>
+            </a:r>
+            <a:endParaRPr lang="zh-CN" altLang="en-US"/>
+          </a:p>
+          <a:p>
+            <a:pPr lvl="2"/>
+            <a:r>
+              <a:rPr lang="zh-CN" altLang="en-US"/>
+              <a:t>三级</a:t>
+            </a:r>
+            <a:endParaRPr lang="zh-CN" altLang="en-US"/>
+          </a:p>
+          <a:p>
+            <a:pPr lvl="3"/>
+            <a:r>
+              <a:rPr lang="zh-CN" altLang="en-US"/>
+              <a:t>四级</a:t>
+            </a:r>
+            <a:endParaRPr lang="zh-CN" altLang="en-US"/>
+          </a:p>
+          <a:p>
+            <a:pPr lvl="4"/>
+            <a:r>
+              <a:rPr lang="zh-CN" altLang="en-US"/>
+              <a:t>五级</a:t>
+            </a:r>
+            <a:endParaRPr lang="zh-CN" altLang="en-US"/>
+          </a:p>
+        </p:txBody>
+      </p:sp>
+      <p:sp>
+        <p:nvSpPr>
+          <p:cNvPr id="5" name="日期占位符 4"/>
+          <p:cNvSpPr>
+            <a:spLocks noGrp="1"/>
+          </p:cNvSpPr>
+          <p:nvPr>
+            <p:ph type="dt" sz="half" idx="10"/>
+          </p:nvPr>
+        </p:nvSpPr>
+        <p:spPr/>
+        <p:txBody>
+          <a:bodyPr/>
+          <a:lstStyle/>
+          <a:p>
+            <a:fld id="{3E77F3E2-788F-42B3-837B-A6E77B056D99}" type="datetimeFigureOut">
+              <a:rPr lang="zh-CN" altLang="en-US" smtClean="0"/>
+            </a:fld>
+            <a:endParaRPr lang="zh-CN" altLang="en-US"/>
+          </a:p>
+        </p:txBody>
+      </p:sp>
+      <p:sp>
+        <p:nvSpPr>
+          <p:cNvPr id="6" name="页脚占位符 5"/>
+          <p:cNvSpPr>
+            <a:spLocks noGrp="1"/>
+          </p:cNvSpPr>
+          <p:nvPr>
+            <p:ph type="ftr" sz="quarter" idx="11"/>
+          </p:nvPr>
+        </p:nvSpPr>
+        <p:spPr/>
+        <p:txBody>
+          <a:bodyPr/>
+          <a:lstStyle/>
+          <a:p>
+            <a:endParaRPr lang="zh-CN" altLang="en-US"/>
+          </a:p>
+        </p:txBody>
+      </p:sp>
+      <p:sp>
+        <p:nvSpPr>
+          <p:cNvPr id="7" name="灯片编号占位符 6"/>
+          <p:cNvSpPr>
+            <a:spLocks noGrp="1"/>
+          </p:cNvSpPr>
+          <p:nvPr>
+            <p:ph type="sldNum" sz="quarter" idx="12"/>
+          </p:nvPr>
+        </p:nvSpPr>
+        <p:spPr/>
+        <p:txBody>
+          <a:bodyPr/>
+          <a:lstStyle/>
+          <a:p>
+            <a:fld id="{3839FD42-9642-4BE7-B5A8-BB93D8CD450C}" type="slidenum">
+              <a:rPr lang="zh-CN" altLang="en-US" smtClean="0"/>
+            </a:fld>
+            <a:endParaRPr lang="zh-CN" altLang="en-US"/>
+          </a:p>
+        </p:txBody>
+      </p:sp>
+    </p:spTree>
+  </p:cSld>
+  <p:clrMapOvr>
+    <a:masterClrMapping/>
+  </p:clrMapOvr>
+</p:sldLayout>
+</file>
+
+<file path=ppt/slideLayouts/slideLayout5.xml><?xml version="1.0" encoding="utf-8"?>
+<p:sldLayout xmlns:a="http://schemas.openxmlformats.org/drawingml/2006/main" xmlns:r="http://schemas.openxmlformats.org/officeDocument/2006/relationships" xmlns:p="http://schemas.openxmlformats.org/presentationml/2006/main" type="twoTxTwoObj" preserve="1">
+  <p:cSld name="比较">
+    <p:spTree>
+      <p:nvGrpSpPr>
+        <p:cNvPr id="1" name=""/>
+        <p:cNvGrpSpPr/>
+        <p:nvPr/>
+      </p:nvGrpSpPr>
+      <p:grpSpPr>
+        <a:xfrm>
+          <a:off x="0" y="0"/>
+          <a:ext cx="0" cy="0"/>
+          <a:chOff x="0" y="0"/>
+          <a:chExt cx="0" cy="0"/>
+        </a:xfrm>
+      </p:grpSpPr>
+      <p:sp>
+        <p:nvSpPr>
+          <p:cNvPr id="2" name="标题 1"/>
+          <p:cNvSpPr>
+            <a:spLocks noGrp="1"/>
+          </p:cNvSpPr>
+          <p:nvPr>
+            <p:ph type="title"/>
+          </p:nvPr>
+        </p:nvSpPr>
+        <p:spPr>
+          <a:xfrm>
+            <a:off x="839788" y="365125"/>
+            <a:ext cx="10515600" cy="1325563"/>
+          </a:xfrm>
+        </p:spPr>
+        <p:txBody>
+          <a:bodyPr/>
+          <a:lstStyle/>
+          <a:p>
+            <a:r>
+              <a:rPr lang="zh-CN" altLang="en-US"/>
+              <a:t>单击此处编辑母版标题样式</a:t>
+            </a:r>
+            <a:endParaRPr lang="zh-CN" altLang="en-US"/>
+          </a:p>
+        </p:txBody>
+      </p:sp>
+      <p:sp>
+        <p:nvSpPr>
+          <p:cNvPr id="3" name="文本占位符 2"/>
+          <p:cNvSpPr>
+            <a:spLocks noGrp="1"/>
+          </p:cNvSpPr>
+          <p:nvPr>
+            <p:ph type="body" idx="1"/>
+          </p:nvPr>
+        </p:nvSpPr>
+        <p:spPr>
+          <a:xfrm>
+            <a:off x="839788" y="1681163"/>
+            <a:ext cx="5157787" cy="823912"/>
+          </a:xfrm>
+        </p:spPr>
+        <p:txBody>
+          <a:bodyPr anchor="b"/>
+          <a:lstStyle>
+            <a:lvl1pPr marL="0" indent="0">
+              <a:buNone/>
+              <a:defRPr sz="2400" b="1"/>
+            </a:lvl1pPr>
+            <a:lvl2pPr marL="457200" indent="0">
+              <a:buNone/>
+              <a:defRPr sz="2000" b="1"/>
+            </a:lvl2pPr>
+            <a:lvl3pPr marL="914400" indent="0">
+              <a:buNone/>
+              <a:defRPr sz="1800" b="1"/>
+            </a:lvl3pPr>
+            <a:lvl4pPr marL="1371600" indent="0">
+              <a:buNone/>
+              <a:defRPr sz="1600" b="1"/>
+            </a:lvl4pPr>
+            <a:lvl5pPr marL="1828800" indent="0">
+              <a:buNone/>
+              <a:defRPr sz="1600" b="1"/>
+            </a:lvl5pPr>
+            <a:lvl6pPr marL="2286000" indent="0">
+              <a:buNone/>
+              <a:defRPr sz="1600" b="1"/>
+            </a:lvl6pPr>
+            <a:lvl7pPr marL="2743200" indent="0">
+              <a:buNone/>
+              <a:defRPr sz="1600" b="1"/>
+            </a:lvl7pPr>
+            <a:lvl8pPr marL="3200400" indent="0">
+              <a:buNone/>
+              <a:defRPr sz="1600" b="1"/>
+            </a:lvl8pPr>
+            <a:lvl9pPr marL="3657600" indent="0">
+              <a:buNone/>
+              <a:defRPr sz="1600" b="1"/>
+            </a:lvl9pPr>
+          </a:lstStyle>
+          <a:p>
+            <a:pPr lvl="0"/>
+            <a:r>
+              <a:rPr lang="zh-CN" altLang="en-US"/>
+              <a:t>单击此处编辑母版文本样式</a:t>
+            </a:r>
+            <a:endParaRPr lang="zh-CN" altLang="en-US"/>
+          </a:p>
+        </p:txBody>
+      </p:sp>
+      <p:sp>
+        <p:nvSpPr>
+          <p:cNvPr id="4" name="内容占位符 3"/>
+          <p:cNvSpPr>
+            <a:spLocks noGrp="1"/>
+          </p:cNvSpPr>
+          <p:nvPr>
+            <p:ph sz="half" idx="2"/>
+          </p:nvPr>
+        </p:nvSpPr>
+        <p:spPr>
+          <a:xfrm>
+            <a:off x="839788" y="2505075"/>
+            <a:ext cx="5157787" cy="3684588"/>
+          </a:xfrm>
+        </p:spPr>
+        <p:txBody>
+          <a:bodyPr/>
+          <a:lstStyle/>
+          <a:p>
+            <a:pPr lvl="0"/>
+            <a:r>
+              <a:rPr lang="zh-CN" altLang="en-US"/>
+              <a:t>单击此处编辑母版文本样式</a:t>
+            </a:r>
+            <a:endParaRPr lang="zh-CN" altLang="en-US"/>
+          </a:p>
+          <a:p>
+            <a:pPr lvl="1"/>
+            <a:r>
+              <a:rPr lang="zh-CN" altLang="en-US"/>
+              <a:t>二级</a:t>
+            </a:r>
+            <a:endParaRPr lang="zh-CN" altLang="en-US"/>
+          </a:p>
+          <a:p>
+            <a:pPr lvl="2"/>
+            <a:r>
+              <a:rPr lang="zh-CN" altLang="en-US"/>
+              <a:t>三级</a:t>
+            </a:r>
+            <a:endParaRPr lang="zh-CN" altLang="en-US"/>
+          </a:p>
+          <a:p>
+            <a:pPr lvl="3"/>
+            <a:r>
+              <a:rPr lang="zh-CN" altLang="en-US"/>
+              <a:t>四级</a:t>
+            </a:r>
+            <a:endParaRPr lang="zh-CN" altLang="en-US"/>
+          </a:p>
+          <a:p>
+            <a:pPr lvl="4"/>
+            <a:r>
+              <a:rPr lang="zh-CN" altLang="en-US"/>
+              <a:t>五级</a:t>
+            </a:r>
+            <a:endParaRPr lang="zh-CN" altLang="en-US"/>
+          </a:p>
+        </p:txBody>
+      </p:sp>
+      <p:sp>
+        <p:nvSpPr>
+          <p:cNvPr id="5" name="文本占位符 4"/>
+          <p:cNvSpPr>
+            <a:spLocks noGrp="1"/>
+          </p:cNvSpPr>
+          <p:nvPr>
+            <p:ph type="body" sz="quarter" idx="3"/>
+          </p:nvPr>
+        </p:nvSpPr>
+        <p:spPr>
+          <a:xfrm>
+            <a:off x="6172200" y="1681163"/>
+            <a:ext cx="5183188" cy="823912"/>
+          </a:xfrm>
+        </p:spPr>
+        <p:txBody>
+          <a:bodyPr anchor="b"/>
+          <a:lstStyle>
+            <a:lvl1pPr marL="0" indent="0">
+              <a:buNone/>
+              <a:defRPr sz="2400" b="1"/>
+            </a:lvl1pPr>
+            <a:lvl2pPr marL="457200" indent="0">
+              <a:buNone/>
+              <a:defRPr sz="2000" b="1"/>
+            </a:lvl2pPr>
+            <a:lvl3pPr marL="914400" indent="0">
+              <a:buNone/>
+              <a:defRPr sz="1800" b="1"/>
+            </a:lvl3pPr>
+            <a:lvl4pPr marL="1371600" indent="0">
+              <a:buNone/>
+              <a:defRPr sz="1600" b="1"/>
+            </a:lvl4pPr>
+            <a:lvl5pPr marL="1828800" indent="0">
+              <a:buNone/>
+              <a:defRPr sz="1600" b="1"/>
+            </a:lvl5pPr>
+            <a:lvl6pPr marL="2286000" indent="0">
+              <a:buNone/>
+              <a:defRPr sz="1600" b="1"/>
+            </a:lvl6pPr>
+            <a:lvl7pPr marL="2743200" indent="0">
+              <a:buNone/>
+              <a:defRPr sz="1600" b="1"/>
+            </a:lvl7pPr>
+            <a:lvl8pPr marL="3200400" indent="0">
+              <a:buNone/>
+              <a:defRPr sz="1600" b="1"/>
+            </a:lvl8pPr>
+            <a:lvl9pPr marL="3657600" indent="0">
+              <a:buNone/>
+              <a:defRPr sz="1600" b="1"/>
+            </a:lvl9pPr>
+          </a:lstStyle>
+          <a:p>
+            <a:pPr lvl="0"/>
+            <a:r>
+              <a:rPr lang="zh-CN" altLang="en-US"/>
+              <a:t>单击此处编辑母版文本样式</a:t>
+            </a:r>
+            <a:endParaRPr lang="zh-CN" altLang="en-US"/>
+          </a:p>
+        </p:txBody>
+      </p:sp>
+      <p:sp>
+        <p:nvSpPr>
+          <p:cNvPr id="6" name="内容占位符 5"/>
+          <p:cNvSpPr>
+            <a:spLocks noGrp="1"/>
+          </p:cNvSpPr>
+          <p:nvPr>
+            <p:ph sz="quarter" idx="4"/>
+          </p:nvPr>
+        </p:nvSpPr>
+        <p:spPr>
+          <a:xfrm>
+            <a:off x="6172200" y="2505075"/>
+            <a:ext cx="5183188" cy="3684588"/>
+          </a:xfrm>
+        </p:spPr>
+        <p:txBody>
+          <a:bodyPr/>
+          <a:lstStyle/>
+          <a:p>
+            <a:pPr lvl="0"/>
+            <a:r>
+              <a:rPr lang="zh-CN" altLang="en-US"/>
+              <a:t>单击此处编辑母版文本样式</a:t>
+            </a:r>
+            <a:endParaRPr lang="zh-CN" altLang="en-US"/>
+          </a:p>
+          <a:p>
+            <a:pPr lvl="1"/>
+            <a:r>
+              <a:rPr lang="zh-CN" altLang="en-US"/>
+              <a:t>二级</a:t>
+            </a:r>
+            <a:endParaRPr lang="zh-CN" altLang="en-US"/>
+          </a:p>
+          <a:p>
+            <a:pPr lvl="2"/>
+            <a:r>
+              <a:rPr lang="zh-CN" altLang="en-US"/>
+              <a:t>三级</a:t>
+            </a:r>
+            <a:endParaRPr lang="zh-CN" altLang="en-US"/>
+          </a:p>
+          <a:p>
+            <a:pPr lvl="3"/>
+            <a:r>
+              <a:rPr lang="zh-CN" altLang="en-US"/>
+              <a:t>四级</a:t>
+            </a:r>
+            <a:endParaRPr lang="zh-CN" altLang="en-US"/>
+          </a:p>
+          <a:p>
+            <a:pPr lvl="4"/>
+            <a:r>
+              <a:rPr lang="zh-CN" altLang="en-US"/>
+              <a:t>五级</a:t>
+            </a:r>
+            <a:endParaRPr lang="zh-CN" altLang="en-US"/>
+          </a:p>
+        </p:txBody>
+      </p:sp>
+      <p:sp>
+        <p:nvSpPr>
+          <p:cNvPr id="7" name="日期占位符 6"/>
+          <p:cNvSpPr>
+            <a:spLocks noGrp="1"/>
+          </p:cNvSpPr>
+          <p:nvPr>
+            <p:ph type="dt" sz="half" idx="10"/>
+          </p:nvPr>
+        </p:nvSpPr>
+        <p:spPr/>
+        <p:txBody>
+          <a:bodyPr/>
+          <a:lstStyle/>
+          <a:p>
+            <a:fld id="{3E77F3E2-788F-42B3-837B-A6E77B056D99}" type="datetimeFigureOut">
+              <a:rPr lang="zh-CN" altLang="en-US" smtClean="0"/>
+            </a:fld>
+            <a:endParaRPr lang="zh-CN" altLang="en-US"/>
+          </a:p>
+        </p:txBody>
+      </p:sp>
+      <p:sp>
+        <p:nvSpPr>
+          <p:cNvPr id="8" name="页脚占位符 7"/>
+          <p:cNvSpPr>
+            <a:spLocks noGrp="1"/>
+          </p:cNvSpPr>
+          <p:nvPr>
+            <p:ph type="ftr" sz="quarter" idx="11"/>
+          </p:nvPr>
+        </p:nvSpPr>
+        <p:spPr/>
+        <p:txBody>
+          <a:bodyPr/>
+          <a:lstStyle/>
+          <a:p>
+            <a:endParaRPr lang="zh-CN" altLang="en-US"/>
+          </a:p>
+        </p:txBody>
+      </p:sp>
+      <p:sp>
+        <p:nvSpPr>
+          <p:cNvPr id="9" name="灯片编号占位符 8"/>
+          <p:cNvSpPr>
+            <a:spLocks noGrp="1"/>
+          </p:cNvSpPr>
+          <p:nvPr>
+            <p:ph type="sldNum" sz="quarter" idx="12"/>
+          </p:nvPr>
+        </p:nvSpPr>
+        <p:spPr/>
+        <p:txBody>
+          <a:bodyPr/>
+          <a:lstStyle/>
+          <a:p>
+            <a:fld id="{3839FD42-9642-4BE7-B5A8-BB93D8CD450C}" type="slidenum">
+              <a:rPr lang="zh-CN" altLang="en-US" smtClean="0"/>
+            </a:fld>
+            <a:endParaRPr lang="zh-CN" altLang="en-US"/>
+          </a:p>
+        </p:txBody>
+      </p:sp>
+    </p:spTree>
+  </p:cSld>
+  <p:clrMapOvr>
+    <a:masterClrMapping/>
+  </p:clrMapOvr>
+</p:sldLayout>
+</file>
+
+<file path=ppt/slideLayouts/slideLayout6.xml><?xml version="1.0" encoding="utf-8"?>
+<p:sldLayout xmlns:a="http://schemas.openxmlformats.org/drawingml/2006/main" xmlns:r="http://schemas.openxmlformats.org/officeDocument/2006/relationships" xmlns:p="http://schemas.openxmlformats.org/presentationml/2006/main" type="titleOnly" preserve="1">
+  <p:cSld name="仅标题">
+    <p:spTree>
+      <p:nvGrpSpPr>
+        <p:cNvPr id="1" name=""/>
+        <p:cNvGrpSpPr/>
+        <p:nvPr/>
+      </p:nvGrpSpPr>
+      <p:grpSpPr>
+        <a:xfrm>
+          <a:off x="0" y="0"/>
+          <a:ext cx="0" cy="0"/>
+          <a:chOff x="0" y="0"/>
+          <a:chExt cx="0" cy="0"/>
+        </a:xfrm>
+      </p:grpSpPr>
+      <p:sp>
+        <p:nvSpPr>
+          <p:cNvPr id="2" name="标题 1"/>
+          <p:cNvSpPr>
+            <a:spLocks noGrp="1"/>
+          </p:cNvSpPr>
+          <p:nvPr>
+            <p:ph type="title"/>
+          </p:nvPr>
+        </p:nvSpPr>
+        <p:spPr/>
+        <p:txBody>
+          <a:bodyPr/>
+          <a:lstStyle/>
+          <a:p>
+            <a:r>
+              <a:rPr lang="zh-CN" altLang="en-US"/>
+              <a:t>单击此处编辑母版标题样式</a:t>
+            </a:r>
+            <a:endParaRPr lang="zh-CN" altLang="en-US"/>
+          </a:p>
+        </p:txBody>
+      </p:sp>
+      <p:sp>
+        <p:nvSpPr>
+          <p:cNvPr id="3" name="日期占位符 2"/>
+          <p:cNvSpPr>
+            <a:spLocks noGrp="1"/>
+          </p:cNvSpPr>
+          <p:nvPr>
+            <p:ph type="dt" sz="half" idx="10"/>
+          </p:nvPr>
+        </p:nvSpPr>
+        <p:spPr/>
+        <p:txBody>
+          <a:bodyPr/>
+          <a:lstStyle/>
+          <a:p>
+            <a:fld id="{3E77F3E2-788F-42B3-837B-A6E77B056D99}" type="datetimeFigureOut">
+              <a:rPr lang="zh-CN" altLang="en-US" smtClean="0"/>
+            </a:fld>
+            <a:endParaRPr lang="zh-CN" altLang="en-US"/>
+          </a:p>
+        </p:txBody>
+      </p:sp>
+      <p:sp>
+        <p:nvSpPr>
+          <p:cNvPr id="4" name="页脚占位符 3"/>
+          <p:cNvSpPr>
+            <a:spLocks noGrp="1"/>
+          </p:cNvSpPr>
+          <p:nvPr>
+            <p:ph type="ftr" sz="quarter" idx="11"/>
+          </p:nvPr>
+        </p:nvSpPr>
+        <p:spPr/>
+        <p:txBody>
+          <a:bodyPr/>
+          <a:lstStyle/>
+          <a:p>
+            <a:endParaRPr lang="zh-CN" altLang="en-US"/>
+          </a:p>
+        </p:txBody>
+      </p:sp>
+      <p:sp>
+        <p:nvSpPr>
+          <p:cNvPr id="5" name="灯片编号占位符 4"/>
+          <p:cNvSpPr>
+            <a:spLocks noGrp="1"/>
+          </p:cNvSpPr>
+          <p:nvPr>
+            <p:ph type="sldNum" sz="quarter" idx="12"/>
+          </p:nvPr>
+        </p:nvSpPr>
+        <p:spPr/>
+        <p:txBody>
+          <a:bodyPr/>
+          <a:lstStyle/>
+          <a:p>
+            <a:fld id="{3839FD42-9642-4BE7-B5A8-BB93D8CD450C}" type="slidenum">
+              <a:rPr lang="zh-CN" altLang="en-US" smtClean="0"/>
+            </a:fld>
+            <a:endParaRPr lang="zh-CN" altLang="en-US"/>
+          </a:p>
+        </p:txBody>
+      </p:sp>
+    </p:spTree>
+  </p:cSld>
+  <p:clrMapOvr>
+    <a:masterClrMapping/>
+  </p:clrMapOvr>
+</p:sldLayout>
+</file>
+
+<file path=ppt/slideLayouts/slideLayout7.xml><?xml version="1.0" encoding="utf-8"?>
+<p:sldLayout xmlns:a="http://schemas.openxmlformats.org/drawingml/2006/main" xmlns:r="http://schemas.openxmlformats.org/officeDocument/2006/relationships" xmlns:p="http://schemas.openxmlformats.org/presentationml/2006/main" type="blank" preserve="1">
+  <p:cSld name="空白">
+    <p:spTree>
+      <p:nvGrpSpPr>
+        <p:cNvPr id="1" name=""/>
+        <p:cNvGrpSpPr/>
+        <p:nvPr/>
+      </p:nvGrpSpPr>
+      <p:grpSpPr>
+        <a:xfrm>
+          <a:off x="0" y="0"/>
+          <a:ext cx="0" cy="0"/>
+          <a:chOff x="0" y="0"/>
+          <a:chExt cx="0" cy="0"/>
+        </a:xfrm>
+      </p:grpSpPr>
+      <p:sp>
+        <p:nvSpPr>
+          <p:cNvPr id="2" name="日期占位符 1"/>
+          <p:cNvSpPr>
+            <a:spLocks noGrp="1"/>
+          </p:cNvSpPr>
+          <p:nvPr>
+            <p:ph type="dt" sz="half" idx="10"/>
+          </p:nvPr>
+        </p:nvSpPr>
+        <p:spPr/>
+        <p:txBody>
+          <a:bodyPr/>
+          <a:lstStyle/>
+          <a:p>
+            <a:fld id="{3E77F3E2-788F-42B3-837B-A6E77B056D99}" type="datetimeFigureOut">
+              <a:rPr lang="zh-CN" altLang="en-US" smtClean="0"/>
+            </a:fld>
+            <a:endParaRPr lang="zh-CN" altLang="en-US"/>
+          </a:p>
+        </p:txBody>
+      </p:sp>
+      <p:sp>
+        <p:nvSpPr>
+          <p:cNvPr id="3" name="页脚占位符 2"/>
+          <p:cNvSpPr>
+            <a:spLocks noGrp="1"/>
+          </p:cNvSpPr>
+          <p:nvPr>
+            <p:ph type="ftr" sz="quarter" idx="11"/>
+          </p:nvPr>
+        </p:nvSpPr>
+        <p:spPr/>
+        <p:txBody>
+          <a:bodyPr/>
+          <a:lstStyle/>
+          <a:p>
+            <a:endParaRPr lang="zh-CN" altLang="en-US"/>
+          </a:p>
+        </p:txBody>
+      </p:sp>
+      <p:sp>
+        <p:nvSpPr>
+          <p:cNvPr id="4" name="灯片编号占位符 3"/>
+          <p:cNvSpPr>
+            <a:spLocks noGrp="1"/>
+          </p:cNvSpPr>
+          <p:nvPr>
+            <p:ph type="sldNum" sz="quarter" idx="12"/>
+          </p:nvPr>
+        </p:nvSpPr>
+        <p:spPr/>
+        <p:txBody>
+          <a:bodyPr/>
+          <a:lstStyle/>
+          <a:p>
+            <a:fld id="{3839FD42-9642-4BE7-B5A8-BB93D8CD450C}" type="slidenum">
+              <a:rPr lang="zh-CN" altLang="en-US" smtClean="0"/>
+            </a:fld>
+            <a:endParaRPr lang="zh-CN" altLang="en-US"/>
+          </a:p>
+        </p:txBody>
+      </p:sp>
+    </p:spTree>
+  </p:cSld>
+  <p:clrMapOvr>
+    <a:masterClrMapping/>
+  </p:clrMapOvr>
+</p:sldLayout>
+</file>
+
+<file path=ppt/slideLayouts/slideLayout8.xml><?xml version="1.0" encoding="utf-8"?>
+<p:sldLayout xmlns:a="http://schemas.openxmlformats.org/drawingml/2006/main" xmlns:r="http://schemas.openxmlformats.org/officeDocument/2006/relationships" xmlns:p="http://schemas.openxmlformats.org/presentationml/2006/main" type="objTx" preserve="1">
+  <p:cSld name="内容与标题">
+    <p:spTree>
+      <p:nvGrpSpPr>
+        <p:cNvPr id="1" name=""/>
+        <p:cNvGrpSpPr/>
+        <p:nvPr/>
+      </p:nvGrpSpPr>
+      <p:grpSpPr>
+        <a:xfrm>
+          <a:off x="0" y="0"/>
+          <a:ext cx="0" cy="0"/>
+          <a:chOff x="0" y="0"/>
+          <a:chExt cx="0" cy="0"/>
+        </a:xfrm>
+      </p:grpSpPr>
+      <p:sp>
+        <p:nvSpPr>
+          <p:cNvPr id="2" name="标题 1"/>
+          <p:cNvSpPr>
+            <a:spLocks noGrp="1"/>
+          </p:cNvSpPr>
+          <p:nvPr>
+            <p:ph type="title"/>
+          </p:nvPr>
+        </p:nvSpPr>
+        <p:spPr>
+          <a:xfrm>
+            <a:off x="839788" y="457200"/>
+            <a:ext cx="3932237" cy="1600200"/>
+          </a:xfrm>
+        </p:spPr>
+        <p:txBody>
+          <a:bodyPr anchor="b"/>
+          <a:lstStyle>
+            <a:lvl1pPr>
+              <a:defRPr sz="3200"/>
+            </a:lvl1pPr>
+          </a:lstStyle>
+          <a:p>
+            <a:r>
+              <a:rPr lang="zh-CN" altLang="en-US"/>
+              <a:t>单击此处编辑母版标题样式</a:t>
+            </a:r>
+            <a:endParaRPr lang="zh-CN" altLang="en-US"/>
+          </a:p>
+        </p:txBody>
+      </p:sp>
+      <p:sp>
+        <p:nvSpPr>
+          <p:cNvPr id="3" name="内容占位符 2"/>
+          <p:cNvSpPr>
+            <a:spLocks noGrp="1"/>
+          </p:cNvSpPr>
+          <p:nvPr>
+            <p:ph idx="1"/>
+          </p:nvPr>
+        </p:nvSpPr>
+        <p:spPr>
+          <a:xfrm>
+            <a:off x="5183188" y="987425"/>
+            <a:ext cx="6172200" cy="4873625"/>
+          </a:xfrm>
+        </p:spPr>
+        <p:txBody>
+          <a:bodyPr/>
+          <a:lstStyle>
+            <a:lvl1pPr>
+              <a:defRPr sz="3200"/>
+            </a:lvl1pPr>
+            <a:lvl2pPr>
+              <a:defRPr sz="2800"/>
+            </a:lvl2pPr>
+            <a:lvl3pPr>
+              <a:defRPr sz="2400"/>
+            </a:lvl3pPr>
+            <a:lvl4pPr>
+              <a:defRPr sz="2000"/>
+            </a:lvl4pPr>
+            <a:lvl5pPr>
+              <a:defRPr sz="2000"/>
+            </a:lvl5pPr>
+            <a:lvl6pPr>
+              <a:defRPr sz="2000"/>
+            </a:lvl6pPr>
+            <a:lvl7pPr>
+              <a:defRPr sz="2000"/>
+            </a:lvl7pPr>
+            <a:lvl8pPr>
+              <a:defRPr sz="2000"/>
+            </a:lvl8pPr>
+            <a:lvl9pPr>
+              <a:defRPr sz="2000"/>
+            </a:lvl9pPr>
+          </a:lstStyle>
+          <a:p>
+            <a:pPr lvl="0"/>
+            <a:r>
+              <a:rPr lang="zh-CN" altLang="en-US"/>
+              <a:t>单击此处编辑母版文本样式</a:t>
+            </a:r>
+            <a:endParaRPr lang="zh-CN" altLang="en-US"/>
+          </a:p>
+          <a:p>
+            <a:pPr lvl="1"/>
+            <a:r>
+              <a:rPr lang="zh-CN" altLang="en-US"/>
+              <a:t>二级</a:t>
+            </a:r>
+            <a:endParaRPr lang="zh-CN" altLang="en-US"/>
+          </a:p>
+          <a:p>
+            <a:pPr lvl="2"/>
+            <a:r>
+              <a:rPr lang="zh-CN" altLang="en-US"/>
+              <a:t>三级</a:t>
+            </a:r>
+            <a:endParaRPr lang="zh-CN" altLang="en-US"/>
+          </a:p>
+          <a:p>
+            <a:pPr lvl="3"/>
+            <a:r>
+              <a:rPr lang="zh-CN" altLang="en-US"/>
+              <a:t>四级</a:t>
+            </a:r>
+            <a:endParaRPr lang="zh-CN" altLang="en-US"/>
+          </a:p>
+          <a:p>
+            <a:pPr lvl="4"/>
+            <a:r>
+              <a:rPr lang="zh-CN" altLang="en-US"/>
+              <a:t>五级</a:t>
+            </a:r>
+            <a:endParaRPr lang="zh-CN" altLang="en-US"/>
+          </a:p>
+        </p:txBody>
+      </p:sp>
+      <p:sp>
+        <p:nvSpPr>
+          <p:cNvPr id="4" name="文本占位符 3"/>
+          <p:cNvSpPr>
+            <a:spLocks noGrp="1"/>
+          </p:cNvSpPr>
+          <p:nvPr>
+            <p:ph type="body" sz="half" idx="2"/>
+          </p:nvPr>
+        </p:nvSpPr>
+        <p:spPr>
+          <a:xfrm>
+            <a:off x="839788" y="2057400"/>
+            <a:ext cx="3932237" cy="3811588"/>
+          </a:xfrm>
+        </p:spPr>
+        <p:txBody>
+          <a:bodyPr/>
+          <a:lstStyle>
+            <a:lvl1pPr marL="0" indent="0">
+              <a:buNone/>
+              <a:defRPr sz="1600"/>
+            </a:lvl1pPr>
+            <a:lvl2pPr marL="457200" indent="0">
+              <a:buNone/>
+              <a:defRPr sz="1400"/>
+            </a:lvl2pPr>
+            <a:lvl3pPr marL="914400" indent="0">
+              <a:buNone/>
+              <a:defRPr sz="1200"/>
+            </a:lvl3pPr>
+            <a:lvl4pPr marL="1371600" indent="0">
+              <a:buNone/>
+              <a:defRPr sz="1000"/>
+            </a:lvl4pPr>
+            <a:lvl5pPr marL="1828800" indent="0">
+              <a:buNone/>
+              <a:defRPr sz="1000"/>
+            </a:lvl5pPr>
+            <a:lvl6pPr marL="2286000" indent="0">
+              <a:buNone/>
+              <a:defRPr sz="1000"/>
+            </a:lvl6pPr>
+            <a:lvl7pPr marL="2743200" indent="0">
+              <a:buNone/>
+              <a:defRPr sz="1000"/>
+            </a:lvl7pPr>
+            <a:lvl8pPr marL="3200400" indent="0">
+              <a:buNone/>
+              <a:defRPr sz="1000"/>
+            </a:lvl8pPr>
+            <a:lvl9pPr marL="3657600" indent="0">
+              <a:buNone/>
+              <a:defRPr sz="1000"/>
+            </a:lvl9pPr>
+          </a:lstStyle>
+          <a:p>
+            <a:pPr lvl="0"/>
+            <a:r>
+              <a:rPr lang="zh-CN" altLang="en-US"/>
+              <a:t>单击此处编辑母版文本样式</a:t>
+            </a:r>
+            <a:endParaRPr lang="zh-CN" altLang="en-US"/>
+          </a:p>
+        </p:txBody>
+      </p:sp>
+      <p:sp>
+        <p:nvSpPr>
+          <p:cNvPr id="5" name="日期占位符 4"/>
+          <p:cNvSpPr>
+            <a:spLocks noGrp="1"/>
+          </p:cNvSpPr>
+          <p:nvPr>
+            <p:ph type="dt" sz="half" idx="10"/>
+          </p:nvPr>
+        </p:nvSpPr>
+        <p:spPr/>
+        <p:txBody>
+          <a:bodyPr/>
+          <a:lstStyle/>
+          <a:p>
+            <a:fld id="{3E77F3E2-788F-42B3-837B-A6E77B056D99}" type="datetimeFigureOut">
+              <a:rPr lang="zh-CN" altLang="en-US" smtClean="0"/>
+            </a:fld>
+            <a:endParaRPr lang="zh-CN" altLang="en-US"/>
+          </a:p>
+        </p:txBody>
+      </p:sp>
+      <p:sp>
+        <p:nvSpPr>
+          <p:cNvPr id="6" name="页脚占位符 5"/>
+          <p:cNvSpPr>
+            <a:spLocks noGrp="1"/>
+          </p:cNvSpPr>
+          <p:nvPr>
+            <p:ph type="ftr" sz="quarter" idx="11"/>
+          </p:nvPr>
+        </p:nvSpPr>
+        <p:spPr/>
+        <p:txBody>
+          <a:bodyPr/>
+          <a:lstStyle/>
+          <a:p>
+            <a:endParaRPr lang="zh-CN" altLang="en-US"/>
+          </a:p>
+        </p:txBody>
+      </p:sp>
+      <p:sp>
+        <p:nvSpPr>
+          <p:cNvPr id="7" name="灯片编号占位符 6"/>
+          <p:cNvSpPr>
+            <a:spLocks noGrp="1"/>
+          </p:cNvSpPr>
+          <p:nvPr>
+            <p:ph type="sldNum" sz="quarter" idx="12"/>
+          </p:nvPr>
+        </p:nvSpPr>
+        <p:spPr/>
+        <p:txBody>
+          <a:bodyPr/>
+          <a:lstStyle/>
+          <a:p>
+            <a:fld id="{3839FD42-9642-4BE7-B5A8-BB93D8CD450C}" type="slidenum">
+              <a:rPr lang="zh-CN" altLang="en-US" smtClean="0"/>
+            </a:fld>
+            <a:endParaRPr lang="zh-CN" altLang="en-US"/>
+          </a:p>
+        </p:txBody>
+      </p:sp>
+    </p:spTree>
   </p:cSld>
   <p:clrMapOvr>
     <a:masterClrMapping/>
@@ -2919,13 +4845,7 @@
       </p:grpSpPr>
       <p:sp>
         <p:nvSpPr>
-          <p:cNvPr id="2" name="标题 1">
-            <a:extLst>
-              <a:ext uri="{FF2B5EF4-FFF2-40B4-BE49-F238E27FC236}">
-                <a16:creationId xmlns:a16="http://schemas.microsoft.com/office/drawing/2014/main" id="{64FC48ED-DC38-4BD2-9FCD-D38076683A3B}"/>
-              </a:ext>
-            </a:extLst>
-          </p:cNvPr>
+          <p:cNvPr id="2" name="标题 1"/>
           <p:cNvSpPr>
             <a:spLocks noGrp="1"/>
           </p:cNvSpPr>
@@ -2951,18 +4871,13 @@
               <a:rPr lang="zh-CN" altLang="en-US"/>
               <a:t>单击此处编辑母版标题样式</a:t>
             </a:r>
-          </a:p>
-        </p:txBody>
-      </p:sp>
-      <p:sp>
-        <p:nvSpPr>
-          <p:cNvPr id="3" name="图片占位符 2">
-            <a:extLst>
-              <a:ext uri="{FF2B5EF4-FFF2-40B4-BE49-F238E27FC236}">
-                <a16:creationId xmlns:a16="http://schemas.microsoft.com/office/drawing/2014/main" id="{7A3A268B-BE96-4237-AEAE-8443D16EB500}"/>
-              </a:ext>
-            </a:extLst>
-          </p:cNvPr>
+            <a:endParaRPr lang="zh-CN" altLang="en-US"/>
+          </a:p>
+        </p:txBody>
+      </p:sp>
+      <p:sp>
+        <p:nvSpPr>
+          <p:cNvPr id="3" name="图片占位符 2"/>
           <p:cNvSpPr>
             <a:spLocks noGrp="1"/>
           </p:cNvSpPr>
@@ -3023,13 +4938,7 @@
       </p:sp>
       <p:sp>
         <p:nvSpPr>
-          <p:cNvPr id="4" name="文本占位符 3">
-            <a:extLst>
-              <a:ext uri="{FF2B5EF4-FFF2-40B4-BE49-F238E27FC236}">
-                <a16:creationId xmlns:a16="http://schemas.microsoft.com/office/drawing/2014/main" id="{3400335D-2A90-4C8F-9C4E-2FDFBEB3E963}"/>
-              </a:ext>
-            </a:extLst>
-          </p:cNvPr>
+          <p:cNvPr id="4" name="文本占位符 3"/>
           <p:cNvSpPr>
             <a:spLocks noGrp="1"/>
           </p:cNvSpPr>
@@ -3089,18 +4998,13 @@
               <a:rPr lang="zh-CN" altLang="en-US"/>
               <a:t>单击此处编辑母版文本样式</a:t>
             </a:r>
-          </a:p>
-        </p:txBody>
-      </p:sp>
-      <p:sp>
-        <p:nvSpPr>
-          <p:cNvPr id="5" name="日期占位符 4">
-            <a:extLst>
-              <a:ext uri="{FF2B5EF4-FFF2-40B4-BE49-F238E27FC236}">
-                <a16:creationId xmlns:a16="http://schemas.microsoft.com/office/drawing/2014/main" id="{A0EFA77C-A942-4F91-9D86-B9F447429D16}"/>
-              </a:ext>
-            </a:extLst>
-          </p:cNvPr>
+            <a:endParaRPr lang="zh-CN" altLang="en-US"/>
+          </a:p>
+        </p:txBody>
+      </p:sp>
+      <p:sp>
+        <p:nvSpPr>
+          <p:cNvPr id="5" name="日期占位符 4"/>
           <p:cNvSpPr>
             <a:spLocks noGrp="1"/>
           </p:cNvSpPr>
@@ -3115,7 +5019,6 @@
           <a:p>
             <a:fld id="{3E77F3E2-788F-42B3-837B-A6E77B056D99}" type="datetimeFigureOut">
               <a:rPr lang="zh-CN" altLang="en-US" smtClean="0"/>
-              <a:t>2019/6/11</a:t>
             </a:fld>
             <a:endParaRPr lang="zh-CN" altLang="en-US"/>
           </a:p>
@@ -3123,13 +5026,7 @@
       </p:sp>
       <p:sp>
         <p:nvSpPr>
-          <p:cNvPr id="6" name="页脚占位符 5">
-            <a:extLst>
-              <a:ext uri="{FF2B5EF4-FFF2-40B4-BE49-F238E27FC236}">
-                <a16:creationId xmlns:a16="http://schemas.microsoft.com/office/drawing/2014/main" id="{61F28852-9B34-46D9-BE7B-E196FA5600B5}"/>
-              </a:ext>
-            </a:extLst>
-          </p:cNvPr>
+          <p:cNvPr id="6" name="页脚占位符 5"/>
           <p:cNvSpPr>
             <a:spLocks noGrp="1"/>
           </p:cNvSpPr>
@@ -3148,13 +5045,7 @@
       </p:sp>
       <p:sp>
         <p:nvSpPr>
-          <p:cNvPr id="7" name="灯片编号占位符 6">
-            <a:extLst>
-              <a:ext uri="{FF2B5EF4-FFF2-40B4-BE49-F238E27FC236}">
-                <a16:creationId xmlns:a16="http://schemas.microsoft.com/office/drawing/2014/main" id="{00D77776-F439-448F-B8A3-5EF50A26CB23}"/>
-              </a:ext>
-            </a:extLst>
-          </p:cNvPr>
+          <p:cNvPr id="7" name="灯片编号占位符 6"/>
           <p:cNvSpPr>
             <a:spLocks noGrp="1"/>
           </p:cNvSpPr>
@@ -3169,18 +5060,12 @@
           <a:p>
             <a:fld id="{3839FD42-9642-4BE7-B5A8-BB93D8CD450C}" type="slidenum">
               <a:rPr lang="zh-CN" altLang="en-US" smtClean="0"/>
-              <a:t>‹#›</a:t>
             </a:fld>
             <a:endParaRPr lang="zh-CN" altLang="en-US"/>
           </a:p>
         </p:txBody>
       </p:sp>
     </p:spTree>
-    <p:extLst>
-      <p:ext uri="{BB962C8B-B14F-4D97-AF65-F5344CB8AC3E}">
-        <p14:creationId xmlns:p14="http://schemas.microsoft.com/office/powerpoint/2010/main" val="22243248"/>
-      </p:ext>
-    </p:extLst>
   </p:cSld>
   <p:clrMapOvr>
     <a:masterClrMapping/>
@@ -3212,13 +5097,7 @@
       </p:grpSpPr>
       <p:sp>
         <p:nvSpPr>
-          <p:cNvPr id="2" name="标题占位符 1">
-            <a:extLst>
-              <a:ext uri="{FF2B5EF4-FFF2-40B4-BE49-F238E27FC236}">
-                <a16:creationId xmlns:a16="http://schemas.microsoft.com/office/drawing/2014/main" id="{AB62003C-954D-4C42-B56D-6DA2BB12530D}"/>
-              </a:ext>
-            </a:extLst>
-          </p:cNvPr>
+          <p:cNvPr id="2" name="标题占位符 1"/>
           <p:cNvSpPr>
             <a:spLocks noGrp="1"/>
           </p:cNvSpPr>
@@ -3245,18 +5124,13 @@
               <a:rPr lang="zh-CN" altLang="en-US"/>
               <a:t>单击此处编辑母版标题样式</a:t>
             </a:r>
-          </a:p>
-        </p:txBody>
-      </p:sp>
-      <p:sp>
-        <p:nvSpPr>
-          <p:cNvPr id="3" name="文本占位符 2">
-            <a:extLst>
-              <a:ext uri="{FF2B5EF4-FFF2-40B4-BE49-F238E27FC236}">
-                <a16:creationId xmlns:a16="http://schemas.microsoft.com/office/drawing/2014/main" id="{26F9164E-15B4-412A-8CF7-C2ABFA1BE26D}"/>
-              </a:ext>
-            </a:extLst>
-          </p:cNvPr>
+            <a:endParaRPr lang="zh-CN" altLang="en-US"/>
+          </a:p>
+        </p:txBody>
+      </p:sp>
+      <p:sp>
+        <p:nvSpPr>
+          <p:cNvPr id="3" name="文本占位符 2"/>
           <p:cNvSpPr>
             <a:spLocks noGrp="1"/>
           </p:cNvSpPr>
@@ -3284,6 +5158,7 @@
               <a:rPr lang="zh-CN" altLang="en-US"/>
               <a:t>单击此处编辑母版文本样式</a:t>
             </a:r>
+            <a:endParaRPr lang="zh-CN" altLang="en-US"/>
           </a:p>
           <a:p>
             <a:pPr lvl="1"/>
@@ -3291,6 +5166,7 @@
               <a:rPr lang="zh-CN" altLang="en-US"/>
               <a:t>二级</a:t>
             </a:r>
+            <a:endParaRPr lang="zh-CN" altLang="en-US"/>
           </a:p>
           <a:p>
             <a:pPr lvl="2"/>
@@ -3298,6 +5174,7 @@
               <a:rPr lang="zh-CN" altLang="en-US"/>
               <a:t>三级</a:t>
             </a:r>
+            <a:endParaRPr lang="zh-CN" altLang="en-US"/>
           </a:p>
           <a:p>
             <a:pPr lvl="3"/>
@@ -3305,6 +5182,7 @@
               <a:rPr lang="zh-CN" altLang="en-US"/>
               <a:t>四级</a:t>
             </a:r>
+            <a:endParaRPr lang="zh-CN" altLang="en-US"/>
           </a:p>
           <a:p>
             <a:pPr lvl="4"/>
@@ -3312,18 +5190,13 @@
               <a:rPr lang="zh-CN" altLang="en-US"/>
               <a:t>五级</a:t>
             </a:r>
-          </a:p>
-        </p:txBody>
-      </p:sp>
-      <p:sp>
-        <p:nvSpPr>
-          <p:cNvPr id="4" name="日期占位符 3">
-            <a:extLst>
-              <a:ext uri="{FF2B5EF4-FFF2-40B4-BE49-F238E27FC236}">
-                <a16:creationId xmlns:a16="http://schemas.microsoft.com/office/drawing/2014/main" id="{EE0CA4D1-AB10-4BDB-B4AE-55E0C977E709}"/>
-              </a:ext>
-            </a:extLst>
-          </p:cNvPr>
+            <a:endParaRPr lang="zh-CN" altLang="en-US"/>
+          </a:p>
+        </p:txBody>
+      </p:sp>
+      <p:sp>
+        <p:nvSpPr>
+          <p:cNvPr id="4" name="日期占位符 3"/>
           <p:cNvSpPr>
             <a:spLocks noGrp="1"/>
           </p:cNvSpPr>
@@ -3356,7 +5229,6 @@
           <a:p>
             <a:fld id="{3E77F3E2-788F-42B3-837B-A6E77B056D99}" type="datetimeFigureOut">
               <a:rPr lang="zh-CN" altLang="en-US" smtClean="0"/>
-              <a:t>2019/6/11</a:t>
             </a:fld>
             <a:endParaRPr lang="zh-CN" altLang="en-US"/>
           </a:p>
@@ -3364,13 +5236,7 @@
       </p:sp>
       <p:sp>
         <p:nvSpPr>
-          <p:cNvPr id="5" name="页脚占位符 4">
-            <a:extLst>
-              <a:ext uri="{FF2B5EF4-FFF2-40B4-BE49-F238E27FC236}">
-                <a16:creationId xmlns:a16="http://schemas.microsoft.com/office/drawing/2014/main" id="{5A8D7BDE-3A27-4B24-BC28-0E8453E58F5F}"/>
-              </a:ext>
-            </a:extLst>
-          </p:cNvPr>
+          <p:cNvPr id="5" name="页脚占位符 4"/>
           <p:cNvSpPr>
             <a:spLocks noGrp="1"/>
           </p:cNvSpPr>
@@ -3407,13 +5273,7 @@
       </p:sp>
       <p:sp>
         <p:nvSpPr>
-          <p:cNvPr id="6" name="灯片编号占位符 5">
-            <a:extLst>
-              <a:ext uri="{FF2B5EF4-FFF2-40B4-BE49-F238E27FC236}">
-                <a16:creationId xmlns:a16="http://schemas.microsoft.com/office/drawing/2014/main" id="{6C6CEECE-2BDB-4DA9-813C-9F54894C32BF}"/>
-              </a:ext>
-            </a:extLst>
-          </p:cNvPr>
+          <p:cNvPr id="6" name="灯片编号占位符 5"/>
           <p:cNvSpPr>
             <a:spLocks noGrp="1"/>
           </p:cNvSpPr>
@@ -3446,18 +5306,12 @@
           <a:p>
             <a:fld id="{3839FD42-9642-4BE7-B5A8-BB93D8CD450C}" type="slidenum">
               <a:rPr lang="zh-CN" altLang="en-US" smtClean="0"/>
-              <a:t>‹#›</a:t>
             </a:fld>
             <a:endParaRPr lang="zh-CN" altLang="en-US"/>
           </a:p>
         </p:txBody>
       </p:sp>
     </p:spTree>
-    <p:extLst>
-      <p:ext uri="{BB962C8B-B14F-4D97-AF65-F5344CB8AC3E}">
-        <p14:creationId xmlns:p14="http://schemas.microsoft.com/office/powerpoint/2010/main" val="3769059467"/>
-      </p:ext>
-    </p:extLst>
   </p:cSld>
   <p:clrMap bg1="lt1" tx1="dk1" bg2="lt2" tx2="dk2" accent1="accent1" accent2="accent2" accent3="accent3" accent4="accent4" accent5="accent5" accent6="accent6" hlink="hlink" folHlink="folHlink"/>
   <p:sldLayoutIdLst>
@@ -3472,6 +5326,543 @@
     <p:sldLayoutId id="2147483657" r:id="rId9"/>
     <p:sldLayoutId id="2147483658" r:id="rId10"/>
     <p:sldLayoutId id="2147483659" r:id="rId11"/>
+  </p:sldLayoutIdLst>
+  <p:txStyles>
+    <p:titleStyle>
+      <a:lvl1pPr algn="l" defTabSz="914400" rtl="0" eaLnBrk="1" latinLnBrk="0" hangingPunct="1">
+        <a:lnSpc>
+          <a:spcPct val="90000"/>
+        </a:lnSpc>
+        <a:spcBef>
+          <a:spcPct val="0"/>
+        </a:spcBef>
+        <a:buNone/>
+        <a:defRPr sz="4400" kern="1200">
+          <a:solidFill>
+            <a:schemeClr val="tx1"/>
+          </a:solidFill>
+          <a:latin typeface="+mj-lt"/>
+          <a:ea typeface="+mj-ea"/>
+          <a:cs typeface="+mj-cs"/>
+        </a:defRPr>
+      </a:lvl1pPr>
+    </p:titleStyle>
+    <p:bodyStyle>
+      <a:lvl1pPr marL="228600" indent="-228600" algn="l" defTabSz="914400" rtl="0" eaLnBrk="1" latinLnBrk="0" hangingPunct="1">
+        <a:lnSpc>
+          <a:spcPct val="90000"/>
+        </a:lnSpc>
+        <a:spcBef>
+          <a:spcPts val="1000"/>
+        </a:spcBef>
+        <a:buFont typeface="Arial" panose="020B0604020202020204" pitchFamily="34" charset="0"/>
+        <a:buChar char="•"/>
+        <a:defRPr sz="2800" kern="1200">
+          <a:solidFill>
+            <a:schemeClr val="tx1"/>
+          </a:solidFill>
+          <a:latin typeface="+mn-lt"/>
+          <a:ea typeface="+mn-ea"/>
+          <a:cs typeface="+mn-cs"/>
+        </a:defRPr>
+      </a:lvl1pPr>
+      <a:lvl2pPr marL="685800" indent="-228600" algn="l" defTabSz="914400" rtl="0" eaLnBrk="1" latinLnBrk="0" hangingPunct="1">
+        <a:lnSpc>
+          <a:spcPct val="90000"/>
+        </a:lnSpc>
+        <a:spcBef>
+          <a:spcPts val="500"/>
+        </a:spcBef>
+        <a:buFont typeface="Arial" panose="020B0604020202020204" pitchFamily="34" charset="0"/>
+        <a:buChar char="•"/>
+        <a:defRPr sz="2400" kern="1200">
+          <a:solidFill>
+            <a:schemeClr val="tx1"/>
+          </a:solidFill>
+          <a:latin typeface="+mn-lt"/>
+          <a:ea typeface="+mn-ea"/>
+          <a:cs typeface="+mn-cs"/>
+        </a:defRPr>
+      </a:lvl2pPr>
+      <a:lvl3pPr marL="1143000" indent="-228600" algn="l" defTabSz="914400" rtl="0" eaLnBrk="1" latinLnBrk="0" hangingPunct="1">
+        <a:lnSpc>
+          <a:spcPct val="90000"/>
+        </a:lnSpc>
+        <a:spcBef>
+          <a:spcPts val="500"/>
+        </a:spcBef>
+        <a:buFont typeface="Arial" panose="020B0604020202020204" pitchFamily="34" charset="0"/>
+        <a:buChar char="•"/>
+        <a:defRPr sz="2000" kern="1200">
+          <a:solidFill>
+            <a:schemeClr val="tx1"/>
+          </a:solidFill>
+          <a:latin typeface="+mn-lt"/>
+          <a:ea typeface="+mn-ea"/>
+          <a:cs typeface="+mn-cs"/>
+        </a:defRPr>
+      </a:lvl3pPr>
+      <a:lvl4pPr marL="1600200" indent="-228600" algn="l" defTabSz="914400" rtl="0" eaLnBrk="1" latinLnBrk="0" hangingPunct="1">
+        <a:lnSpc>
+          <a:spcPct val="90000"/>
+        </a:lnSpc>
+        <a:spcBef>
+          <a:spcPts val="500"/>
+        </a:spcBef>
+        <a:buFont typeface="Arial" panose="020B0604020202020204" pitchFamily="34" charset="0"/>
+        <a:buChar char="•"/>
+        <a:defRPr sz="1800" kern="1200">
+          <a:solidFill>
+            <a:schemeClr val="tx1"/>
+          </a:solidFill>
+          <a:latin typeface="+mn-lt"/>
+          <a:ea typeface="+mn-ea"/>
+          <a:cs typeface="+mn-cs"/>
+        </a:defRPr>
+      </a:lvl4pPr>
+      <a:lvl5pPr marL="2057400" indent="-228600" algn="l" defTabSz="914400" rtl="0" eaLnBrk="1" latinLnBrk="0" hangingPunct="1">
+        <a:lnSpc>
+          <a:spcPct val="90000"/>
+        </a:lnSpc>
+        <a:spcBef>
+          <a:spcPts val="500"/>
+        </a:spcBef>
+        <a:buFont typeface="Arial" panose="020B0604020202020204" pitchFamily="34" charset="0"/>
+        <a:buChar char="•"/>
+        <a:defRPr sz="1800" kern="1200">
+          <a:solidFill>
+            <a:schemeClr val="tx1"/>
+          </a:solidFill>
+          <a:latin typeface="+mn-lt"/>
+          <a:ea typeface="+mn-ea"/>
+          <a:cs typeface="+mn-cs"/>
+        </a:defRPr>
+      </a:lvl5pPr>
+      <a:lvl6pPr marL="2514600" indent="-228600" algn="l" defTabSz="914400" rtl="0" eaLnBrk="1" latinLnBrk="0" hangingPunct="1">
+        <a:lnSpc>
+          <a:spcPct val="90000"/>
+        </a:lnSpc>
+        <a:spcBef>
+          <a:spcPts val="500"/>
+        </a:spcBef>
+        <a:buFont typeface="Arial" panose="020B0604020202020204" pitchFamily="34" charset="0"/>
+        <a:buChar char="•"/>
+        <a:defRPr sz="1800" kern="1200">
+          <a:solidFill>
+            <a:schemeClr val="tx1"/>
+          </a:solidFill>
+          <a:latin typeface="+mn-lt"/>
+          <a:ea typeface="+mn-ea"/>
+          <a:cs typeface="+mn-cs"/>
+        </a:defRPr>
+      </a:lvl6pPr>
+      <a:lvl7pPr marL="2971800" indent="-228600" algn="l" defTabSz="914400" rtl="0" eaLnBrk="1" latinLnBrk="0" hangingPunct="1">
+        <a:lnSpc>
+          <a:spcPct val="90000"/>
+        </a:lnSpc>
+        <a:spcBef>
+          <a:spcPts val="500"/>
+        </a:spcBef>
+        <a:buFont typeface="Arial" panose="020B0604020202020204" pitchFamily="34" charset="0"/>
+        <a:buChar char="•"/>
+        <a:defRPr sz="1800" kern="1200">
+          <a:solidFill>
+            <a:schemeClr val="tx1"/>
+          </a:solidFill>
+          <a:latin typeface="+mn-lt"/>
+          <a:ea typeface="+mn-ea"/>
+          <a:cs typeface="+mn-cs"/>
+        </a:defRPr>
+      </a:lvl7pPr>
+      <a:lvl8pPr marL="3429000" indent="-228600" algn="l" defTabSz="914400" rtl="0" eaLnBrk="1" latinLnBrk="0" hangingPunct="1">
+        <a:lnSpc>
+          <a:spcPct val="90000"/>
+        </a:lnSpc>
+        <a:spcBef>
+          <a:spcPts val="500"/>
+        </a:spcBef>
+        <a:buFont typeface="Arial" panose="020B0604020202020204" pitchFamily="34" charset="0"/>
+        <a:buChar char="•"/>
+        <a:defRPr sz="1800" kern="1200">
+          <a:solidFill>
+            <a:schemeClr val="tx1"/>
+          </a:solidFill>
+          <a:latin typeface="+mn-lt"/>
+          <a:ea typeface="+mn-ea"/>
+          <a:cs typeface="+mn-cs"/>
+        </a:defRPr>
+      </a:lvl8pPr>
+      <a:lvl9pPr marL="3886200" indent="-228600" algn="l" defTabSz="914400" rtl="0" eaLnBrk="1" latinLnBrk="0" hangingPunct="1">
+        <a:lnSpc>
+          <a:spcPct val="90000"/>
+        </a:lnSpc>
+        <a:spcBef>
+          <a:spcPts val="500"/>
+        </a:spcBef>
+        <a:buFont typeface="Arial" panose="020B0604020202020204" pitchFamily="34" charset="0"/>
+        <a:buChar char="•"/>
+        <a:defRPr sz="1800" kern="1200">
+          <a:solidFill>
+            <a:schemeClr val="tx1"/>
+          </a:solidFill>
+          <a:latin typeface="+mn-lt"/>
+          <a:ea typeface="+mn-ea"/>
+          <a:cs typeface="+mn-cs"/>
+        </a:defRPr>
+      </a:lvl9pPr>
+    </p:bodyStyle>
+    <p:otherStyle>
+      <a:defPPr>
+        <a:defRPr lang="zh-CN"/>
+      </a:defPPr>
+      <a:lvl1pPr marL="0" algn="l" defTabSz="914400" rtl="0" eaLnBrk="1" latinLnBrk="0" hangingPunct="1">
+        <a:defRPr sz="1800" kern="1200">
+          <a:solidFill>
+            <a:schemeClr val="tx1"/>
+          </a:solidFill>
+          <a:latin typeface="+mn-lt"/>
+          <a:ea typeface="+mn-ea"/>
+          <a:cs typeface="+mn-cs"/>
+        </a:defRPr>
+      </a:lvl1pPr>
+      <a:lvl2pPr marL="457200" algn="l" defTabSz="914400" rtl="0" eaLnBrk="1" latinLnBrk="0" hangingPunct="1">
+        <a:defRPr sz="1800" kern="1200">
+          <a:solidFill>
+            <a:schemeClr val="tx1"/>
+          </a:solidFill>
+          <a:latin typeface="+mn-lt"/>
+          <a:ea typeface="+mn-ea"/>
+          <a:cs typeface="+mn-cs"/>
+        </a:defRPr>
+      </a:lvl2pPr>
+      <a:lvl3pPr marL="914400" algn="l" defTabSz="914400" rtl="0" eaLnBrk="1" latinLnBrk="0" hangingPunct="1">
+        <a:defRPr sz="1800" kern="1200">
+          <a:solidFill>
+            <a:schemeClr val="tx1"/>
+          </a:solidFill>
+          <a:latin typeface="+mn-lt"/>
+          <a:ea typeface="+mn-ea"/>
+          <a:cs typeface="+mn-cs"/>
+        </a:defRPr>
+      </a:lvl3pPr>
+      <a:lvl4pPr marL="1371600" algn="l" defTabSz="914400" rtl="0" eaLnBrk="1" latinLnBrk="0" hangingPunct="1">
+        <a:defRPr sz="1800" kern="1200">
+          <a:solidFill>
+            <a:schemeClr val="tx1"/>
+          </a:solidFill>
+          <a:latin typeface="+mn-lt"/>
+          <a:ea typeface="+mn-ea"/>
+          <a:cs typeface="+mn-cs"/>
+        </a:defRPr>
+      </a:lvl4pPr>
+      <a:lvl5pPr marL="1828800" algn="l" defTabSz="914400" rtl="0" eaLnBrk="1" latinLnBrk="0" hangingPunct="1">
+        <a:defRPr sz="1800" kern="1200">
+          <a:solidFill>
+            <a:schemeClr val="tx1"/>
+          </a:solidFill>
+          <a:latin typeface="+mn-lt"/>
+          <a:ea typeface="+mn-ea"/>
+          <a:cs typeface="+mn-cs"/>
+        </a:defRPr>
+      </a:lvl5pPr>
+      <a:lvl6pPr marL="2286000" algn="l" defTabSz="914400" rtl="0" eaLnBrk="1" latinLnBrk="0" hangingPunct="1">
+        <a:defRPr sz="1800" kern="1200">
+          <a:solidFill>
+            <a:schemeClr val="tx1"/>
+          </a:solidFill>
+          <a:latin typeface="+mn-lt"/>
+          <a:ea typeface="+mn-ea"/>
+          <a:cs typeface="+mn-cs"/>
+        </a:defRPr>
+      </a:lvl6pPr>
+      <a:lvl7pPr marL="2743200" algn="l" defTabSz="914400" rtl="0" eaLnBrk="1" latinLnBrk="0" hangingPunct="1">
+        <a:defRPr sz="1800" kern="1200">
+          <a:solidFill>
+            <a:schemeClr val="tx1"/>
+          </a:solidFill>
+          <a:latin typeface="+mn-lt"/>
+          <a:ea typeface="+mn-ea"/>
+          <a:cs typeface="+mn-cs"/>
+        </a:defRPr>
+      </a:lvl7pPr>
+      <a:lvl8pPr marL="3200400" algn="l" defTabSz="914400" rtl="0" eaLnBrk="1" latinLnBrk="0" hangingPunct="1">
+        <a:defRPr sz="1800" kern="1200">
+          <a:solidFill>
+            <a:schemeClr val="tx1"/>
+          </a:solidFill>
+          <a:latin typeface="+mn-lt"/>
+          <a:ea typeface="+mn-ea"/>
+          <a:cs typeface="+mn-cs"/>
+        </a:defRPr>
+      </a:lvl8pPr>
+      <a:lvl9pPr marL="3657600" algn="l" defTabSz="914400" rtl="0" eaLnBrk="1" latinLnBrk="0" hangingPunct="1">
+        <a:defRPr sz="1800" kern="1200">
+          <a:solidFill>
+            <a:schemeClr val="tx1"/>
+          </a:solidFill>
+          <a:latin typeface="+mn-lt"/>
+          <a:ea typeface="+mn-ea"/>
+          <a:cs typeface="+mn-cs"/>
+        </a:defRPr>
+      </a:lvl9pPr>
+    </p:otherStyle>
+  </p:txStyles>
+</p:sldMaster>
+</file>
+
+<file path=ppt/slideMasters/slideMaster2.xml><?xml version="1.0" encoding="utf-8"?>
+<p:sldMaster xmlns:a="http://schemas.openxmlformats.org/drawingml/2006/main" xmlns:r="http://schemas.openxmlformats.org/officeDocument/2006/relationships" xmlns:p="http://schemas.openxmlformats.org/presentationml/2006/main">
+  <p:cSld>
+    <p:bg>
+      <p:bgRef idx="1001">
+        <a:schemeClr val="bg1"/>
+      </p:bgRef>
+    </p:bg>
+    <p:spTree>
+      <p:nvGrpSpPr>
+        <p:cNvPr id="1" name=""/>
+        <p:cNvGrpSpPr/>
+        <p:nvPr/>
+      </p:nvGrpSpPr>
+      <p:grpSpPr>
+        <a:xfrm>
+          <a:off x="0" y="0"/>
+          <a:ext cx="0" cy="0"/>
+          <a:chOff x="0" y="0"/>
+          <a:chExt cx="0" cy="0"/>
+        </a:xfrm>
+      </p:grpSpPr>
+      <p:sp>
+        <p:nvSpPr>
+          <p:cNvPr id="2" name="标题占位符 1"/>
+          <p:cNvSpPr>
+            <a:spLocks noGrp="1"/>
+          </p:cNvSpPr>
+          <p:nvPr>
+            <p:ph type="title"/>
+          </p:nvPr>
+        </p:nvSpPr>
+        <p:spPr>
+          <a:xfrm>
+            <a:off x="838200" y="365125"/>
+            <a:ext cx="10515600" cy="1325563"/>
+          </a:xfrm>
+          <a:prstGeom prst="rect">
+            <a:avLst/>
+          </a:prstGeom>
+        </p:spPr>
+        <p:txBody>
+          <a:bodyPr vert="horz" lIns="91440" tIns="45720" rIns="91440" bIns="45720" rtlCol="0" anchor="ctr">
+            <a:normAutofit/>
+          </a:bodyPr>
+          <a:lstStyle/>
+          <a:p>
+            <a:r>
+              <a:rPr lang="zh-CN" altLang="en-US"/>
+              <a:t>单击此处编辑母版标题样式</a:t>
+            </a:r>
+            <a:endParaRPr lang="zh-CN" altLang="en-US"/>
+          </a:p>
+        </p:txBody>
+      </p:sp>
+      <p:sp>
+        <p:nvSpPr>
+          <p:cNvPr id="3" name="文本占位符 2"/>
+          <p:cNvSpPr>
+            <a:spLocks noGrp="1"/>
+          </p:cNvSpPr>
+          <p:nvPr>
+            <p:ph type="body" idx="1"/>
+          </p:nvPr>
+        </p:nvSpPr>
+        <p:spPr>
+          <a:xfrm>
+            <a:off x="838200" y="1825625"/>
+            <a:ext cx="10515600" cy="4351338"/>
+          </a:xfrm>
+          <a:prstGeom prst="rect">
+            <a:avLst/>
+          </a:prstGeom>
+        </p:spPr>
+        <p:txBody>
+          <a:bodyPr vert="horz" lIns="91440" tIns="45720" rIns="91440" bIns="45720" rtlCol="0">
+            <a:normAutofit/>
+          </a:bodyPr>
+          <a:lstStyle/>
+          <a:p>
+            <a:pPr lvl="0"/>
+            <a:r>
+              <a:rPr lang="zh-CN" altLang="en-US"/>
+              <a:t>单击此处编辑母版文本样式</a:t>
+            </a:r>
+            <a:endParaRPr lang="zh-CN" altLang="en-US"/>
+          </a:p>
+          <a:p>
+            <a:pPr lvl="1"/>
+            <a:r>
+              <a:rPr lang="zh-CN" altLang="en-US"/>
+              <a:t>二级</a:t>
+            </a:r>
+            <a:endParaRPr lang="zh-CN" altLang="en-US"/>
+          </a:p>
+          <a:p>
+            <a:pPr lvl="2"/>
+            <a:r>
+              <a:rPr lang="zh-CN" altLang="en-US"/>
+              <a:t>三级</a:t>
+            </a:r>
+            <a:endParaRPr lang="zh-CN" altLang="en-US"/>
+          </a:p>
+          <a:p>
+            <a:pPr lvl="3"/>
+            <a:r>
+              <a:rPr lang="zh-CN" altLang="en-US"/>
+              <a:t>四级</a:t>
+            </a:r>
+            <a:endParaRPr lang="zh-CN" altLang="en-US"/>
+          </a:p>
+          <a:p>
+            <a:pPr lvl="4"/>
+            <a:r>
+              <a:rPr lang="zh-CN" altLang="en-US"/>
+              <a:t>五级</a:t>
+            </a:r>
+            <a:endParaRPr lang="zh-CN" altLang="en-US"/>
+          </a:p>
+        </p:txBody>
+      </p:sp>
+      <p:sp>
+        <p:nvSpPr>
+          <p:cNvPr id="4" name="日期占位符 3"/>
+          <p:cNvSpPr>
+            <a:spLocks noGrp="1"/>
+          </p:cNvSpPr>
+          <p:nvPr>
+            <p:ph type="dt" sz="half" idx="2"/>
+          </p:nvPr>
+        </p:nvSpPr>
+        <p:spPr>
+          <a:xfrm>
+            <a:off x="838200" y="6356350"/>
+            <a:ext cx="2743200" cy="365125"/>
+          </a:xfrm>
+          <a:prstGeom prst="rect">
+            <a:avLst/>
+          </a:prstGeom>
+        </p:spPr>
+        <p:txBody>
+          <a:bodyPr vert="horz" lIns="91440" tIns="45720" rIns="91440" bIns="45720" rtlCol="0" anchor="ctr"/>
+          <a:lstStyle>
+            <a:lvl1pPr algn="l">
+              <a:defRPr sz="1200">
+                <a:solidFill>
+                  <a:schemeClr val="tx1">
+                    <a:tint val="75000"/>
+                  </a:schemeClr>
+                </a:solidFill>
+              </a:defRPr>
+            </a:lvl1pPr>
+          </a:lstStyle>
+          <a:p>
+            <a:fld id="{3E77F3E2-788F-42B3-837B-A6E77B056D99}" type="datetimeFigureOut">
+              <a:rPr lang="zh-CN" altLang="en-US" smtClean="0"/>
+            </a:fld>
+            <a:endParaRPr lang="zh-CN" altLang="en-US"/>
+          </a:p>
+        </p:txBody>
+      </p:sp>
+      <p:sp>
+        <p:nvSpPr>
+          <p:cNvPr id="5" name="页脚占位符 4"/>
+          <p:cNvSpPr>
+            <a:spLocks noGrp="1"/>
+          </p:cNvSpPr>
+          <p:nvPr>
+            <p:ph type="ftr" sz="quarter" idx="3"/>
+          </p:nvPr>
+        </p:nvSpPr>
+        <p:spPr>
+          <a:xfrm>
+            <a:off x="4038600" y="6356350"/>
+            <a:ext cx="4114800" cy="365125"/>
+          </a:xfrm>
+          <a:prstGeom prst="rect">
+            <a:avLst/>
+          </a:prstGeom>
+        </p:spPr>
+        <p:txBody>
+          <a:bodyPr vert="horz" lIns="91440" tIns="45720" rIns="91440" bIns="45720" rtlCol="0" anchor="ctr"/>
+          <a:lstStyle>
+            <a:lvl1pPr algn="ctr">
+              <a:defRPr sz="1200">
+                <a:solidFill>
+                  <a:schemeClr val="tx1">
+                    <a:tint val="75000"/>
+                  </a:schemeClr>
+                </a:solidFill>
+              </a:defRPr>
+            </a:lvl1pPr>
+          </a:lstStyle>
+          <a:p>
+            <a:endParaRPr lang="zh-CN" altLang="en-US"/>
+          </a:p>
+        </p:txBody>
+      </p:sp>
+      <p:sp>
+        <p:nvSpPr>
+          <p:cNvPr id="6" name="灯片编号占位符 5"/>
+          <p:cNvSpPr>
+            <a:spLocks noGrp="1"/>
+          </p:cNvSpPr>
+          <p:nvPr>
+            <p:ph type="sldNum" sz="quarter" idx="4"/>
+          </p:nvPr>
+        </p:nvSpPr>
+        <p:spPr>
+          <a:xfrm>
+            <a:off x="8610600" y="6356350"/>
+            <a:ext cx="2743200" cy="365125"/>
+          </a:xfrm>
+          <a:prstGeom prst="rect">
+            <a:avLst/>
+          </a:prstGeom>
+        </p:spPr>
+        <p:txBody>
+          <a:bodyPr vert="horz" lIns="91440" tIns="45720" rIns="91440" bIns="45720" rtlCol="0" anchor="ctr"/>
+          <a:lstStyle>
+            <a:lvl1pPr algn="r">
+              <a:defRPr sz="1200">
+                <a:solidFill>
+                  <a:schemeClr val="tx1">
+                    <a:tint val="75000"/>
+                  </a:schemeClr>
+                </a:solidFill>
+              </a:defRPr>
+            </a:lvl1pPr>
+          </a:lstStyle>
+          <a:p>
+            <a:fld id="{3839FD42-9642-4BE7-B5A8-BB93D8CD450C}" type="slidenum">
+              <a:rPr lang="zh-CN" altLang="en-US" smtClean="0"/>
+            </a:fld>
+            <a:endParaRPr lang="zh-CN" altLang="en-US"/>
+          </a:p>
+        </p:txBody>
+      </p:sp>
+    </p:spTree>
+  </p:cSld>
+  <p:clrMap bg1="lt1" tx1="dk1" bg2="lt2" tx2="dk2" accent1="accent1" accent2="accent2" accent3="accent3" accent4="accent4" accent5="accent5" accent6="accent6" hlink="hlink" folHlink="folHlink"/>
+  <p:sldLayoutIdLst>
+    <p:sldLayoutId id="2147483661" r:id="rId1"/>
+    <p:sldLayoutId id="2147483662" r:id="rId2"/>
+    <p:sldLayoutId id="2147483663" r:id="rId3"/>
+    <p:sldLayoutId id="2147483664" r:id="rId4"/>
+    <p:sldLayoutId id="2147483665" r:id="rId5"/>
+    <p:sldLayoutId id="2147483666" r:id="rId6"/>
+    <p:sldLayoutId id="2147483667" r:id="rId7"/>
+    <p:sldLayoutId id="2147483668" r:id="rId8"/>
+    <p:sldLayoutId id="2147483669" r:id="rId9"/>
+    <p:sldLayoutId id="2147483670" r:id="rId10"/>
+    <p:sldLayoutId id="2147483671" r:id="rId11"/>
   </p:sldLayoutIdLst>
   <p:txStyles>
     <p:titleStyle>
@@ -3783,13 +6174,7 @@
       </p:grpSpPr>
       <p:sp>
         <p:nvSpPr>
-          <p:cNvPr id="4" name="文本框 3">
-            <a:extLst>
-              <a:ext uri="{FF2B5EF4-FFF2-40B4-BE49-F238E27FC236}">
-                <a16:creationId xmlns:a16="http://schemas.microsoft.com/office/drawing/2014/main" id="{B4581820-867E-400A-A92B-91FACB6F3F98}"/>
-              </a:ext>
-            </a:extLst>
-          </p:cNvPr>
+          <p:cNvPr id="4" name="文本框 3"/>
           <p:cNvSpPr txBox="1"/>
           <p:nvPr/>
         </p:nvSpPr>
@@ -3813,21 +6198,14 @@
               <a:rPr lang="zh-CN" altLang="en-US" sz="8000" b="1" dirty="0"/>
               <a:t>大作业展示</a:t>
             </a:r>
+            <a:endParaRPr lang="zh-CN" altLang="en-US" sz="8000" b="1" dirty="0"/>
           </a:p>
         </p:txBody>
       </p:sp>
       <p:cxnSp>
         <p:nvCxnSpPr>
-          <p:cNvPr id="8" name="直接连接符 7">
-            <a:extLst>
-              <a:ext uri="{FF2B5EF4-FFF2-40B4-BE49-F238E27FC236}">
-                <a16:creationId xmlns:a16="http://schemas.microsoft.com/office/drawing/2014/main" id="{DF06CAA6-7688-476E-B104-0C3AF99B75D6}"/>
-              </a:ext>
-            </a:extLst>
-          </p:cNvPr>
-          <p:cNvCxnSpPr>
-            <a:cxnSpLocks/>
-          </p:cNvCxnSpPr>
+          <p:cNvPr id="8" name="直接连接符 7"/>
+          <p:cNvCxnSpPr/>
           <p:nvPr/>
         </p:nvCxnSpPr>
         <p:spPr>
@@ -3861,20 +6239,14 @@
       </p:cxnSp>
       <p:pic>
         <p:nvPicPr>
-          <p:cNvPr id="10" name="图片 9">
-            <a:extLst>
-              <a:ext uri="{FF2B5EF4-FFF2-40B4-BE49-F238E27FC236}">
-                <a16:creationId xmlns:a16="http://schemas.microsoft.com/office/drawing/2014/main" id="{DB8C56B5-D3E8-449A-869D-4471F61AB88C}"/>
-              </a:ext>
-            </a:extLst>
-          </p:cNvPr>
+          <p:cNvPr id="10" name="图片 9"/>
           <p:cNvPicPr>
             <a:picLocks noChangeAspect="1"/>
           </p:cNvPicPr>
           <p:nvPr/>
         </p:nvPicPr>
         <p:blipFill>
-          <a:blip r:embed="rId2">
+          <a:blip r:embed="rId1">
             <a:extLst>
               <a:ext uri="{28A0092B-C50C-407E-A947-70E740481C1C}">
                 <a14:useLocalDpi xmlns:a14="http://schemas.microsoft.com/office/drawing/2010/main" val="0"/>
@@ -3897,13 +6269,7 @@
       </p:pic>
       <p:cxnSp>
         <p:nvCxnSpPr>
-          <p:cNvPr id="11" name="直接连接符 10">
-            <a:extLst>
-              <a:ext uri="{FF2B5EF4-FFF2-40B4-BE49-F238E27FC236}">
-                <a16:creationId xmlns:a16="http://schemas.microsoft.com/office/drawing/2014/main" id="{CF00CA44-DC8E-444E-8105-08FEE0D7D2F8}"/>
-              </a:ext>
-            </a:extLst>
-          </p:cNvPr>
+          <p:cNvPr id="11" name="直接连接符 10"/>
           <p:cNvCxnSpPr/>
           <p:nvPr/>
         </p:nvCxnSpPr>
@@ -3937,11 +6303,6 @@
         </p:style>
       </p:cxnSp>
     </p:spTree>
-    <p:extLst>
-      <p:ext uri="{BB962C8B-B14F-4D97-AF65-F5344CB8AC3E}">
-        <p14:creationId xmlns:p14="http://schemas.microsoft.com/office/powerpoint/2010/main" val="3881389415"/>
-      </p:ext>
-    </p:extLst>
   </p:cSld>
   <p:clrMapOvr>
     <a:masterClrMapping/>
@@ -3968,16 +6329,8 @@
       </p:grpSpPr>
       <p:cxnSp>
         <p:nvCxnSpPr>
-          <p:cNvPr id="4" name="直接连接符 3">
-            <a:extLst>
-              <a:ext uri="{FF2B5EF4-FFF2-40B4-BE49-F238E27FC236}">
-                <a16:creationId xmlns:a16="http://schemas.microsoft.com/office/drawing/2014/main" id="{155890E7-3555-4335-BF8D-CDAF2B9626F7}"/>
-              </a:ext>
-            </a:extLst>
-          </p:cNvPr>
-          <p:cNvCxnSpPr>
-            <a:cxnSpLocks/>
-          </p:cNvCxnSpPr>
+          <p:cNvPr id="4" name="直接连接符 3"/>
+          <p:cNvCxnSpPr/>
           <p:nvPr/>
         </p:nvCxnSpPr>
         <p:spPr>
@@ -4011,13 +6364,7 @@
       </p:cxnSp>
       <p:sp>
         <p:nvSpPr>
-          <p:cNvPr id="5" name="文本框 4">
-            <a:extLst>
-              <a:ext uri="{FF2B5EF4-FFF2-40B4-BE49-F238E27FC236}">
-                <a16:creationId xmlns:a16="http://schemas.microsoft.com/office/drawing/2014/main" id="{D00C97CD-8BD9-457E-8E14-4E6B38735A18}"/>
-              </a:ext>
-            </a:extLst>
-          </p:cNvPr>
+          <p:cNvPr id="5" name="文本框 4"/>
           <p:cNvSpPr txBox="1"/>
           <p:nvPr/>
         </p:nvSpPr>
@@ -4045,18 +6392,17 @@
               </a:rPr>
               <a:t>为什么要组件化？</a:t>
             </a:r>
-          </a:p>
-        </p:txBody>
-      </p:sp>
-      <p:sp>
-        <p:nvSpPr>
-          <p:cNvPr id="6" name="文本框 5">
-            <a:extLst>
-              <a:ext uri="{FF2B5EF4-FFF2-40B4-BE49-F238E27FC236}">
-                <a16:creationId xmlns:a16="http://schemas.microsoft.com/office/drawing/2014/main" id="{653B01C8-F4EA-402F-8FA2-F1C13D6DD77D}"/>
-              </a:ext>
-            </a:extLst>
-          </p:cNvPr>
+            <a:endParaRPr lang="zh-CN" altLang="en-US" sz="3600" b="1" dirty="0">
+              <a:solidFill>
+                <a:schemeClr val="accent5"/>
+              </a:solidFill>
+            </a:endParaRPr>
+          </a:p>
+        </p:txBody>
+      </p:sp>
+      <p:sp>
+        <p:nvSpPr>
+          <p:cNvPr id="6" name="文本框 5"/>
           <p:cNvSpPr txBox="1"/>
           <p:nvPr/>
         </p:nvSpPr>
@@ -4095,6 +6441,7 @@
               <a:rPr lang="en-US" altLang="zh-CN" sz="3200" b="1" dirty="0"/>
               <a:t>/V</a:t>
             </a:r>
+            <a:endParaRPr lang="en-US" altLang="zh-CN" sz="3200" b="1" dirty="0"/>
           </a:p>
           <a:p>
             <a:pPr marL="285750" indent="-285750">
@@ -4108,6 +6455,7 @@
               <a:rPr lang="zh-CN" altLang="en-US" sz="3200" b="1" dirty="0"/>
               <a:t>代码结构不清晰，数据职责和行为职责没有”在一起”</a:t>
             </a:r>
+            <a:endParaRPr lang="zh-CN" altLang="en-US" sz="3200" b="1" dirty="0"/>
           </a:p>
           <a:p>
             <a:pPr marL="285750" indent="-285750">
@@ -4135,15 +6483,11 @@
               <a:rPr lang="zh-CN" altLang="en-US" sz="3200" b="1" dirty="0"/>
               <a:t>后期修改维护困难</a:t>
             </a:r>
+            <a:endParaRPr lang="zh-CN" altLang="en-US" sz="3200" b="1" dirty="0"/>
           </a:p>
         </p:txBody>
       </p:sp>
     </p:spTree>
-    <p:extLst>
-      <p:ext uri="{BB962C8B-B14F-4D97-AF65-F5344CB8AC3E}">
-        <p14:creationId xmlns:p14="http://schemas.microsoft.com/office/powerpoint/2010/main" val="3413945572"/>
-      </p:ext>
-    </p:extLst>
   </p:cSld>
   <p:clrMapOvr>
     <a:masterClrMapping/>
@@ -4170,16 +6514,8 @@
       </p:grpSpPr>
       <p:cxnSp>
         <p:nvCxnSpPr>
-          <p:cNvPr id="4" name="直接连接符 3">
-            <a:extLst>
-              <a:ext uri="{FF2B5EF4-FFF2-40B4-BE49-F238E27FC236}">
-                <a16:creationId xmlns:a16="http://schemas.microsoft.com/office/drawing/2014/main" id="{155890E7-3555-4335-BF8D-CDAF2B9626F7}"/>
-              </a:ext>
-            </a:extLst>
-          </p:cNvPr>
-          <p:cNvCxnSpPr>
-            <a:cxnSpLocks/>
-          </p:cNvCxnSpPr>
+          <p:cNvPr id="4" name="直接连接符 3"/>
+          <p:cNvCxnSpPr/>
           <p:nvPr/>
         </p:nvCxnSpPr>
         <p:spPr>
@@ -4213,13 +6549,7 @@
       </p:cxnSp>
       <p:sp>
         <p:nvSpPr>
-          <p:cNvPr id="5" name="文本框 4">
-            <a:extLst>
-              <a:ext uri="{FF2B5EF4-FFF2-40B4-BE49-F238E27FC236}">
-                <a16:creationId xmlns:a16="http://schemas.microsoft.com/office/drawing/2014/main" id="{D00C97CD-8BD9-457E-8E14-4E6B38735A18}"/>
-              </a:ext>
-            </a:extLst>
-          </p:cNvPr>
+          <p:cNvPr id="5" name="文本框 4"/>
           <p:cNvSpPr txBox="1"/>
           <p:nvPr/>
         </p:nvSpPr>
@@ -4247,18 +6577,17 @@
               </a:rPr>
               <a:t>组件化的好处？</a:t>
             </a:r>
-          </a:p>
-        </p:txBody>
-      </p:sp>
-      <p:sp>
-        <p:nvSpPr>
-          <p:cNvPr id="6" name="文本框 5">
-            <a:extLst>
-              <a:ext uri="{FF2B5EF4-FFF2-40B4-BE49-F238E27FC236}">
-                <a16:creationId xmlns:a16="http://schemas.microsoft.com/office/drawing/2014/main" id="{653B01C8-F4EA-402F-8FA2-F1C13D6DD77D}"/>
-              </a:ext>
-            </a:extLst>
-          </p:cNvPr>
+            <a:endParaRPr lang="zh-CN" altLang="en-US" sz="3600" b="1" dirty="0">
+              <a:solidFill>
+                <a:schemeClr val="accent5"/>
+              </a:solidFill>
+            </a:endParaRPr>
+          </a:p>
+        </p:txBody>
+      </p:sp>
+      <p:sp>
+        <p:nvSpPr>
+          <p:cNvPr id="6" name="文本框 5"/>
           <p:cNvSpPr txBox="1"/>
           <p:nvPr/>
         </p:nvSpPr>
@@ -4289,6 +6618,7 @@
               <a:rPr lang="zh-CN" altLang="en-US" sz="3200" b="1" dirty="0"/>
               <a:t>减少冗余代码，组件复用，消除重复耦合</a:t>
             </a:r>
+            <a:endParaRPr lang="zh-CN" altLang="en-US" sz="3200" b="1" dirty="0"/>
           </a:p>
           <a:p>
             <a:pPr marL="285750" indent="-285750">
@@ -4302,6 +6632,7 @@
               <a:rPr lang="zh-CN" altLang="en-US" sz="3200" b="1" dirty="0"/>
               <a:t>代码结构清晰，面向对象开发，数据职责和行为职责”在一起”</a:t>
             </a:r>
+            <a:endParaRPr lang="zh-CN" altLang="en-US" sz="3200" b="1" dirty="0"/>
           </a:p>
           <a:p>
             <a:pPr marL="285750" indent="-285750">
@@ -4315,6 +6646,7 @@
               <a:rPr lang="zh-CN" altLang="en-US" sz="3200" b="1" dirty="0"/>
               <a:t>同一个页面，可以团队协作开发不同的组件</a:t>
             </a:r>
+            <a:endParaRPr lang="zh-CN" altLang="en-US" sz="3200" b="1" dirty="0"/>
           </a:p>
           <a:p>
             <a:pPr marL="285750" indent="-285750">
@@ -4328,15 +6660,11 @@
               <a:rPr lang="zh-CN" altLang="en-US" sz="3200" b="1" dirty="0"/>
               <a:t>后期维护成本降低</a:t>
             </a:r>
+            <a:endParaRPr lang="zh-CN" altLang="en-US" sz="3200" b="1" dirty="0"/>
           </a:p>
         </p:txBody>
       </p:sp>
     </p:spTree>
-    <p:extLst>
-      <p:ext uri="{BB962C8B-B14F-4D97-AF65-F5344CB8AC3E}">
-        <p14:creationId xmlns:p14="http://schemas.microsoft.com/office/powerpoint/2010/main" val="3657369278"/>
-      </p:ext>
-    </p:extLst>
   </p:cSld>
   <p:clrMapOvr>
     <a:masterClrMapping/>
@@ -4363,16 +6691,8 @@
       </p:grpSpPr>
       <p:cxnSp>
         <p:nvCxnSpPr>
-          <p:cNvPr id="4" name="直接连接符 3">
-            <a:extLst>
-              <a:ext uri="{FF2B5EF4-FFF2-40B4-BE49-F238E27FC236}">
-                <a16:creationId xmlns:a16="http://schemas.microsoft.com/office/drawing/2014/main" id="{155890E7-3555-4335-BF8D-CDAF2B9626F7}"/>
-              </a:ext>
-            </a:extLst>
-          </p:cNvPr>
-          <p:cNvCxnSpPr>
-            <a:cxnSpLocks/>
-          </p:cNvCxnSpPr>
+          <p:cNvPr id="4" name="直接连接符 3"/>
+          <p:cNvCxnSpPr/>
           <p:nvPr/>
         </p:nvCxnSpPr>
         <p:spPr>
@@ -4406,13 +6726,7 @@
       </p:cxnSp>
       <p:sp>
         <p:nvSpPr>
-          <p:cNvPr id="5" name="文本框 4">
-            <a:extLst>
-              <a:ext uri="{FF2B5EF4-FFF2-40B4-BE49-F238E27FC236}">
-                <a16:creationId xmlns:a16="http://schemas.microsoft.com/office/drawing/2014/main" id="{D00C97CD-8BD9-457E-8E14-4E6B38735A18}"/>
-              </a:ext>
-            </a:extLst>
-          </p:cNvPr>
+          <p:cNvPr id="5" name="文本框 4"/>
           <p:cNvSpPr txBox="1"/>
           <p:nvPr/>
         </p:nvSpPr>
@@ -4440,25 +6754,24 @@
               </a:rPr>
               <a:t>怎样组件化？</a:t>
             </a:r>
-          </a:p>
-        </p:txBody>
-      </p:sp>
-      <p:sp>
-        <p:nvSpPr>
-          <p:cNvPr id="6" name="文本框 5">
-            <a:extLst>
-              <a:ext uri="{FF2B5EF4-FFF2-40B4-BE49-F238E27FC236}">
-                <a16:creationId xmlns:a16="http://schemas.microsoft.com/office/drawing/2014/main" id="{653B01C8-F4EA-402F-8FA2-F1C13D6DD77D}"/>
-              </a:ext>
-            </a:extLst>
-          </p:cNvPr>
+            <a:endParaRPr lang="zh-CN" altLang="en-US" sz="3600" b="1" dirty="0">
+              <a:solidFill>
+                <a:schemeClr val="accent5"/>
+              </a:solidFill>
+            </a:endParaRPr>
+          </a:p>
+        </p:txBody>
+      </p:sp>
+      <p:sp>
+        <p:nvSpPr>
+          <p:cNvPr id="6" name="文本框 5"/>
           <p:cNvSpPr txBox="1"/>
           <p:nvPr/>
         </p:nvSpPr>
         <p:spPr>
           <a:xfrm>
             <a:off x="1530012" y="2055041"/>
-            <a:ext cx="8537816" cy="1831271"/>
+            <a:ext cx="8537816" cy="3199765"/>
           </a:xfrm>
           <a:prstGeom prst="rect">
             <a:avLst/>
@@ -4480,6 +6793,64 @@
             </a:pPr>
             <a:r>
               <a:rPr lang="zh-CN" altLang="en-US" sz="3200" b="1" dirty="0"/>
+              <a:t>没有</a:t>
+            </a:r>
+            <a:r>
+              <a:rPr lang="en-US" altLang="zh-CN" sz="3200" b="1" dirty="0"/>
+              <a:t>React</a:t>
+            </a:r>
+            <a:r>
+              <a:rPr lang="zh-CN" altLang="en-US" sz="3200" b="1" dirty="0">
+                <a:ea typeface="宋体" charset="0"/>
+              </a:rPr>
+              <a:t>，也没有</a:t>
+            </a:r>
+            <a:r>
+              <a:rPr lang="en-US" altLang="zh-CN" sz="3200" b="1" dirty="0">
+                <a:ea typeface="宋体" charset="0"/>
+              </a:rPr>
+              <a:t>Vue</a:t>
+            </a:r>
+            <a:r>
+              <a:rPr lang="zh-CN" altLang="en-US" sz="3200" b="1" dirty="0">
+                <a:ea typeface="宋体" charset="0"/>
+              </a:rPr>
+              <a:t>，连</a:t>
+            </a:r>
+            <a:r>
+              <a:rPr lang="en-US" altLang="zh-CN" sz="3200" b="1" dirty="0">
+                <a:ea typeface="宋体" charset="0"/>
+              </a:rPr>
+              <a:t>jQuery</a:t>
+            </a:r>
+            <a:r>
+              <a:rPr lang="zh-CN" altLang="en-US" sz="3200" b="1" dirty="0">
+                <a:ea typeface="宋体" charset="0"/>
+              </a:rPr>
+              <a:t>也没有</a:t>
+            </a:r>
+            <a:endParaRPr lang="zh-CN" altLang="en-US" sz="3200" b="1" dirty="0"/>
+          </a:p>
+          <a:p>
+            <a:pPr marL="285750" indent="-285750">
+              <a:spcAft>
+                <a:spcPts val="1500"/>
+              </a:spcAft>
+              <a:buFont typeface="Arial" panose="020B0604020202020204" pitchFamily="34" charset="0"/>
+              <a:buChar char="•"/>
+            </a:pPr>
+            <a:endParaRPr lang="zh-CN" altLang="en-US" sz="3200" b="1" dirty="0"/>
+          </a:p>
+          <a:p>
+            <a:pPr marL="285750" indent="-285750">
+              <a:spcAft>
+                <a:spcPts val="1500"/>
+              </a:spcAft>
+              <a:buFont typeface="Arial" panose="020B0604020202020204" pitchFamily="34" charset="0"/>
+              <a:buChar char="•"/>
+            </a:pPr>
+            <a:r>
+              <a:rPr lang="zh-CN" altLang="en-US" sz="3200" b="1" dirty="0"/>
               <a:t>实现框架核心组件</a:t>
             </a:r>
             <a:endParaRPr lang="en-US" altLang="zh-CN" sz="3200" b="1" dirty="0"/>
@@ -4496,6 +6867,7 @@
               <a:rPr lang="en-US" altLang="zh-CN" sz="2800" b="1" dirty="0"/>
               <a:t>Component</a:t>
             </a:r>
+            <a:endParaRPr lang="en-US" altLang="zh-CN" sz="2800" b="1" dirty="0"/>
           </a:p>
           <a:p>
             <a:pPr marL="742950" lvl="1" indent="-285750">
@@ -4518,11 +6890,6 @@
         </p:txBody>
       </p:sp>
     </p:spTree>
-    <p:extLst>
-      <p:ext uri="{BB962C8B-B14F-4D97-AF65-F5344CB8AC3E}">
-        <p14:creationId xmlns:p14="http://schemas.microsoft.com/office/powerpoint/2010/main" val="2891346484"/>
-      </p:ext>
-    </p:extLst>
   </p:cSld>
   <p:clrMapOvr>
     <a:masterClrMapping/>
@@ -4549,16 +6916,8 @@
       </p:grpSpPr>
       <p:cxnSp>
         <p:nvCxnSpPr>
-          <p:cNvPr id="4" name="直接连接符 3">
-            <a:extLst>
-              <a:ext uri="{FF2B5EF4-FFF2-40B4-BE49-F238E27FC236}">
-                <a16:creationId xmlns:a16="http://schemas.microsoft.com/office/drawing/2014/main" id="{155890E7-3555-4335-BF8D-CDAF2B9626F7}"/>
-              </a:ext>
-            </a:extLst>
-          </p:cNvPr>
-          <p:cNvCxnSpPr>
-            <a:cxnSpLocks/>
-          </p:cNvCxnSpPr>
+          <p:cNvPr id="4" name="直接连接符 3"/>
+          <p:cNvCxnSpPr/>
           <p:nvPr/>
         </p:nvCxnSpPr>
         <p:spPr>
@@ -4592,13 +6951,7 @@
       </p:cxnSp>
       <p:sp>
         <p:nvSpPr>
-          <p:cNvPr id="5" name="文本框 4">
-            <a:extLst>
-              <a:ext uri="{FF2B5EF4-FFF2-40B4-BE49-F238E27FC236}">
-                <a16:creationId xmlns:a16="http://schemas.microsoft.com/office/drawing/2014/main" id="{D00C97CD-8BD9-457E-8E14-4E6B38735A18}"/>
-              </a:ext>
-            </a:extLst>
-          </p:cNvPr>
+          <p:cNvPr id="5" name="文本框 4"/>
           <p:cNvSpPr txBox="1"/>
           <p:nvPr/>
         </p:nvSpPr>
@@ -4636,20 +6989,14 @@
       </p:sp>
       <p:pic>
         <p:nvPicPr>
-          <p:cNvPr id="7" name="图片 6">
-            <a:extLst>
-              <a:ext uri="{FF2B5EF4-FFF2-40B4-BE49-F238E27FC236}">
-                <a16:creationId xmlns:a16="http://schemas.microsoft.com/office/drawing/2014/main" id="{7E1FD037-682E-43C7-B8DD-C9D05831F532}"/>
-              </a:ext>
-            </a:extLst>
-          </p:cNvPr>
+          <p:cNvPr id="7" name="图片 6"/>
           <p:cNvPicPr>
             <a:picLocks noChangeAspect="1"/>
           </p:cNvPicPr>
           <p:nvPr/>
         </p:nvPicPr>
         <p:blipFill>
-          <a:blip r:embed="rId2"/>
+          <a:blip r:embed="rId1"/>
           <a:stretch>
             <a:fillRect/>
           </a:stretch>
@@ -4665,11 +7012,6 @@
         </p:spPr>
       </p:pic>
     </p:spTree>
-    <p:extLst>
-      <p:ext uri="{BB962C8B-B14F-4D97-AF65-F5344CB8AC3E}">
-        <p14:creationId xmlns:p14="http://schemas.microsoft.com/office/powerpoint/2010/main" val="664392377"/>
-      </p:ext>
-    </p:extLst>
   </p:cSld>
   <p:clrMapOvr>
     <a:masterClrMapping/>
@@ -4696,16 +7038,8 @@
       </p:grpSpPr>
       <p:cxnSp>
         <p:nvCxnSpPr>
-          <p:cNvPr id="4" name="直接连接符 3">
-            <a:extLst>
-              <a:ext uri="{FF2B5EF4-FFF2-40B4-BE49-F238E27FC236}">
-                <a16:creationId xmlns:a16="http://schemas.microsoft.com/office/drawing/2014/main" id="{155890E7-3555-4335-BF8D-CDAF2B9626F7}"/>
-              </a:ext>
-            </a:extLst>
-          </p:cNvPr>
-          <p:cNvCxnSpPr>
-            <a:cxnSpLocks/>
-          </p:cNvCxnSpPr>
+          <p:cNvPr id="4" name="直接连接符 3"/>
+          <p:cNvCxnSpPr/>
           <p:nvPr/>
         </p:nvCxnSpPr>
         <p:spPr>
@@ -4739,13 +7073,7 @@
       </p:cxnSp>
       <p:sp>
         <p:nvSpPr>
-          <p:cNvPr id="5" name="文本框 4">
-            <a:extLst>
-              <a:ext uri="{FF2B5EF4-FFF2-40B4-BE49-F238E27FC236}">
-                <a16:creationId xmlns:a16="http://schemas.microsoft.com/office/drawing/2014/main" id="{D00C97CD-8BD9-457E-8E14-4E6B38735A18}"/>
-              </a:ext>
-            </a:extLst>
-          </p:cNvPr>
+          <p:cNvPr id="5" name="文本框 4"/>
           <p:cNvSpPr txBox="1"/>
           <p:nvPr/>
         </p:nvSpPr>
@@ -4783,20 +7111,14 @@
       </p:sp>
       <p:pic>
         <p:nvPicPr>
-          <p:cNvPr id="6" name="图片 5">
-            <a:extLst>
-              <a:ext uri="{FF2B5EF4-FFF2-40B4-BE49-F238E27FC236}">
-                <a16:creationId xmlns:a16="http://schemas.microsoft.com/office/drawing/2014/main" id="{F2A792DB-2F28-4F0B-B91C-9EBDA8F91882}"/>
-              </a:ext>
-            </a:extLst>
-          </p:cNvPr>
+          <p:cNvPr id="6" name="图片 5"/>
           <p:cNvPicPr>
             <a:picLocks noChangeAspect="1"/>
           </p:cNvPicPr>
           <p:nvPr/>
         </p:nvPicPr>
         <p:blipFill>
-          <a:blip r:embed="rId2"/>
+          <a:blip r:embed="rId1"/>
           <a:stretch>
             <a:fillRect/>
           </a:stretch>
@@ -4812,11 +7134,6 @@
         </p:spPr>
       </p:pic>
     </p:spTree>
-    <p:extLst>
-      <p:ext uri="{BB962C8B-B14F-4D97-AF65-F5344CB8AC3E}">
-        <p14:creationId xmlns:p14="http://schemas.microsoft.com/office/powerpoint/2010/main" val="2095116497"/>
-      </p:ext>
-    </p:extLst>
   </p:cSld>
   <p:clrMapOvr>
     <a:masterClrMapping/>
@@ -4843,16 +7160,8 @@
       </p:grpSpPr>
       <p:cxnSp>
         <p:nvCxnSpPr>
-          <p:cNvPr id="4" name="直接连接符 3">
-            <a:extLst>
-              <a:ext uri="{FF2B5EF4-FFF2-40B4-BE49-F238E27FC236}">
-                <a16:creationId xmlns:a16="http://schemas.microsoft.com/office/drawing/2014/main" id="{155890E7-3555-4335-BF8D-CDAF2B9626F7}"/>
-              </a:ext>
-            </a:extLst>
-          </p:cNvPr>
-          <p:cNvCxnSpPr>
-            <a:cxnSpLocks/>
-          </p:cNvCxnSpPr>
+          <p:cNvPr id="4" name="直接连接符 3"/>
+          <p:cNvCxnSpPr/>
           <p:nvPr/>
         </p:nvCxnSpPr>
         <p:spPr>
@@ -4886,13 +7195,7 @@
       </p:cxnSp>
       <p:sp>
         <p:nvSpPr>
-          <p:cNvPr id="5" name="文本框 4">
-            <a:extLst>
-              <a:ext uri="{FF2B5EF4-FFF2-40B4-BE49-F238E27FC236}">
-                <a16:creationId xmlns:a16="http://schemas.microsoft.com/office/drawing/2014/main" id="{D00C97CD-8BD9-457E-8E14-4E6B38735A18}"/>
-              </a:ext>
-            </a:extLst>
-          </p:cNvPr>
+          <p:cNvPr id="5" name="文本框 4"/>
           <p:cNvSpPr txBox="1"/>
           <p:nvPr/>
         </p:nvSpPr>
@@ -4920,18 +7223,17 @@
               </a:rPr>
               <a:t>怎样组件化？</a:t>
             </a:r>
-          </a:p>
-        </p:txBody>
-      </p:sp>
-      <p:sp>
-        <p:nvSpPr>
-          <p:cNvPr id="6" name="文本框 5">
-            <a:extLst>
-              <a:ext uri="{FF2B5EF4-FFF2-40B4-BE49-F238E27FC236}">
-                <a16:creationId xmlns:a16="http://schemas.microsoft.com/office/drawing/2014/main" id="{653B01C8-F4EA-402F-8FA2-F1C13D6DD77D}"/>
-              </a:ext>
-            </a:extLst>
-          </p:cNvPr>
+            <a:endParaRPr lang="zh-CN" altLang="en-US" sz="3600" b="1" dirty="0">
+              <a:solidFill>
+                <a:schemeClr val="accent5"/>
+              </a:solidFill>
+            </a:endParaRPr>
+          </a:p>
+        </p:txBody>
+      </p:sp>
+      <p:sp>
+        <p:nvSpPr>
+          <p:cNvPr id="6" name="文本框 5"/>
           <p:cNvSpPr txBox="1"/>
           <p:nvPr/>
         </p:nvSpPr>
@@ -4976,6 +7278,7 @@
               <a:rPr lang="en-US" altLang="zh-CN" sz="2800" b="1" dirty="0"/>
               <a:t>Component</a:t>
             </a:r>
+            <a:endParaRPr lang="en-US" altLang="zh-CN" sz="2800" b="1" dirty="0"/>
           </a:p>
           <a:p>
             <a:pPr marL="742950" lvl="1" indent="-285750">
@@ -4993,6 +7296,7 @@
               <a:rPr lang="en-US" altLang="zh-CN" sz="2800" b="1" dirty="0"/>
               <a:t>mount</a:t>
             </a:r>
+            <a:endParaRPr lang="en-US" altLang="zh-CN" sz="2800" b="1" dirty="0"/>
           </a:p>
           <a:p>
             <a:pPr marL="285750" indent="-285750">
@@ -5039,11 +7343,6 @@
         </p:txBody>
       </p:sp>
     </p:spTree>
-    <p:extLst>
-      <p:ext uri="{BB962C8B-B14F-4D97-AF65-F5344CB8AC3E}">
-        <p14:creationId xmlns:p14="http://schemas.microsoft.com/office/powerpoint/2010/main" val="3873511940"/>
-      </p:ext>
-    </p:extLst>
   </p:cSld>
   <p:clrMapOvr>
     <a:masterClrMapping/>
@@ -5070,16 +7369,8 @@
       </p:grpSpPr>
       <p:cxnSp>
         <p:nvCxnSpPr>
-          <p:cNvPr id="4" name="直接连接符 3">
-            <a:extLst>
-              <a:ext uri="{FF2B5EF4-FFF2-40B4-BE49-F238E27FC236}">
-                <a16:creationId xmlns:a16="http://schemas.microsoft.com/office/drawing/2014/main" id="{155890E7-3555-4335-BF8D-CDAF2B9626F7}"/>
-              </a:ext>
-            </a:extLst>
-          </p:cNvPr>
-          <p:cNvCxnSpPr>
-            <a:cxnSpLocks/>
-          </p:cNvCxnSpPr>
+          <p:cNvPr id="4" name="直接连接符 3"/>
+          <p:cNvCxnSpPr/>
           <p:nvPr/>
         </p:nvCxnSpPr>
         <p:spPr>
@@ -5113,13 +7404,7 @@
       </p:cxnSp>
       <p:sp>
         <p:nvSpPr>
-          <p:cNvPr id="5" name="文本框 4">
-            <a:extLst>
-              <a:ext uri="{FF2B5EF4-FFF2-40B4-BE49-F238E27FC236}">
-                <a16:creationId xmlns:a16="http://schemas.microsoft.com/office/drawing/2014/main" id="{D00C97CD-8BD9-457E-8E14-4E6B38735A18}"/>
-              </a:ext>
-            </a:extLst>
-          </p:cNvPr>
+          <p:cNvPr id="5" name="文本框 4"/>
           <p:cNvSpPr txBox="1"/>
           <p:nvPr/>
         </p:nvSpPr>
@@ -5147,18 +7432,17 @@
               </a:rPr>
               <a:t>开发页面组件</a:t>
             </a:r>
-          </a:p>
-        </p:txBody>
-      </p:sp>
-      <p:sp>
-        <p:nvSpPr>
-          <p:cNvPr id="6" name="文本框 5">
-            <a:extLst>
-              <a:ext uri="{FF2B5EF4-FFF2-40B4-BE49-F238E27FC236}">
-                <a16:creationId xmlns:a16="http://schemas.microsoft.com/office/drawing/2014/main" id="{653B01C8-F4EA-402F-8FA2-F1C13D6DD77D}"/>
-              </a:ext>
-            </a:extLst>
-          </p:cNvPr>
+            <a:endParaRPr lang="zh-CN" altLang="en-US" sz="3600" b="1" dirty="0">
+              <a:solidFill>
+                <a:schemeClr val="accent5"/>
+              </a:solidFill>
+            </a:endParaRPr>
+          </a:p>
+        </p:txBody>
+      </p:sp>
+      <p:sp>
+        <p:nvSpPr>
+          <p:cNvPr id="6" name="文本框 5"/>
           <p:cNvSpPr txBox="1"/>
           <p:nvPr/>
         </p:nvSpPr>
@@ -5211,6 +7495,7 @@
               <a:rPr lang="en-US" altLang="zh-CN" sz="1600" b="1" dirty="0"/>
               <a:t>Constructor</a:t>
             </a:r>
+            <a:endParaRPr lang="en-US" altLang="zh-CN" sz="1600" b="1" dirty="0"/>
           </a:p>
           <a:p>
             <a:pPr marL="1200150" lvl="2" indent="-285750">
@@ -5296,6 +7581,7 @@
               <a:rPr lang="en-US" altLang="zh-CN" sz="1600" b="1" dirty="0"/>
               <a:t>ES6</a:t>
             </a:r>
+            <a:endParaRPr lang="en-US" altLang="zh-CN" sz="1600" b="1" dirty="0"/>
           </a:p>
           <a:p>
             <a:pPr marL="1200150" lvl="2" indent="-285750">
@@ -5333,6 +7619,7 @@
               <a:rPr lang="en-US" altLang="zh-CN" sz="1600" b="1" dirty="0"/>
               <a:t>}</a:t>
             </a:r>
+            <a:endParaRPr lang="en-US" altLang="zh-CN" sz="1600" b="1" dirty="0"/>
           </a:p>
           <a:p>
             <a:pPr marL="742950" lvl="1" indent="-285750">
@@ -5429,11 +7716,6 @@
         </p:txBody>
       </p:sp>
     </p:spTree>
-    <p:extLst>
-      <p:ext uri="{BB962C8B-B14F-4D97-AF65-F5344CB8AC3E}">
-        <p14:creationId xmlns:p14="http://schemas.microsoft.com/office/powerpoint/2010/main" val="2435163712"/>
-      </p:ext>
-    </p:extLst>
   </p:cSld>
   <p:clrMapOvr>
     <a:masterClrMapping/>
@@ -5460,16 +7742,8 @@
       </p:grpSpPr>
       <p:cxnSp>
         <p:nvCxnSpPr>
-          <p:cNvPr id="4" name="直接连接符 3">
-            <a:extLst>
-              <a:ext uri="{FF2B5EF4-FFF2-40B4-BE49-F238E27FC236}">
-                <a16:creationId xmlns:a16="http://schemas.microsoft.com/office/drawing/2014/main" id="{155890E7-3555-4335-BF8D-CDAF2B9626F7}"/>
-              </a:ext>
-            </a:extLst>
-          </p:cNvPr>
-          <p:cNvCxnSpPr>
-            <a:cxnSpLocks/>
-          </p:cNvCxnSpPr>
+          <p:cNvPr id="4" name="直接连接符 3"/>
+          <p:cNvCxnSpPr/>
           <p:nvPr/>
         </p:nvCxnSpPr>
         <p:spPr>
@@ -5503,13 +7777,7 @@
       </p:cxnSp>
       <p:sp>
         <p:nvSpPr>
-          <p:cNvPr id="5" name="文本框 4">
-            <a:extLst>
-              <a:ext uri="{FF2B5EF4-FFF2-40B4-BE49-F238E27FC236}">
-                <a16:creationId xmlns:a16="http://schemas.microsoft.com/office/drawing/2014/main" id="{D00C97CD-8BD9-457E-8E14-4E6B38735A18}"/>
-              </a:ext>
-            </a:extLst>
-          </p:cNvPr>
+          <p:cNvPr id="5" name="文本框 4"/>
           <p:cNvSpPr txBox="1"/>
           <p:nvPr/>
         </p:nvSpPr>
@@ -5537,25 +7805,24 @@
               </a:rPr>
               <a:t>挂载组件</a:t>
             </a:r>
-          </a:p>
-        </p:txBody>
-      </p:sp>
-      <p:sp>
-        <p:nvSpPr>
-          <p:cNvPr id="6" name="文本框 5">
-            <a:extLst>
-              <a:ext uri="{FF2B5EF4-FFF2-40B4-BE49-F238E27FC236}">
-                <a16:creationId xmlns:a16="http://schemas.microsoft.com/office/drawing/2014/main" id="{653B01C8-F4EA-402F-8FA2-F1C13D6DD77D}"/>
-              </a:ext>
-            </a:extLst>
-          </p:cNvPr>
+            <a:endParaRPr lang="zh-CN" altLang="en-US" sz="3600" b="1" dirty="0">
+              <a:solidFill>
+                <a:schemeClr val="accent5"/>
+              </a:solidFill>
+            </a:endParaRPr>
+          </a:p>
+        </p:txBody>
+      </p:sp>
+      <p:sp>
+        <p:nvSpPr>
+          <p:cNvPr id="6" name="文本框 5"/>
           <p:cNvSpPr txBox="1"/>
           <p:nvPr/>
         </p:nvSpPr>
         <p:spPr>
           <a:xfrm>
             <a:off x="1596000" y="1466781"/>
-            <a:ext cx="8537816" cy="4129336"/>
+            <a:ext cx="8537816" cy="5123180"/>
           </a:xfrm>
           <a:prstGeom prst="rect">
             <a:avLst/>
@@ -5593,6 +7860,7 @@
               <a:rPr lang="en-US" altLang="zh-CN" sz="2400" b="1" dirty="0"/>
               <a:t>new</a:t>
             </a:r>
+            <a:endParaRPr lang="en-US" altLang="zh-CN" sz="2400" b="1" dirty="0"/>
           </a:p>
           <a:p>
             <a:pPr marL="742950" lvl="1" indent="-285750">
@@ -5630,6 +7898,16 @@
               <a:rPr lang="zh-CN" altLang="en-US" sz="2400" b="1" dirty="0"/>
               <a:t> 传递到组件中</a:t>
             </a:r>
+            <a:endParaRPr lang="zh-CN" altLang="en-US" sz="2400" b="1" dirty="0"/>
+          </a:p>
+          <a:p>
+            <a:pPr marL="742950" lvl="1" indent="-285750">
+              <a:spcAft>
+                <a:spcPts val="1000"/>
+              </a:spcAft>
+              <a:buFont typeface="Arial" panose="020B0604020202020204" pitchFamily="34" charset="0"/>
+              <a:buChar char="•"/>
+            </a:pPr>
             <a:endParaRPr lang="en-US" altLang="zh-CN" sz="2400" b="1" dirty="0"/>
           </a:p>
           <a:p>
@@ -5644,6 +7922,7 @@
               <a:rPr lang="en-US" altLang="zh-CN" sz="2800" b="1" dirty="0"/>
               <a:t>Mount</a:t>
             </a:r>
+            <a:endParaRPr lang="en-US" altLang="zh-CN" sz="2800" b="1" dirty="0"/>
           </a:p>
           <a:p>
             <a:pPr marL="742950" lvl="1" indent="-285750">
@@ -5673,6 +7952,16 @@
               <a:rPr lang="zh-CN" altLang="en-US" sz="2400" b="1" dirty="0"/>
               <a:t>节点上</a:t>
             </a:r>
+            <a:endParaRPr lang="zh-CN" altLang="en-US" sz="2400" b="1" dirty="0"/>
+          </a:p>
+          <a:p>
+            <a:pPr marL="742950" lvl="1" indent="-285750">
+              <a:spcAft>
+                <a:spcPts val="1000"/>
+              </a:spcAft>
+              <a:buFont typeface="Arial" panose="020B0604020202020204" pitchFamily="34" charset="0"/>
+              <a:buChar char="•"/>
+            </a:pPr>
             <a:endParaRPr lang="en-US" altLang="zh-CN" sz="2400" b="1" dirty="0"/>
           </a:p>
           <a:p>
@@ -5755,15 +8044,171 @@
               <a:rPr lang="zh-CN" altLang="en-US" sz="2400" b="1" dirty="0"/>
               <a:t>样式</a:t>
             </a:r>
+            <a:endParaRPr lang="zh-CN" altLang="en-US" sz="2400" b="1" dirty="0"/>
           </a:p>
         </p:txBody>
       </p:sp>
     </p:spTree>
-    <p:extLst>
-      <p:ext uri="{BB962C8B-B14F-4D97-AF65-F5344CB8AC3E}">
-        <p14:creationId xmlns:p14="http://schemas.microsoft.com/office/powerpoint/2010/main" val="622724085"/>
-      </p:ext>
-    </p:extLst>
+  </p:cSld>
+  <p:clrMapOvr>
+    <a:masterClrMapping/>
+  </p:clrMapOvr>
+</p:sld>
+</file>
+
+<file path=ppt/slides/slide18.xml><?xml version="1.0" encoding="utf-8"?>
+<p:sld xmlns:a="http://schemas.openxmlformats.org/drawingml/2006/main" xmlns:r="http://schemas.openxmlformats.org/officeDocument/2006/relationships" xmlns:p="http://schemas.openxmlformats.org/presentationml/2006/main">
+  <p:cSld>
+    <p:spTree>
+      <p:nvGrpSpPr>
+        <p:cNvPr id="1" name=""/>
+        <p:cNvGrpSpPr/>
+        <p:nvPr/>
+      </p:nvGrpSpPr>
+      <p:grpSpPr>
+        <a:xfrm>
+          <a:off x="0" y="0"/>
+          <a:ext cx="0" cy="0"/>
+          <a:chOff x="0" y="0"/>
+          <a:chExt cx="0" cy="0"/>
+        </a:xfrm>
+      </p:grpSpPr>
+      <p:cxnSp>
+        <p:nvCxnSpPr>
+          <p:cNvPr id="4" name="直接连接符 3"/>
+          <p:cNvCxnSpPr/>
+          <p:nvPr/>
+        </p:nvCxnSpPr>
+        <p:spPr>
+          <a:xfrm>
+            <a:off x="1596000" y="1271095"/>
+            <a:ext cx="9000000" cy="0"/>
+          </a:xfrm>
+          <a:prstGeom prst="line">
+            <a:avLst/>
+          </a:prstGeom>
+          <a:ln>
+            <a:solidFill>
+              <a:schemeClr val="accent5"/>
+            </a:solidFill>
+          </a:ln>
+        </p:spPr>
+        <p:style>
+          <a:lnRef idx="3">
+            <a:schemeClr val="accent1"/>
+          </a:lnRef>
+          <a:fillRef idx="0">
+            <a:schemeClr val="accent1"/>
+          </a:fillRef>
+          <a:effectRef idx="2">
+            <a:schemeClr val="accent1"/>
+          </a:effectRef>
+          <a:fontRef idx="minor">
+            <a:schemeClr val="tx1"/>
+          </a:fontRef>
+        </p:style>
+      </p:cxnSp>
+      <p:sp>
+        <p:nvSpPr>
+          <p:cNvPr id="5" name="文本框 4"/>
+          <p:cNvSpPr txBox="1"/>
+          <p:nvPr/>
+        </p:nvSpPr>
+        <p:spPr>
+          <a:xfrm>
+            <a:off x="1530011" y="429079"/>
+            <a:ext cx="3588744" cy="645160"/>
+          </a:xfrm>
+          <a:prstGeom prst="rect">
+            <a:avLst/>
+          </a:prstGeom>
+          <a:noFill/>
+        </p:spPr>
+        <p:txBody>
+          <a:bodyPr wrap="square" rtlCol="0">
+            <a:spAutoFit/>
+          </a:bodyPr>
+          <a:lstStyle/>
+          <a:p>
+            <a:r>
+              <a:rPr lang="zh-CN" altLang="en-US" sz="3600" b="1" dirty="0">
+                <a:solidFill>
+                  <a:schemeClr val="tx1"/>
+                </a:solidFill>
+              </a:rPr>
+              <a:t>项目演示</a:t>
+            </a:r>
+            <a:endParaRPr lang="zh-CN" altLang="en-US" sz="3600" b="1" dirty="0">
+              <a:solidFill>
+                <a:schemeClr val="tx1"/>
+              </a:solidFill>
+            </a:endParaRPr>
+          </a:p>
+        </p:txBody>
+      </p:sp>
+      <p:sp>
+        <p:nvSpPr>
+          <p:cNvPr id="6" name="文本框 5"/>
+          <p:cNvSpPr txBox="1"/>
+          <p:nvPr/>
+        </p:nvSpPr>
+        <p:spPr>
+          <a:xfrm>
+            <a:off x="1596000" y="1466781"/>
+            <a:ext cx="8537816" cy="460375"/>
+          </a:xfrm>
+          <a:prstGeom prst="rect">
+            <a:avLst/>
+          </a:prstGeom>
+          <a:noFill/>
+        </p:spPr>
+        <p:txBody>
+          <a:bodyPr wrap="square" rtlCol="0">
+            <a:spAutoFit/>
+          </a:bodyPr>
+          <a:lstStyle/>
+          <a:p>
+            <a:pPr marL="285750" indent="-285750">
+              <a:spcAft>
+                <a:spcPts val="1000"/>
+              </a:spcAft>
+              <a:buFont typeface="Arial" panose="020B0604020202020204" pitchFamily="34" charset="0"/>
+              <a:buChar char="•"/>
+            </a:pPr>
+            <a:endParaRPr lang="zh-CN" altLang="en-US" sz="2400" b="1" dirty="0"/>
+          </a:p>
+        </p:txBody>
+      </p:sp>
+      <p:sp>
+        <p:nvSpPr>
+          <p:cNvPr id="2" name="文本框 1"/>
+          <p:cNvSpPr txBox="1"/>
+          <p:nvPr/>
+        </p:nvSpPr>
+        <p:spPr>
+          <a:xfrm>
+            <a:off x="3590925" y="3734435"/>
+            <a:ext cx="3724275" cy="768350"/>
+          </a:xfrm>
+          <a:prstGeom prst="rect">
+            <a:avLst/>
+          </a:prstGeom>
+          <a:noFill/>
+        </p:spPr>
+        <p:txBody>
+          <a:bodyPr wrap="none" rtlCol="0">
+            <a:spAutoFit/>
+          </a:bodyPr>
+          <a:p>
+            <a:r>
+              <a:rPr lang="en-US" altLang="zh-CN" sz="4400" b="1"/>
+              <a:t>http://chph.cf</a:t>
+            </a:r>
+            <a:endParaRPr lang="en-US" altLang="zh-CN" sz="4400" b="1"/>
+          </a:p>
+        </p:txBody>
+      </p:sp>
+    </p:spTree>
   </p:cSld>
   <p:clrMapOvr>
     <a:masterClrMapping/>
@@ -5790,16 +8235,8 @@
       </p:grpSpPr>
       <p:cxnSp>
         <p:nvCxnSpPr>
-          <p:cNvPr id="4" name="直接连接符 3">
-            <a:extLst>
-              <a:ext uri="{FF2B5EF4-FFF2-40B4-BE49-F238E27FC236}">
-                <a16:creationId xmlns:a16="http://schemas.microsoft.com/office/drawing/2014/main" id="{155890E7-3555-4335-BF8D-CDAF2B9626F7}"/>
-              </a:ext>
-            </a:extLst>
-          </p:cNvPr>
-          <p:cNvCxnSpPr>
-            <a:cxnSpLocks/>
-          </p:cNvCxnSpPr>
+          <p:cNvPr id="4" name="直接连接符 3"/>
+          <p:cNvCxnSpPr/>
           <p:nvPr/>
         </p:nvCxnSpPr>
         <p:spPr>
@@ -5833,13 +8270,7 @@
       </p:cxnSp>
       <p:sp>
         <p:nvSpPr>
-          <p:cNvPr id="5" name="文本框 4">
-            <a:extLst>
-              <a:ext uri="{FF2B5EF4-FFF2-40B4-BE49-F238E27FC236}">
-                <a16:creationId xmlns:a16="http://schemas.microsoft.com/office/drawing/2014/main" id="{D00C97CD-8BD9-457E-8E14-4E6B38735A18}"/>
-              </a:ext>
-            </a:extLst>
-          </p:cNvPr>
+          <p:cNvPr id="5" name="文本框 4"/>
           <p:cNvSpPr txBox="1"/>
           <p:nvPr/>
         </p:nvSpPr>
@@ -5877,13 +8308,7 @@
       </p:sp>
       <p:sp>
         <p:nvSpPr>
-          <p:cNvPr id="6" name="文本框 5">
-            <a:extLst>
-              <a:ext uri="{FF2B5EF4-FFF2-40B4-BE49-F238E27FC236}">
-                <a16:creationId xmlns:a16="http://schemas.microsoft.com/office/drawing/2014/main" id="{653B01C8-F4EA-402F-8FA2-F1C13D6DD77D}"/>
-              </a:ext>
-            </a:extLst>
-          </p:cNvPr>
+          <p:cNvPr id="6" name="文本框 5"/>
           <p:cNvSpPr txBox="1"/>
           <p:nvPr/>
         </p:nvSpPr>
@@ -5942,15 +8367,40 @@
               <a:rPr lang="zh-CN" altLang="en-US" sz="3200" b="1" dirty="0"/>
               <a:t>项目演示</a:t>
             </a:r>
+            <a:endParaRPr lang="zh-CN" altLang="en-US" sz="3200" b="1" dirty="0"/>
+          </a:p>
+        </p:txBody>
+      </p:sp>
+      <p:sp>
+        <p:nvSpPr>
+          <p:cNvPr id="2" name="文本框 1"/>
+          <p:cNvSpPr txBox="1"/>
+          <p:nvPr/>
+        </p:nvSpPr>
+        <p:spPr>
+          <a:xfrm>
+            <a:off x="7134225" y="5451475"/>
+            <a:ext cx="3724275" cy="768350"/>
+          </a:xfrm>
+          <a:prstGeom prst="rect">
+            <a:avLst/>
+          </a:prstGeom>
+          <a:noFill/>
+        </p:spPr>
+        <p:txBody>
+          <a:bodyPr wrap="none" rtlCol="0">
+            <a:spAutoFit/>
+          </a:bodyPr>
+          <a:p>
+            <a:r>
+              <a:rPr lang="en-US" altLang="zh-CN" sz="4400" b="1"/>
+              <a:t>http://chph.cf</a:t>
+            </a:r>
+            <a:endParaRPr lang="en-US" altLang="zh-CN" sz="4400" b="1"/>
           </a:p>
         </p:txBody>
       </p:sp>
     </p:spTree>
-    <p:extLst>
-      <p:ext uri="{BB962C8B-B14F-4D97-AF65-F5344CB8AC3E}">
-        <p14:creationId xmlns:p14="http://schemas.microsoft.com/office/powerpoint/2010/main" val="3330709949"/>
-      </p:ext>
-    </p:extLst>
   </p:cSld>
   <p:clrMapOvr>
     <a:masterClrMapping/>
@@ -5977,13 +8427,7 @@
       </p:grpSpPr>
       <p:sp>
         <p:nvSpPr>
-          <p:cNvPr id="7" name="文本框 6">
-            <a:extLst>
-              <a:ext uri="{FF2B5EF4-FFF2-40B4-BE49-F238E27FC236}">
-                <a16:creationId xmlns:a16="http://schemas.microsoft.com/office/drawing/2014/main" id="{F61B7AB2-E5DE-4D05-BDB8-AFEFC83F8408}"/>
-              </a:ext>
-            </a:extLst>
-          </p:cNvPr>
+          <p:cNvPr id="7" name="文本框 6"/>
           <p:cNvSpPr txBox="1"/>
           <p:nvPr/>
         </p:nvSpPr>
@@ -6007,15 +8451,11 @@
               <a:rPr lang="zh-CN" altLang="en-US" sz="8000" b="1" dirty="0"/>
               <a:t>进阶功能拓展</a:t>
             </a:r>
+            <a:endParaRPr lang="zh-CN" altLang="en-US" sz="8000" b="1" dirty="0"/>
           </a:p>
         </p:txBody>
       </p:sp>
     </p:spTree>
-    <p:extLst>
-      <p:ext uri="{BB962C8B-B14F-4D97-AF65-F5344CB8AC3E}">
-        <p14:creationId xmlns:p14="http://schemas.microsoft.com/office/powerpoint/2010/main" val="3221490735"/>
-      </p:ext>
-    </p:extLst>
   </p:cSld>
   <p:clrMapOvr>
     <a:masterClrMapping/>
@@ -6042,16 +8482,8 @@
       </p:grpSpPr>
       <p:cxnSp>
         <p:nvCxnSpPr>
-          <p:cNvPr id="2" name="直接连接符 1">
-            <a:extLst>
-              <a:ext uri="{FF2B5EF4-FFF2-40B4-BE49-F238E27FC236}">
-                <a16:creationId xmlns:a16="http://schemas.microsoft.com/office/drawing/2014/main" id="{5854DC6E-46FB-4398-9E4A-0F13B6D562E7}"/>
-              </a:ext>
-            </a:extLst>
-          </p:cNvPr>
-          <p:cNvCxnSpPr>
-            <a:cxnSpLocks/>
-          </p:cNvCxnSpPr>
+          <p:cNvPr id="2" name="直接连接符 1"/>
+          <p:cNvCxnSpPr/>
           <p:nvPr/>
         </p:nvCxnSpPr>
         <p:spPr>
@@ -6085,13 +8517,7 @@
       </p:cxnSp>
       <p:sp>
         <p:nvSpPr>
-          <p:cNvPr id="3" name="文本框 2">
-            <a:extLst>
-              <a:ext uri="{FF2B5EF4-FFF2-40B4-BE49-F238E27FC236}">
-                <a16:creationId xmlns:a16="http://schemas.microsoft.com/office/drawing/2014/main" id="{F888B3C7-CDB7-4D10-88B7-0F4B1DACFC7B}"/>
-              </a:ext>
-            </a:extLst>
-          </p:cNvPr>
+          <p:cNvPr id="3" name="文本框 2"/>
           <p:cNvSpPr txBox="1"/>
           <p:nvPr/>
         </p:nvSpPr>
@@ -6119,25 +8545,24 @@
               </a:rPr>
               <a:t>修改密码</a:t>
             </a:r>
+            <a:endParaRPr lang="zh-CN" altLang="en-US" sz="3600" b="1" dirty="0">
+              <a:solidFill>
+                <a:schemeClr val="accent5"/>
+              </a:solidFill>
+            </a:endParaRPr>
           </a:p>
         </p:txBody>
       </p:sp>
       <p:pic>
         <p:nvPicPr>
-          <p:cNvPr id="6" name="图片 5">
-            <a:extLst>
-              <a:ext uri="{FF2B5EF4-FFF2-40B4-BE49-F238E27FC236}">
-                <a16:creationId xmlns:a16="http://schemas.microsoft.com/office/drawing/2014/main" id="{B453903C-4B08-4603-9195-5B6B08F14636}"/>
-              </a:ext>
-            </a:extLst>
-          </p:cNvPr>
+          <p:cNvPr id="6" name="图片 5"/>
           <p:cNvPicPr>
             <a:picLocks noChangeAspect="1"/>
           </p:cNvPicPr>
           <p:nvPr/>
         </p:nvPicPr>
         <p:blipFill>
-          <a:blip r:embed="rId3">
+          <a:blip r:embed="rId1">
             <a:extLst>
               <a:ext uri="{28A0092B-C50C-407E-A947-70E740481C1C}">
                 <a14:useLocalDpi xmlns:a14="http://schemas.microsoft.com/office/drawing/2010/main" val="0"/>
@@ -6159,11 +8584,6 @@
         </p:spPr>
       </p:pic>
     </p:spTree>
-    <p:extLst>
-      <p:ext uri="{BB962C8B-B14F-4D97-AF65-F5344CB8AC3E}">
-        <p14:creationId xmlns:p14="http://schemas.microsoft.com/office/powerpoint/2010/main" val="992028411"/>
-      </p:ext>
-    </p:extLst>
   </p:cSld>
   <p:clrMapOvr>
     <a:masterClrMapping/>
@@ -6190,16 +8610,8 @@
       </p:grpSpPr>
       <p:cxnSp>
         <p:nvCxnSpPr>
-          <p:cNvPr id="2" name="直接连接符 1">
-            <a:extLst>
-              <a:ext uri="{FF2B5EF4-FFF2-40B4-BE49-F238E27FC236}">
-                <a16:creationId xmlns:a16="http://schemas.microsoft.com/office/drawing/2014/main" id="{5854DC6E-46FB-4398-9E4A-0F13B6D562E7}"/>
-              </a:ext>
-            </a:extLst>
-          </p:cNvPr>
-          <p:cNvCxnSpPr>
-            <a:cxnSpLocks/>
-          </p:cNvCxnSpPr>
+          <p:cNvPr id="2" name="直接连接符 1"/>
+          <p:cNvCxnSpPr/>
           <p:nvPr/>
         </p:nvCxnSpPr>
         <p:spPr>
@@ -6233,13 +8645,7 @@
       </p:cxnSp>
       <p:sp>
         <p:nvSpPr>
-          <p:cNvPr id="3" name="文本框 2">
-            <a:extLst>
-              <a:ext uri="{FF2B5EF4-FFF2-40B4-BE49-F238E27FC236}">
-                <a16:creationId xmlns:a16="http://schemas.microsoft.com/office/drawing/2014/main" id="{F888B3C7-CDB7-4D10-88B7-0F4B1DACFC7B}"/>
-              </a:ext>
-            </a:extLst>
-          </p:cNvPr>
+          <p:cNvPr id="3" name="文本框 2"/>
           <p:cNvSpPr txBox="1"/>
           <p:nvPr/>
         </p:nvSpPr>
@@ -6267,25 +8673,24 @@
               </a:rPr>
               <a:t>购票时查看活动</a:t>
             </a:r>
+            <a:endParaRPr lang="zh-CN" altLang="en-US" sz="3600" b="1" dirty="0">
+              <a:solidFill>
+                <a:schemeClr val="accent5"/>
+              </a:solidFill>
+            </a:endParaRPr>
           </a:p>
         </p:txBody>
       </p:sp>
       <p:pic>
         <p:nvPicPr>
-          <p:cNvPr id="5" name="图片 4">
-            <a:extLst>
-              <a:ext uri="{FF2B5EF4-FFF2-40B4-BE49-F238E27FC236}">
-                <a16:creationId xmlns:a16="http://schemas.microsoft.com/office/drawing/2014/main" id="{9B4AB7A4-9DB8-485F-8478-882DBD624307}"/>
-              </a:ext>
-            </a:extLst>
-          </p:cNvPr>
+          <p:cNvPr id="5" name="图片 4"/>
           <p:cNvPicPr>
             <a:picLocks noChangeAspect="1"/>
           </p:cNvPicPr>
           <p:nvPr/>
         </p:nvPicPr>
         <p:blipFill>
-          <a:blip r:embed="rId2">
+          <a:blip r:embed="rId1">
             <a:extLst>
               <a:ext uri="{28A0092B-C50C-407E-A947-70E740481C1C}">
                 <a14:useLocalDpi xmlns:a14="http://schemas.microsoft.com/office/drawing/2010/main" val="0"/>
@@ -6307,11 +8712,6 @@
         </p:spPr>
       </p:pic>
     </p:spTree>
-    <p:extLst>
-      <p:ext uri="{BB962C8B-B14F-4D97-AF65-F5344CB8AC3E}">
-        <p14:creationId xmlns:p14="http://schemas.microsoft.com/office/powerpoint/2010/main" val="540337619"/>
-      </p:ext>
-    </p:extLst>
   </p:cSld>
   <p:clrMapOvr>
     <a:masterClrMapping/>
@@ -6338,16 +8738,8 @@
       </p:grpSpPr>
       <p:cxnSp>
         <p:nvCxnSpPr>
-          <p:cNvPr id="2" name="直接连接符 1">
-            <a:extLst>
-              <a:ext uri="{FF2B5EF4-FFF2-40B4-BE49-F238E27FC236}">
-                <a16:creationId xmlns:a16="http://schemas.microsoft.com/office/drawing/2014/main" id="{5854DC6E-46FB-4398-9E4A-0F13B6D562E7}"/>
-              </a:ext>
-            </a:extLst>
-          </p:cNvPr>
-          <p:cNvCxnSpPr>
-            <a:cxnSpLocks/>
-          </p:cNvCxnSpPr>
+          <p:cNvPr id="2" name="直接连接符 1"/>
+          <p:cNvCxnSpPr/>
           <p:nvPr/>
         </p:nvCxnSpPr>
         <p:spPr>
@@ -6381,13 +8773,7 @@
       </p:cxnSp>
       <p:sp>
         <p:nvSpPr>
-          <p:cNvPr id="3" name="文本框 2">
-            <a:extLst>
-              <a:ext uri="{FF2B5EF4-FFF2-40B4-BE49-F238E27FC236}">
-                <a16:creationId xmlns:a16="http://schemas.microsoft.com/office/drawing/2014/main" id="{F888B3C7-CDB7-4D10-88B7-0F4B1DACFC7B}"/>
-              </a:ext>
-            </a:extLst>
-          </p:cNvPr>
+          <p:cNvPr id="3" name="文本框 2"/>
           <p:cNvSpPr txBox="1"/>
           <p:nvPr/>
         </p:nvSpPr>
@@ -6415,18 +8801,47 @@
               </a:rPr>
               <a:t>拦截器</a:t>
             </a:r>
+            <a:endParaRPr lang="zh-CN" altLang="en-US" sz="3600" b="1" dirty="0">
+              <a:solidFill>
+                <a:schemeClr val="accent5"/>
+              </a:solidFill>
+            </a:endParaRPr>
           </a:p>
         </p:txBody>
       </p:sp>
       <p:pic>
         <p:nvPicPr>
-          <p:cNvPr id="8" name="图片 7">
+          <p:cNvPr id="8" name="图片 7"/>
+          <p:cNvPicPr>
+            <a:picLocks noChangeAspect="1"/>
+          </p:cNvPicPr>
+          <p:nvPr/>
+        </p:nvPicPr>
+        <p:blipFill>
+          <a:blip r:embed="rId1">
             <a:extLst>
-              <a:ext uri="{FF2B5EF4-FFF2-40B4-BE49-F238E27FC236}">
-                <a16:creationId xmlns:a16="http://schemas.microsoft.com/office/drawing/2014/main" id="{3D514F9C-4A26-42EE-AD46-ABD6941903BB}"/>
+              <a:ext uri="{28A0092B-C50C-407E-A947-70E740481C1C}">
+                <a14:useLocalDpi xmlns:a14="http://schemas.microsoft.com/office/drawing/2010/main" val="0"/>
               </a:ext>
             </a:extLst>
-          </p:cNvPr>
+          </a:blip>
+          <a:stretch>
+            <a:fillRect/>
+          </a:stretch>
+        </p:blipFill>
+        <p:spPr>
+          <a:xfrm>
+            <a:off x="812393" y="2595658"/>
+            <a:ext cx="10567214" cy="2313416"/>
+          </a:xfrm>
+          <a:prstGeom prst="rect">
+            <a:avLst/>
+          </a:prstGeom>
+        </p:spPr>
+      </p:pic>
+      <p:pic>
+        <p:nvPicPr>
+          <p:cNvPr id="10" name="图片 9"/>
           <p:cNvPicPr>
             <a:picLocks noChangeAspect="1"/>
           </p:cNvPicPr>
@@ -6446,8 +8861,8 @@
         </p:blipFill>
         <p:spPr>
           <a:xfrm>
-            <a:off x="812393" y="2595658"/>
-            <a:ext cx="10567214" cy="2313416"/>
+            <a:off x="1405021" y="2231481"/>
+            <a:ext cx="9381956" cy="3061669"/>
           </a:xfrm>
           <a:prstGeom prst="rect">
             <a:avLst/>
@@ -6456,13 +8871,7 @@
       </p:pic>
       <p:pic>
         <p:nvPicPr>
-          <p:cNvPr id="10" name="图片 9">
-            <a:extLst>
-              <a:ext uri="{FF2B5EF4-FFF2-40B4-BE49-F238E27FC236}">
-                <a16:creationId xmlns:a16="http://schemas.microsoft.com/office/drawing/2014/main" id="{67B1A751-85E2-4C20-AE74-94D862FD8F7F}"/>
-              </a:ext>
-            </a:extLst>
-          </p:cNvPr>
+          <p:cNvPr id="6" name="图片 5"/>
           <p:cNvPicPr>
             <a:picLocks noChangeAspect="1"/>
           </p:cNvPicPr>
@@ -6482,56 +8891,15 @@
         </p:blipFill>
         <p:spPr>
           <a:xfrm>
-            <a:off x="1405021" y="2231481"/>
-            <a:ext cx="9381956" cy="3061669"/>
+            <a:off x="1773182" y="2088966"/>
+            <a:ext cx="8645634" cy="3346697"/>
           </a:xfrm>
           <a:prstGeom prst="rect">
             <a:avLst/>
           </a:prstGeom>
         </p:spPr>
       </p:pic>
-      <p:pic>
-        <p:nvPicPr>
-          <p:cNvPr id="6" name="图片 5">
-            <a:extLst>
-              <a:ext uri="{FF2B5EF4-FFF2-40B4-BE49-F238E27FC236}">
-                <a16:creationId xmlns:a16="http://schemas.microsoft.com/office/drawing/2014/main" id="{CA0722A6-E816-427B-AEDE-69F166D6BCCD}"/>
-              </a:ext>
-            </a:extLst>
-          </p:cNvPr>
-          <p:cNvPicPr>
-            <a:picLocks noChangeAspect="1"/>
-          </p:cNvPicPr>
-          <p:nvPr/>
-        </p:nvPicPr>
-        <p:blipFill>
-          <a:blip r:embed="rId4">
-            <a:extLst>
-              <a:ext uri="{28A0092B-C50C-407E-A947-70E740481C1C}">
-                <a14:useLocalDpi xmlns:a14="http://schemas.microsoft.com/office/drawing/2010/main" val="0"/>
-              </a:ext>
-            </a:extLst>
-          </a:blip>
-          <a:stretch>
-            <a:fillRect/>
-          </a:stretch>
-        </p:blipFill>
-        <p:spPr>
-          <a:xfrm>
-            <a:off x="1773182" y="2088966"/>
-            <a:ext cx="8645634" cy="3346697"/>
-          </a:xfrm>
-          <a:prstGeom prst="rect">
-            <a:avLst/>
-          </a:prstGeom>
-        </p:spPr>
-      </p:pic>
     </p:spTree>
-    <p:extLst>
-      <p:ext uri="{BB962C8B-B14F-4D97-AF65-F5344CB8AC3E}">
-        <p14:creationId xmlns:p14="http://schemas.microsoft.com/office/powerpoint/2010/main" val="3377260270"/>
-      </p:ext>
-    </p:extLst>
   </p:cSld>
   <p:clrMapOvr>
     <a:masterClrMapping/>
@@ -6853,16 +9221,8 @@
       </p:grpSpPr>
       <p:cxnSp>
         <p:nvCxnSpPr>
-          <p:cNvPr id="2" name="直接连接符 1">
-            <a:extLst>
-              <a:ext uri="{FF2B5EF4-FFF2-40B4-BE49-F238E27FC236}">
-                <a16:creationId xmlns:a16="http://schemas.microsoft.com/office/drawing/2014/main" id="{D8A0343E-680C-466B-A3B2-CDC36FE1752F}"/>
-              </a:ext>
-            </a:extLst>
-          </p:cNvPr>
-          <p:cNvCxnSpPr>
-            <a:cxnSpLocks/>
-          </p:cNvCxnSpPr>
+          <p:cNvPr id="2" name="直接连接符 1"/>
+          <p:cNvCxnSpPr/>
           <p:nvPr/>
         </p:nvCxnSpPr>
         <p:spPr>
@@ -6896,13 +9256,7 @@
       </p:cxnSp>
       <p:sp>
         <p:nvSpPr>
-          <p:cNvPr id="3" name="文本框 2">
-            <a:extLst>
-              <a:ext uri="{FF2B5EF4-FFF2-40B4-BE49-F238E27FC236}">
-                <a16:creationId xmlns:a16="http://schemas.microsoft.com/office/drawing/2014/main" id="{FB426964-0A0F-4981-A990-50A7C76FEAF7}"/>
-              </a:ext>
-            </a:extLst>
-          </p:cNvPr>
+          <p:cNvPr id="3" name="文本框 2"/>
           <p:cNvSpPr txBox="1"/>
           <p:nvPr/>
         </p:nvSpPr>
@@ -6930,25 +9284,24 @@
               </a:rPr>
               <a:t>用户首页</a:t>
             </a:r>
+            <a:endParaRPr lang="zh-CN" altLang="en-US" sz="3600" b="1" dirty="0">
+              <a:solidFill>
+                <a:schemeClr val="accent5"/>
+              </a:solidFill>
+            </a:endParaRPr>
           </a:p>
         </p:txBody>
       </p:sp>
       <p:pic>
         <p:nvPicPr>
-          <p:cNvPr id="5" name="图片 4">
-            <a:extLst>
-              <a:ext uri="{FF2B5EF4-FFF2-40B4-BE49-F238E27FC236}">
-                <a16:creationId xmlns:a16="http://schemas.microsoft.com/office/drawing/2014/main" id="{7ECD8C7E-6976-4033-BA3F-3A06838B1CBB}"/>
-              </a:ext>
-            </a:extLst>
-          </p:cNvPr>
+          <p:cNvPr id="5" name="图片 4"/>
           <p:cNvPicPr>
             <a:picLocks noChangeAspect="1"/>
           </p:cNvPicPr>
           <p:nvPr/>
         </p:nvPicPr>
         <p:blipFill>
-          <a:blip r:embed="rId2">
+          <a:blip r:embed="rId1">
             <a:extLst>
               <a:ext uri="{28A0092B-C50C-407E-A947-70E740481C1C}">
                 <a14:useLocalDpi xmlns:a14="http://schemas.microsoft.com/office/drawing/2010/main" val="0"/>
@@ -6970,11 +9323,6 @@
         </p:spPr>
       </p:pic>
     </p:spTree>
-    <p:extLst>
-      <p:ext uri="{BB962C8B-B14F-4D97-AF65-F5344CB8AC3E}">
-        <p14:creationId xmlns:p14="http://schemas.microsoft.com/office/powerpoint/2010/main" val="3952102024"/>
-      </p:ext>
-    </p:extLst>
   </p:cSld>
   <p:clrMapOvr>
     <a:masterClrMapping/>
@@ -7001,16 +9349,8 @@
       </p:grpSpPr>
       <p:cxnSp>
         <p:nvCxnSpPr>
-          <p:cNvPr id="2" name="直接连接符 1">
-            <a:extLst>
-              <a:ext uri="{FF2B5EF4-FFF2-40B4-BE49-F238E27FC236}">
-                <a16:creationId xmlns:a16="http://schemas.microsoft.com/office/drawing/2014/main" id="{5854DC6E-46FB-4398-9E4A-0F13B6D562E7}"/>
-              </a:ext>
-            </a:extLst>
-          </p:cNvPr>
-          <p:cNvCxnSpPr>
-            <a:cxnSpLocks/>
-          </p:cNvCxnSpPr>
+          <p:cNvPr id="2" name="直接连接符 1"/>
+          <p:cNvCxnSpPr/>
           <p:nvPr/>
         </p:nvCxnSpPr>
         <p:spPr>
@@ -7044,13 +9384,7 @@
       </p:cxnSp>
       <p:sp>
         <p:nvSpPr>
-          <p:cNvPr id="3" name="文本框 2">
-            <a:extLst>
-              <a:ext uri="{FF2B5EF4-FFF2-40B4-BE49-F238E27FC236}">
-                <a16:creationId xmlns:a16="http://schemas.microsoft.com/office/drawing/2014/main" id="{F888B3C7-CDB7-4D10-88B7-0F4B1DACFC7B}"/>
-              </a:ext>
-            </a:extLst>
-          </p:cNvPr>
+          <p:cNvPr id="3" name="文本框 2"/>
           <p:cNvSpPr txBox="1"/>
           <p:nvPr/>
         </p:nvSpPr>
@@ -7078,18 +9412,47 @@
               </a:rPr>
               <a:t>抽奖</a:t>
             </a:r>
+            <a:endParaRPr lang="zh-CN" altLang="en-US" sz="3600" b="1" dirty="0">
+              <a:solidFill>
+                <a:schemeClr val="accent5"/>
+              </a:solidFill>
+            </a:endParaRPr>
           </a:p>
         </p:txBody>
       </p:sp>
       <p:pic>
         <p:nvPicPr>
-          <p:cNvPr id="6" name="图片 5">
+          <p:cNvPr id="6" name="图片 5"/>
+          <p:cNvPicPr>
+            <a:picLocks noChangeAspect="1"/>
+          </p:cNvPicPr>
+          <p:nvPr/>
+        </p:nvPicPr>
+        <p:blipFill>
+          <a:blip r:embed="rId1">
             <a:extLst>
-              <a:ext uri="{FF2B5EF4-FFF2-40B4-BE49-F238E27FC236}">
-                <a16:creationId xmlns:a16="http://schemas.microsoft.com/office/drawing/2014/main" id="{E1AEB97C-1816-4F9E-BF33-A09D055B68A0}"/>
+              <a:ext uri="{28A0092B-C50C-407E-A947-70E740481C1C}">
+                <a14:useLocalDpi xmlns:a14="http://schemas.microsoft.com/office/drawing/2010/main" val="0"/>
               </a:ext>
             </a:extLst>
-          </p:cNvPr>
+          </a:blip>
+          <a:stretch>
+            <a:fillRect/>
+          </a:stretch>
+        </p:blipFill>
+        <p:spPr>
+          <a:xfrm>
+            <a:off x="1143000" y="1769415"/>
+            <a:ext cx="9906000" cy="4343400"/>
+          </a:xfrm>
+          <a:prstGeom prst="rect">
+            <a:avLst/>
+          </a:prstGeom>
+        </p:spPr>
+      </p:pic>
+      <p:pic>
+        <p:nvPicPr>
+          <p:cNvPr id="8" name="图片 7"/>
           <p:cNvPicPr>
             <a:picLocks noChangeAspect="1"/>
           </p:cNvPicPr>
@@ -7109,56 +9472,15 @@
         </p:blipFill>
         <p:spPr>
           <a:xfrm>
-            <a:off x="1143000" y="1769415"/>
-            <a:ext cx="9906000" cy="4343400"/>
+            <a:off x="350520" y="855015"/>
+            <a:ext cx="11490960" cy="5257800"/>
           </a:xfrm>
           <a:prstGeom prst="rect">
             <a:avLst/>
           </a:prstGeom>
         </p:spPr>
       </p:pic>
-      <p:pic>
-        <p:nvPicPr>
-          <p:cNvPr id="8" name="图片 7">
-            <a:extLst>
-              <a:ext uri="{FF2B5EF4-FFF2-40B4-BE49-F238E27FC236}">
-                <a16:creationId xmlns:a16="http://schemas.microsoft.com/office/drawing/2014/main" id="{41E53C9D-71BE-462C-A5B9-8EA7861D5183}"/>
-              </a:ext>
-            </a:extLst>
-          </p:cNvPr>
-          <p:cNvPicPr>
-            <a:picLocks noChangeAspect="1"/>
-          </p:cNvPicPr>
-          <p:nvPr/>
-        </p:nvPicPr>
-        <p:blipFill>
-          <a:blip r:embed="rId3">
-            <a:extLst>
-              <a:ext uri="{28A0092B-C50C-407E-A947-70E740481C1C}">
-                <a14:useLocalDpi xmlns:a14="http://schemas.microsoft.com/office/drawing/2010/main" val="0"/>
-              </a:ext>
-            </a:extLst>
-          </a:blip>
-          <a:stretch>
-            <a:fillRect/>
-          </a:stretch>
-        </p:blipFill>
-        <p:spPr>
-          <a:xfrm>
-            <a:off x="350520" y="855015"/>
-            <a:ext cx="11490960" cy="5257800"/>
-          </a:xfrm>
-          <a:prstGeom prst="rect">
-            <a:avLst/>
-          </a:prstGeom>
-        </p:spPr>
-      </p:pic>
     </p:spTree>
-    <p:extLst>
-      <p:ext uri="{BB962C8B-B14F-4D97-AF65-F5344CB8AC3E}">
-        <p14:creationId xmlns:p14="http://schemas.microsoft.com/office/powerpoint/2010/main" val="4226871626"/>
-      </p:ext>
-    </p:extLst>
   </p:cSld>
   <p:clrMapOvr>
     <a:masterClrMapping/>
@@ -7260,13 +9582,7 @@
       </p:grpSpPr>
       <p:sp>
         <p:nvSpPr>
-          <p:cNvPr id="7" name="文本框 6">
-            <a:extLst>
-              <a:ext uri="{FF2B5EF4-FFF2-40B4-BE49-F238E27FC236}">
-                <a16:creationId xmlns:a16="http://schemas.microsoft.com/office/drawing/2014/main" id="{F61B7AB2-E5DE-4D05-BDB8-AFEFC83F8408}"/>
-              </a:ext>
-            </a:extLst>
-          </p:cNvPr>
+          <p:cNvPr id="7" name="文本框 6"/>
           <p:cNvSpPr txBox="1"/>
           <p:nvPr/>
         </p:nvSpPr>
@@ -7290,15 +9606,11 @@
               <a:rPr lang="zh-CN" altLang="en-US" sz="8000" b="1" dirty="0"/>
               <a:t>组件化开发</a:t>
             </a:r>
+            <a:endParaRPr lang="zh-CN" altLang="en-US" sz="8000" b="1" dirty="0"/>
           </a:p>
         </p:txBody>
       </p:sp>
     </p:spTree>
-    <p:extLst>
-      <p:ext uri="{BB962C8B-B14F-4D97-AF65-F5344CB8AC3E}">
-        <p14:creationId xmlns:p14="http://schemas.microsoft.com/office/powerpoint/2010/main" val="2989428129"/>
-      </p:ext>
-    </p:extLst>
   </p:cSld>
   <p:clrMapOvr>
     <a:masterClrMapping/>
@@ -7349,7 +9661,7 @@
     </a:clrScheme>
     <a:fontScheme name="Office">
       <a:majorFont>
-        <a:latin typeface="等线 Light" panose="020F0302020204030204"/>
+        <a:latin typeface="等线 Light"/>
         <a:ea typeface=""/>
         <a:cs typeface=""/>
         <a:font script="Jpan" typeface="游ゴシック Light"/>
@@ -7382,26 +9694,9 @@
         <a:font script="Viet" typeface="Times New Roman"/>
         <a:font script="Uigh" typeface="Microsoft Uighur"/>
         <a:font script="Geor" typeface="Sylfaen"/>
-        <a:font script="Armn" typeface="Arial"/>
-        <a:font script="Bugi" typeface="Leelawadee UI"/>
-        <a:font script="Bopo" typeface="Microsoft JhengHei"/>
-        <a:font script="Java" typeface="Javanese Text"/>
-        <a:font script="Lisu" typeface="Segoe UI"/>
-        <a:font script="Mymr" typeface="Myanmar Text"/>
-        <a:font script="Nkoo" typeface="Ebrima"/>
-        <a:font script="Olck" typeface="Nirmala UI"/>
-        <a:font script="Osma" typeface="Ebrima"/>
-        <a:font script="Phag" typeface="Phagspa"/>
-        <a:font script="Syrn" typeface="Estrangelo Edessa"/>
-        <a:font script="Syrj" typeface="Estrangelo Edessa"/>
-        <a:font script="Syre" typeface="Estrangelo Edessa"/>
-        <a:font script="Sora" typeface="Nirmala UI"/>
-        <a:font script="Tale" typeface="Microsoft Tai Le"/>
-        <a:font script="Talu" typeface="Microsoft New Tai Lue"/>
-        <a:font script="Tfng" typeface="Ebrima"/>
       </a:majorFont>
       <a:minorFont>
-        <a:latin typeface="等线" panose="020F0502020204030204"/>
+        <a:latin typeface="等线"/>
         <a:ea typeface=""/>
         <a:cs typeface=""/>
         <a:font script="Jpan" typeface="游ゴシック"/>
@@ -7434,23 +9729,6 @@
         <a:font script="Viet" typeface="Arial"/>
         <a:font script="Uigh" typeface="Microsoft Uighur"/>
         <a:font script="Geor" typeface="Sylfaen"/>
-        <a:font script="Armn" typeface="Arial"/>
-        <a:font script="Bugi" typeface="Leelawadee UI"/>
-        <a:font script="Bopo" typeface="Microsoft JhengHei"/>
-        <a:font script="Java" typeface="Javanese Text"/>
-        <a:font script="Lisu" typeface="Segoe UI"/>
-        <a:font script="Mymr" typeface="Myanmar Text"/>
-        <a:font script="Nkoo" typeface="Ebrima"/>
-        <a:font script="Olck" typeface="Nirmala UI"/>
-        <a:font script="Osma" typeface="Ebrima"/>
-        <a:font script="Phag" typeface="Phagspa"/>
-        <a:font script="Syrn" typeface="Estrangelo Edessa"/>
-        <a:font script="Syrj" typeface="Estrangelo Edessa"/>
-        <a:font script="Syre" typeface="Estrangelo Edessa"/>
-        <a:font script="Sora" typeface="Nirmala UI"/>
-        <a:font script="Tale" typeface="Microsoft Tai Le"/>
-        <a:font script="Talu" typeface="Microsoft New Tai Lue"/>
-        <a:font script="Tfng" typeface="Ebrima"/>
       </a:minorFont>
     </a:fontScheme>
     <a:fmtScheme name="Office">
@@ -7591,8 +9869,6 @@
       </a:bgFillStyleLst>
     </a:fmtScheme>
   </a:themeElements>
-  <a:objectDefaults/>
-  <a:extraClrSchemeLst/>
   <a:extLst>
     <a:ext uri="{05A4C25C-085E-4340-85A3-A5531E510DB2}">
       <thm15:themeFamily xmlns:thm15="http://schemas.microsoft.com/office/thememl/2012/main" name="Office Theme" id="{62F939B6-93AF-4DB8-9C6B-D6C7DFDC589F}" vid="{4A3C46E8-61CC-4603-A589-7422A47A8E4A}"/>
@@ -7602,7 +9878,7 @@
 </file>
 
 <file path=ppt/theme/theme2.xml><?xml version="1.0" encoding="utf-8"?>
-<a:theme xmlns:a="http://schemas.openxmlformats.org/drawingml/2006/main" name="Office 主题​​">
+<a:theme xmlns:a="http://schemas.openxmlformats.org/drawingml/2006/main" name="1_Office 主题​​">
   <a:themeElements>
     <a:clrScheme name="Office">
       <a:dk1>
@@ -7644,7 +9920,7 @@
     </a:clrScheme>
     <a:fontScheme name="Office">
       <a:majorFont>
-        <a:latin typeface="等线 Light" panose="020F0302020204030204"/>
+        <a:latin typeface="等线 Light"/>
         <a:ea typeface=""/>
         <a:cs typeface=""/>
         <a:font script="Jpan" typeface="游ゴシック Light"/>
@@ -7677,26 +9953,9 @@
         <a:font script="Viet" typeface="Times New Roman"/>
         <a:font script="Uigh" typeface="Microsoft Uighur"/>
         <a:font script="Geor" typeface="Sylfaen"/>
-        <a:font script="Armn" typeface="Arial"/>
-        <a:font script="Bugi" typeface="Leelawadee UI"/>
-        <a:font script="Bopo" typeface="Microsoft JhengHei"/>
-        <a:font script="Java" typeface="Javanese Text"/>
-        <a:font script="Lisu" typeface="Segoe UI"/>
-        <a:font script="Mymr" typeface="Myanmar Text"/>
-        <a:font script="Nkoo" typeface="Ebrima"/>
-        <a:font script="Olck" typeface="Nirmala UI"/>
-        <a:font script="Osma" typeface="Ebrima"/>
-        <a:font script="Phag" typeface="Phagspa"/>
-        <a:font script="Syrn" typeface="Estrangelo Edessa"/>
-        <a:font script="Syrj" typeface="Estrangelo Edessa"/>
-        <a:font script="Syre" typeface="Estrangelo Edessa"/>
-        <a:font script="Sora" typeface="Nirmala UI"/>
-        <a:font script="Tale" typeface="Microsoft Tai Le"/>
-        <a:font script="Talu" typeface="Microsoft New Tai Lue"/>
-        <a:font script="Tfng" typeface="Ebrima"/>
       </a:majorFont>
       <a:minorFont>
-        <a:latin typeface="等线" panose="020F0502020204030204"/>
+        <a:latin typeface="等线"/>
         <a:ea typeface=""/>
         <a:cs typeface=""/>
         <a:font script="Jpan" typeface="游ゴシック"/>
@@ -7729,23 +9988,6 @@
         <a:font script="Viet" typeface="Arial"/>
         <a:font script="Uigh" typeface="Microsoft Uighur"/>
         <a:font script="Geor" typeface="Sylfaen"/>
-        <a:font script="Armn" typeface="Arial"/>
-        <a:font script="Bugi" typeface="Leelawadee UI"/>
-        <a:font script="Bopo" typeface="Microsoft JhengHei"/>
-        <a:font script="Java" typeface="Javanese Text"/>
-        <a:font script="Lisu" typeface="Segoe UI"/>
-        <a:font script="Mymr" typeface="Myanmar Text"/>
-        <a:font script="Nkoo" typeface="Ebrima"/>
-        <a:font script="Olck" typeface="Nirmala UI"/>
-        <a:font script="Osma" typeface="Ebrima"/>
-        <a:font script="Phag" typeface="Phagspa"/>
-        <a:font script="Syrn" typeface="Estrangelo Edessa"/>
-        <a:font script="Syrj" typeface="Estrangelo Edessa"/>
-        <a:font script="Syre" typeface="Estrangelo Edessa"/>
-        <a:font script="Sora" typeface="Nirmala UI"/>
-        <a:font script="Tale" typeface="Microsoft Tai Le"/>
-        <a:font script="Talu" typeface="Microsoft New Tai Lue"/>
-        <a:font script="Tfng" typeface="Ebrima"/>
       </a:minorFont>
     </a:fontScheme>
     <a:fmtScheme name="Office">
@@ -7886,8 +10128,265 @@
       </a:bgFillStyleLst>
     </a:fmtScheme>
   </a:themeElements>
-  <a:objectDefaults/>
-  <a:extraClrSchemeLst/>
+  <a:extLst>
+    <a:ext uri="{05A4C25C-085E-4340-85A3-A5531E510DB2}">
+      <thm15:themeFamily xmlns:thm15="http://schemas.microsoft.com/office/thememl/2012/main" name="Office Theme" id="{62F939B6-93AF-4DB8-9C6B-D6C7DFDC589F}" vid="{4A3C46E8-61CC-4603-A589-7422A47A8E4A}"/>
+    </a:ext>
+  </a:extLst>
+</a:theme>
+</file>
+
+<file path=ppt/theme/theme3.xml><?xml version="1.0" encoding="utf-8"?>
+<a:theme xmlns:a="http://schemas.openxmlformats.org/drawingml/2006/main" name="Office 主题​​">
+  <a:themeElements>
+    <a:clrScheme name="Office">
+      <a:dk1>
+        <a:sysClr val="windowText" lastClr="000000"/>
+      </a:dk1>
+      <a:lt1>
+        <a:sysClr val="window" lastClr="FFFFFF"/>
+      </a:lt1>
+      <a:dk2>
+        <a:srgbClr val="44546A"/>
+      </a:dk2>
+      <a:lt2>
+        <a:srgbClr val="E7E6E6"/>
+      </a:lt2>
+      <a:accent1>
+        <a:srgbClr val="4472C4"/>
+      </a:accent1>
+      <a:accent2>
+        <a:srgbClr val="ED7D31"/>
+      </a:accent2>
+      <a:accent3>
+        <a:srgbClr val="A5A5A5"/>
+      </a:accent3>
+      <a:accent4>
+        <a:srgbClr val="FFC000"/>
+      </a:accent4>
+      <a:accent5>
+        <a:srgbClr val="5B9BD5"/>
+      </a:accent5>
+      <a:accent6>
+        <a:srgbClr val="70AD47"/>
+      </a:accent6>
+      <a:hlink>
+        <a:srgbClr val="0563C1"/>
+      </a:hlink>
+      <a:folHlink>
+        <a:srgbClr val="954F72"/>
+      </a:folHlink>
+    </a:clrScheme>
+    <a:fontScheme name="Office">
+      <a:majorFont>
+        <a:latin typeface="等线 Light"/>
+        <a:ea typeface=""/>
+        <a:cs typeface=""/>
+        <a:font script="Jpan" typeface="游ゴシック Light"/>
+        <a:font script="Hang" typeface="맑은 고딕"/>
+        <a:font script="Hans" typeface="等线 Light"/>
+        <a:font script="Hant" typeface="新細明體"/>
+        <a:font script="Arab" typeface="Times New Roman"/>
+        <a:font script="Hebr" typeface="Times New Roman"/>
+        <a:font script="Thai" typeface="Angsana New"/>
+        <a:font script="Ethi" typeface="Nyala"/>
+        <a:font script="Beng" typeface="Vrinda"/>
+        <a:font script="Gujr" typeface="Shruti"/>
+        <a:font script="Khmr" typeface="MoolBoran"/>
+        <a:font script="Knda" typeface="Tunga"/>
+        <a:font script="Guru" typeface="Raavi"/>
+        <a:font script="Cans" typeface="Euphemia"/>
+        <a:font script="Cher" typeface="Plantagenet Cherokee"/>
+        <a:font script="Yiii" typeface="Microsoft Yi Baiti"/>
+        <a:font script="Tibt" typeface="Microsoft Himalaya"/>
+        <a:font script="Thaa" typeface="MV Boli"/>
+        <a:font script="Deva" typeface="Mangal"/>
+        <a:font script="Telu" typeface="Gautami"/>
+        <a:font script="Taml" typeface="Latha"/>
+        <a:font script="Syrc" typeface="Estrangelo Edessa"/>
+        <a:font script="Orya" typeface="Kalinga"/>
+        <a:font script="Mlym" typeface="Kartika"/>
+        <a:font script="Laoo" typeface="DokChampa"/>
+        <a:font script="Sinh" typeface="Iskoola Pota"/>
+        <a:font script="Mong" typeface="Mongolian Baiti"/>
+        <a:font script="Viet" typeface="Times New Roman"/>
+        <a:font script="Uigh" typeface="Microsoft Uighur"/>
+        <a:font script="Geor" typeface="Sylfaen"/>
+      </a:majorFont>
+      <a:minorFont>
+        <a:latin typeface="等线"/>
+        <a:ea typeface=""/>
+        <a:cs typeface=""/>
+        <a:font script="Jpan" typeface="游ゴシック"/>
+        <a:font script="Hang" typeface="맑은 고딕"/>
+        <a:font script="Hans" typeface="等线"/>
+        <a:font script="Hant" typeface="新細明體"/>
+        <a:font script="Arab" typeface="Arial"/>
+        <a:font script="Hebr" typeface="Arial"/>
+        <a:font script="Thai" typeface="Cordia New"/>
+        <a:font script="Ethi" typeface="Nyala"/>
+        <a:font script="Beng" typeface="Vrinda"/>
+        <a:font script="Gujr" typeface="Shruti"/>
+        <a:font script="Khmr" typeface="DaunPenh"/>
+        <a:font script="Knda" typeface="Tunga"/>
+        <a:font script="Guru" typeface="Raavi"/>
+        <a:font script="Cans" typeface="Euphemia"/>
+        <a:font script="Cher" typeface="Plantagenet Cherokee"/>
+        <a:font script="Yiii" typeface="Microsoft Yi Baiti"/>
+        <a:font script="Tibt" typeface="Microsoft Himalaya"/>
+        <a:font script="Thaa" typeface="MV Boli"/>
+        <a:font script="Deva" typeface="Mangal"/>
+        <a:font script="Telu" typeface="Gautami"/>
+        <a:font script="Taml" typeface="Latha"/>
+        <a:font script="Syrc" typeface="Estrangelo Edessa"/>
+        <a:font script="Orya" typeface="Kalinga"/>
+        <a:font script="Mlym" typeface="Kartika"/>
+        <a:font script="Laoo" typeface="DokChampa"/>
+        <a:font script="Sinh" typeface="Iskoola Pota"/>
+        <a:font script="Mong" typeface="Mongolian Baiti"/>
+        <a:font script="Viet" typeface="Arial"/>
+        <a:font script="Uigh" typeface="Microsoft Uighur"/>
+        <a:font script="Geor" typeface="Sylfaen"/>
+      </a:minorFont>
+    </a:fontScheme>
+    <a:fmtScheme name="Office">
+      <a:fillStyleLst>
+        <a:solidFill>
+          <a:schemeClr val="phClr"/>
+        </a:solidFill>
+        <a:gradFill rotWithShape="1">
+          <a:gsLst>
+            <a:gs pos="0">
+              <a:schemeClr val="phClr">
+                <a:lumMod val="110000"/>
+                <a:satMod val="105000"/>
+                <a:tint val="67000"/>
+              </a:schemeClr>
+            </a:gs>
+            <a:gs pos="50000">
+              <a:schemeClr val="phClr">
+                <a:lumMod val="105000"/>
+                <a:satMod val="103000"/>
+                <a:tint val="73000"/>
+              </a:schemeClr>
+            </a:gs>
+            <a:gs pos="100000">
+              <a:schemeClr val="phClr">
+                <a:lumMod val="105000"/>
+                <a:satMod val="109000"/>
+                <a:tint val="81000"/>
+              </a:schemeClr>
+            </a:gs>
+          </a:gsLst>
+          <a:lin ang="5400000" scaled="0"/>
+        </a:gradFill>
+        <a:gradFill rotWithShape="1">
+          <a:gsLst>
+            <a:gs pos="0">
+              <a:schemeClr val="phClr">
+                <a:satMod val="103000"/>
+                <a:lumMod val="102000"/>
+                <a:tint val="94000"/>
+              </a:schemeClr>
+            </a:gs>
+            <a:gs pos="50000">
+              <a:schemeClr val="phClr">
+                <a:satMod val="110000"/>
+                <a:lumMod val="100000"/>
+                <a:shade val="100000"/>
+              </a:schemeClr>
+            </a:gs>
+            <a:gs pos="100000">
+              <a:schemeClr val="phClr">
+                <a:lumMod val="99000"/>
+                <a:satMod val="120000"/>
+                <a:shade val="78000"/>
+              </a:schemeClr>
+            </a:gs>
+          </a:gsLst>
+          <a:lin ang="5400000" scaled="0"/>
+        </a:gradFill>
+      </a:fillStyleLst>
+      <a:lnStyleLst>
+        <a:ln w="6350" cap="flat" cmpd="sng" algn="ctr">
+          <a:solidFill>
+            <a:schemeClr val="phClr"/>
+          </a:solidFill>
+          <a:prstDash val="solid"/>
+          <a:miter lim="800000"/>
+        </a:ln>
+        <a:ln w="12700" cap="flat" cmpd="sng" algn="ctr">
+          <a:solidFill>
+            <a:schemeClr val="phClr"/>
+          </a:solidFill>
+          <a:prstDash val="solid"/>
+          <a:miter lim="800000"/>
+        </a:ln>
+        <a:ln w="19050" cap="flat" cmpd="sng" algn="ctr">
+          <a:solidFill>
+            <a:schemeClr val="phClr"/>
+          </a:solidFill>
+          <a:prstDash val="solid"/>
+          <a:miter lim="800000"/>
+        </a:ln>
+      </a:lnStyleLst>
+      <a:effectStyleLst>
+        <a:effectStyle>
+          <a:effectLst/>
+        </a:effectStyle>
+        <a:effectStyle>
+          <a:effectLst/>
+        </a:effectStyle>
+        <a:effectStyle>
+          <a:effectLst>
+            <a:outerShdw blurRad="57150" dist="19050" dir="5400000" algn="ctr" rotWithShape="0">
+              <a:srgbClr val="000000">
+                <a:alpha val="63000"/>
+              </a:srgbClr>
+            </a:outerShdw>
+          </a:effectLst>
+        </a:effectStyle>
+      </a:effectStyleLst>
+      <a:bgFillStyleLst>
+        <a:solidFill>
+          <a:schemeClr val="phClr"/>
+        </a:solidFill>
+        <a:solidFill>
+          <a:schemeClr val="phClr">
+            <a:tint val="95000"/>
+            <a:satMod val="170000"/>
+          </a:schemeClr>
+        </a:solidFill>
+        <a:gradFill rotWithShape="1">
+          <a:gsLst>
+            <a:gs pos="0">
+              <a:schemeClr val="phClr">
+                <a:tint val="93000"/>
+                <a:satMod val="150000"/>
+                <a:shade val="98000"/>
+                <a:lumMod val="102000"/>
+              </a:schemeClr>
+            </a:gs>
+            <a:gs pos="50000">
+              <a:schemeClr val="phClr">
+                <a:tint val="98000"/>
+                <a:satMod val="130000"/>
+                <a:shade val="90000"/>
+                <a:lumMod val="103000"/>
+              </a:schemeClr>
+            </a:gs>
+            <a:gs pos="100000">
+              <a:schemeClr val="phClr">
+                <a:shade val="63000"/>
+                <a:satMod val="120000"/>
+              </a:schemeClr>
+            </a:gs>
+          </a:gsLst>
+          <a:lin ang="5400000" scaled="0"/>
+        </a:gradFill>
+      </a:bgFillStyleLst>
+    </a:fmtScheme>
+  </a:themeElements>
   <a:extLst>
     <a:ext uri="{05A4C25C-085E-4340-85A3-A5531E510DB2}">
       <thm15:themeFamily xmlns:thm15="http://schemas.microsoft.com/office/thememl/2012/main" name="Office Theme" id="{62F939B6-93AF-4DB8-9C6B-D6C7DFDC589F}" vid="{4A3C46E8-61CC-4603-A589-7422A47A8E4A}"/>
